--- a/Cours_seance_2_2020.pptx
+++ b/Cours_seance_2_2020.pptx
@@ -5,7 +5,7 @@
     <p:sldMasterId id="2147483672" r:id="rId1"/>
   </p:sldMasterIdLst>
   <p:notesMasterIdLst>
-    <p:notesMasterId r:id="rId18"/>
+    <p:notesMasterId r:id="rId22"/>
   </p:notesMasterIdLst>
   <p:sldIdLst>
     <p:sldId id="267" r:id="rId2"/>
@@ -19,11 +19,15 @@
     <p:sldId id="275" r:id="rId10"/>
     <p:sldId id="276" r:id="rId11"/>
     <p:sldId id="277" r:id="rId12"/>
-    <p:sldId id="279" r:id="rId13"/>
-    <p:sldId id="278" r:id="rId14"/>
-    <p:sldId id="280" r:id="rId15"/>
-    <p:sldId id="281" r:id="rId16"/>
-    <p:sldId id="282" r:id="rId17"/>
+    <p:sldId id="284" r:id="rId13"/>
+    <p:sldId id="285" r:id="rId14"/>
+    <p:sldId id="286" r:id="rId15"/>
+    <p:sldId id="287" r:id="rId16"/>
+    <p:sldId id="279" r:id="rId17"/>
+    <p:sldId id="278" r:id="rId18"/>
+    <p:sldId id="280" r:id="rId19"/>
+    <p:sldId id="281" r:id="rId20"/>
+    <p:sldId id="282" r:id="rId21"/>
   </p:sldIdLst>
   <p:sldSz cx="12192000" cy="6858000"/>
   <p:notesSz cx="6858000" cy="9144000"/>
@@ -212,7 +216,7 @@
           <a:p>
             <a:fld id="{68407A44-ACB3-49FA-BFDD-E508664716F1}" type="datetimeFigureOut">
               <a:rPr lang="fr-FR" smtClean="0"/>
-              <a:t>28/08/2020</a:t>
+              <a:t>24/09/2020</a:t>
             </a:fld>
             <a:endParaRPr lang="fr-FR"/>
           </a:p>
@@ -3155,6 +3159,13 @@
   <p:clrMapOvr>
     <a:masterClrMapping/>
   </p:clrMapOvr>
+  <p:timing>
+    <p:tnLst>
+      <p:par>
+        <p:cTn id="1" dur="indefinite" restart="never" nodeType="tmRoot"/>
+      </p:par>
+    </p:tnLst>
+  </p:timing>
 </p:sld>
 </file>
 
@@ -4158,10 +4169,6625 @@
   <p:clrMapOvr>
     <a:masterClrMapping/>
   </p:clrMapOvr>
+  <p:timing>
+    <p:tnLst>
+      <p:par>
+        <p:cTn id="1" dur="indefinite" restart="never" nodeType="tmRoot"/>
+      </p:par>
+    </p:tnLst>
+  </p:timing>
 </p:sld>
 </file>
 
 <file path=ppt/slides/slide12.xml><?xml version="1.0" encoding="utf-8"?>
+<p:sld xmlns:a="http://schemas.openxmlformats.org/drawingml/2006/main" xmlns:r="http://schemas.openxmlformats.org/officeDocument/2006/relationships" xmlns:p="http://schemas.openxmlformats.org/presentationml/2006/main">
+  <p:cSld>
+    <p:spTree>
+      <p:nvGrpSpPr>
+        <p:cNvPr id="1" name=""/>
+        <p:cNvGrpSpPr/>
+        <p:nvPr/>
+      </p:nvGrpSpPr>
+      <p:grpSpPr>
+        <a:xfrm>
+          <a:off x="0" y="0"/>
+          <a:ext cx="0" cy="0"/>
+          <a:chOff x="0" y="0"/>
+          <a:chExt cx="0" cy="0"/>
+        </a:xfrm>
+      </p:grpSpPr>
+      <p:pic>
+        <p:nvPicPr>
+          <p:cNvPr id="4" name="Image 3"/>
+          <p:cNvPicPr>
+            <a:picLocks noChangeAspect="1"/>
+          </p:cNvPicPr>
+          <p:nvPr/>
+        </p:nvPicPr>
+        <p:blipFill>
+          <a:blip r:embed="rId2" cstate="print">
+            <a:extLst>
+              <a:ext uri="{28A0092B-C50C-407E-A947-70E740481C1C}">
+                <a14:useLocalDpi xmlns:a14="http://schemas.microsoft.com/office/drawing/2010/main" val="0"/>
+              </a:ext>
+            </a:extLst>
+          </a:blip>
+          <a:stretch>
+            <a:fillRect/>
+          </a:stretch>
+        </p:blipFill>
+        <p:spPr>
+          <a:xfrm rot="16200000">
+            <a:off x="5983654" y="2173654"/>
+            <a:ext cx="224692" cy="9144000"/>
+          </a:xfrm>
+          <a:prstGeom prst="rect">
+            <a:avLst/>
+          </a:prstGeom>
+        </p:spPr>
+      </p:pic>
+      <p:sp>
+        <p:nvSpPr>
+          <p:cNvPr id="10" name="Espace réservé du texte 3"/>
+          <p:cNvSpPr txBox="1">
+            <a:spLocks/>
+          </p:cNvSpPr>
+          <p:nvPr/>
+        </p:nvSpPr>
+        <p:spPr>
+          <a:xfrm>
+            <a:off x="1909311" y="1637331"/>
+            <a:ext cx="8044906" cy="3902342"/>
+          </a:xfrm>
+          <a:prstGeom prst="rect">
+            <a:avLst/>
+          </a:prstGeom>
+        </p:spPr>
+        <p:txBody>
+          <a:bodyPr vert="horz" lIns="91440" tIns="45720" rIns="91440" bIns="45720" rtlCol="0" anchor="ctr"/>
+          <a:lstStyle>
+            <a:defPPr>
+              <a:defRPr lang="fr-FR"/>
+            </a:defPPr>
+            <a:lvl1pPr marL="0" algn="l" defTabSz="914400" rtl="0" eaLnBrk="1" latinLnBrk="0" hangingPunct="1">
+              <a:defRPr sz="1200" kern="1200">
+                <a:solidFill>
+                  <a:schemeClr val="tx1">
+                    <a:tint val="75000"/>
+                  </a:schemeClr>
+                </a:solidFill>
+                <a:latin typeface="+mn-lt"/>
+                <a:ea typeface="+mn-ea"/>
+                <a:cs typeface="+mn-cs"/>
+              </a:defRPr>
+            </a:lvl1pPr>
+            <a:lvl2pPr marL="457200" algn="l" defTabSz="914400" rtl="0" eaLnBrk="1" latinLnBrk="0" hangingPunct="1">
+              <a:defRPr sz="1800" kern="1200">
+                <a:solidFill>
+                  <a:schemeClr val="tx1"/>
+                </a:solidFill>
+                <a:latin typeface="+mn-lt"/>
+                <a:ea typeface="+mn-ea"/>
+                <a:cs typeface="+mn-cs"/>
+              </a:defRPr>
+            </a:lvl2pPr>
+            <a:lvl3pPr marL="914400" algn="l" defTabSz="914400" rtl="0" eaLnBrk="1" latinLnBrk="0" hangingPunct="1">
+              <a:defRPr sz="1800" kern="1200">
+                <a:solidFill>
+                  <a:schemeClr val="tx1"/>
+                </a:solidFill>
+                <a:latin typeface="+mn-lt"/>
+                <a:ea typeface="+mn-ea"/>
+                <a:cs typeface="+mn-cs"/>
+              </a:defRPr>
+            </a:lvl3pPr>
+            <a:lvl4pPr marL="1371600" algn="l" defTabSz="914400" rtl="0" eaLnBrk="1" latinLnBrk="0" hangingPunct="1">
+              <a:defRPr sz="1800" kern="1200">
+                <a:solidFill>
+                  <a:schemeClr val="tx1"/>
+                </a:solidFill>
+                <a:latin typeface="+mn-lt"/>
+                <a:ea typeface="+mn-ea"/>
+                <a:cs typeface="+mn-cs"/>
+              </a:defRPr>
+            </a:lvl4pPr>
+            <a:lvl5pPr marL="1828800" algn="l" defTabSz="914400" rtl="0" eaLnBrk="1" latinLnBrk="0" hangingPunct="1">
+              <a:defRPr sz="1800" kern="1200">
+                <a:solidFill>
+                  <a:schemeClr val="tx1"/>
+                </a:solidFill>
+                <a:latin typeface="+mn-lt"/>
+                <a:ea typeface="+mn-ea"/>
+                <a:cs typeface="+mn-cs"/>
+              </a:defRPr>
+            </a:lvl5pPr>
+            <a:lvl6pPr marL="2286000" algn="l" defTabSz="914400" rtl="0" eaLnBrk="1" latinLnBrk="0" hangingPunct="1">
+              <a:defRPr sz="1800" kern="1200">
+                <a:solidFill>
+                  <a:schemeClr val="tx1"/>
+                </a:solidFill>
+                <a:latin typeface="+mn-lt"/>
+                <a:ea typeface="+mn-ea"/>
+                <a:cs typeface="+mn-cs"/>
+              </a:defRPr>
+            </a:lvl6pPr>
+            <a:lvl7pPr marL="2743200" algn="l" defTabSz="914400" rtl="0" eaLnBrk="1" latinLnBrk="0" hangingPunct="1">
+              <a:defRPr sz="1800" kern="1200">
+                <a:solidFill>
+                  <a:schemeClr val="tx1"/>
+                </a:solidFill>
+                <a:latin typeface="+mn-lt"/>
+                <a:ea typeface="+mn-ea"/>
+                <a:cs typeface="+mn-cs"/>
+              </a:defRPr>
+            </a:lvl7pPr>
+            <a:lvl8pPr marL="3200400" algn="l" defTabSz="914400" rtl="0" eaLnBrk="1" latinLnBrk="0" hangingPunct="1">
+              <a:defRPr sz="1800" kern="1200">
+                <a:solidFill>
+                  <a:schemeClr val="tx1"/>
+                </a:solidFill>
+                <a:latin typeface="+mn-lt"/>
+                <a:ea typeface="+mn-ea"/>
+                <a:cs typeface="+mn-cs"/>
+              </a:defRPr>
+            </a:lvl8pPr>
+            <a:lvl9pPr marL="3657600" algn="l" defTabSz="914400" rtl="0" eaLnBrk="1" latinLnBrk="0" hangingPunct="1">
+              <a:defRPr sz="1800" kern="1200">
+                <a:solidFill>
+                  <a:schemeClr val="tx1"/>
+                </a:solidFill>
+                <a:latin typeface="+mn-lt"/>
+                <a:ea typeface="+mn-ea"/>
+                <a:cs typeface="+mn-cs"/>
+              </a:defRPr>
+            </a:lvl9pPr>
+          </a:lstStyle>
+          <a:p>
+            <a:r>
+              <a:rPr lang="fr-FR" sz="1600" dirty="0">
+                <a:solidFill>
+                  <a:schemeClr val="tx1">
+                    <a:lumMod val="75000"/>
+                    <a:lumOff val="25000"/>
+                  </a:schemeClr>
+                </a:solidFill>
+                <a:latin typeface="Open Sans" panose="020B0606030504020204" pitchFamily="34" charset="0"/>
+                <a:ea typeface="Open Sans" panose="020B0606030504020204" pitchFamily="34" charset="0"/>
+                <a:cs typeface="Open Sans" panose="020B0606030504020204" pitchFamily="34" charset="0"/>
+              </a:rPr>
+              <a:t>Corps de texte</a:t>
+            </a:r>
+          </a:p>
+        </p:txBody>
+      </p:sp>
+      <p:sp>
+        <p:nvSpPr>
+          <p:cNvPr id="3" name="Title 2">
+            <a:extLst>
+              <a:ext uri="{FF2B5EF4-FFF2-40B4-BE49-F238E27FC236}">
+                <a16:creationId xmlns:a16="http://schemas.microsoft.com/office/drawing/2014/main" id="{A1A923CD-45DF-9448-B44B-C121FABDD12D}"/>
+              </a:ext>
+            </a:extLst>
+          </p:cNvPr>
+          <p:cNvSpPr>
+            <a:spLocks noGrp="1"/>
+          </p:cNvSpPr>
+          <p:nvPr>
+            <p:ph type="title"/>
+          </p:nvPr>
+        </p:nvSpPr>
+        <p:spPr/>
+        <p:txBody>
+          <a:bodyPr/>
+          <a:lstStyle/>
+          <a:p>
+            <a:r>
+              <a:rPr lang="fr-FR" dirty="0" smtClean="0">
+                <a:solidFill>
+                  <a:srgbClr val="313E48"/>
+                </a:solidFill>
+              </a:rPr>
+              <a:t>Applications – Dérivée usuelle 1</a:t>
+            </a:r>
+            <a:endParaRPr lang="fr-FR" dirty="0">
+              <a:solidFill>
+                <a:srgbClr val="313E48"/>
+              </a:solidFill>
+            </a:endParaRPr>
+          </a:p>
+        </p:txBody>
+      </p:sp>
+      <mc:AlternateContent xmlns:mc="http://schemas.openxmlformats.org/markup-compatibility/2006">
+        <mc:Choice xmlns:a14="http://schemas.microsoft.com/office/drawing/2010/main" Requires="a14">
+          <p:sp>
+            <p:nvSpPr>
+              <p:cNvPr id="5" name="Content Placeholder 4">
+                <a:extLst>
+                  <a:ext uri="{FF2B5EF4-FFF2-40B4-BE49-F238E27FC236}">
+                    <a16:creationId xmlns:a16="http://schemas.microsoft.com/office/drawing/2014/main" id="{85B949DE-4768-7144-9464-E25DC45F3FAF}"/>
+                  </a:ext>
+                </a:extLst>
+              </p:cNvPr>
+              <p:cNvSpPr>
+                <a:spLocks noGrp="1"/>
+              </p:cNvSpPr>
+              <p:nvPr>
+                <p:ph idx="1"/>
+              </p:nvPr>
+            </p:nvSpPr>
+            <p:spPr>
+              <a:xfrm>
+                <a:off x="623392" y="1556793"/>
+                <a:ext cx="10565307" cy="4366930"/>
+              </a:xfrm>
+            </p:spPr>
+            <p:txBody>
+              <a:bodyPr/>
+              <a:lstStyle/>
+              <a:p>
+                <a:r>
+                  <a:rPr lang="fr-FR" b="1" u="sng" dirty="0" smtClean="0"/>
+                  <a:t>Première dérivée usuelle :</a:t>
+                </a:r>
+                <a:r>
+                  <a:rPr lang="fr-FR" dirty="0" smtClean="0"/>
+                  <a:t> Soit </a:t>
+                </a:r>
+                <a14:m>
+                  <m:oMath xmlns:m="http://schemas.openxmlformats.org/officeDocument/2006/math">
+                    <m:r>
+                      <a:rPr lang="fr-FR" b="0" i="1" smtClean="0">
+                        <a:latin typeface="Cambria Math" panose="02040503050406030204" pitchFamily="18" charset="0"/>
+                      </a:rPr>
+                      <m:t>𝑓</m:t>
+                    </m:r>
+                    <m:d>
+                      <m:dPr>
+                        <m:ctrlPr>
+                          <a:rPr lang="fr-FR" b="0" i="1" smtClean="0">
+                            <a:latin typeface="Cambria Math" panose="02040503050406030204" pitchFamily="18" charset="0"/>
+                          </a:rPr>
+                        </m:ctrlPr>
+                      </m:dPr>
+                      <m:e>
+                        <m:r>
+                          <a:rPr lang="fr-FR" b="0" i="1" smtClean="0">
+                            <a:latin typeface="Cambria Math" panose="02040503050406030204" pitchFamily="18" charset="0"/>
+                          </a:rPr>
+                          <m:t>𝑥</m:t>
+                        </m:r>
+                      </m:e>
+                    </m:d>
+                    <m:r>
+                      <a:rPr lang="fr-FR" b="0" i="1" smtClean="0">
+                        <a:latin typeface="Cambria Math" panose="02040503050406030204" pitchFamily="18" charset="0"/>
+                      </a:rPr>
+                      <m:t>=</m:t>
+                    </m:r>
+                    <m:r>
+                      <a:rPr lang="fr-FR" b="0" i="1" smtClean="0">
+                        <a:latin typeface="Cambria Math" panose="02040503050406030204" pitchFamily="18" charset="0"/>
+                      </a:rPr>
+                      <m:t>𝑘</m:t>
+                    </m:r>
+                    <m:r>
+                      <a:rPr lang="fr-FR" b="0" i="1" smtClean="0">
+                        <a:latin typeface="Cambria Math" panose="02040503050406030204" pitchFamily="18" charset="0"/>
+                      </a:rPr>
+                      <m:t>, </m:t>
+                    </m:r>
+                    <m:r>
+                      <a:rPr lang="fr-FR" b="0" i="1" smtClean="0">
+                        <a:latin typeface="Cambria Math" panose="02040503050406030204" pitchFamily="18" charset="0"/>
+                      </a:rPr>
+                      <m:t>𝑘</m:t>
+                    </m:r>
+                    <m:r>
+                      <a:rPr lang="fr-FR" b="0" i="1" smtClean="0">
+                        <a:latin typeface="Cambria Math" panose="02040503050406030204" pitchFamily="18" charset="0"/>
+                        <a:ea typeface="Cambria Math" panose="02040503050406030204" pitchFamily="18" charset="0"/>
+                      </a:rPr>
+                      <m:t>∈</m:t>
+                    </m:r>
+                    <m:r>
+                      <a:rPr lang="fr-FR" b="0" i="1" smtClean="0">
+                        <a:latin typeface="Cambria Math" panose="02040503050406030204" pitchFamily="18" charset="0"/>
+                        <a:ea typeface="Cambria Math" panose="02040503050406030204" pitchFamily="18" charset="0"/>
+                      </a:rPr>
+                      <m:t>𝕽</m:t>
+                    </m:r>
+                  </m:oMath>
+                </a14:m>
+                <a:r>
+                  <a:rPr lang="fr-FR" dirty="0" smtClean="0"/>
+                  <a:t> alors </a:t>
+                </a:r>
+                <a14:m>
+                  <m:oMath xmlns:m="http://schemas.openxmlformats.org/officeDocument/2006/math">
+                    <m:sSup>
+                      <m:sSupPr>
+                        <m:ctrlPr>
+                          <a:rPr lang="fr-FR" b="0" i="1" smtClean="0">
+                            <a:latin typeface="Cambria Math" panose="02040503050406030204" pitchFamily="18" charset="0"/>
+                          </a:rPr>
+                        </m:ctrlPr>
+                      </m:sSupPr>
+                      <m:e>
+                        <m:r>
+                          <a:rPr lang="fr-FR" b="0" i="1" smtClean="0">
+                            <a:latin typeface="Cambria Math" panose="02040503050406030204" pitchFamily="18" charset="0"/>
+                          </a:rPr>
+                          <m:t>𝑓</m:t>
+                        </m:r>
+                      </m:e>
+                      <m:sup>
+                        <m:r>
+                          <a:rPr lang="fr-FR" b="0" i="1" smtClean="0">
+                            <a:latin typeface="Cambria Math" panose="02040503050406030204" pitchFamily="18" charset="0"/>
+                          </a:rPr>
+                          <m:t>′</m:t>
+                        </m:r>
+                      </m:sup>
+                    </m:sSup>
+                    <m:d>
+                      <m:dPr>
+                        <m:ctrlPr>
+                          <a:rPr lang="fr-FR" b="0" i="1" smtClean="0">
+                            <a:latin typeface="Cambria Math" panose="02040503050406030204" pitchFamily="18" charset="0"/>
+                          </a:rPr>
+                        </m:ctrlPr>
+                      </m:dPr>
+                      <m:e>
+                        <m:r>
+                          <a:rPr lang="fr-FR" b="0" i="1" smtClean="0">
+                            <a:latin typeface="Cambria Math" panose="02040503050406030204" pitchFamily="18" charset="0"/>
+                          </a:rPr>
+                          <m:t>𝑥</m:t>
+                        </m:r>
+                      </m:e>
+                    </m:d>
+                    <m:r>
+                      <a:rPr lang="fr-FR" b="0" i="1" smtClean="0">
+                        <a:latin typeface="Cambria Math" panose="02040503050406030204" pitchFamily="18" charset="0"/>
+                      </a:rPr>
+                      <m:t>=0</m:t>
+                    </m:r>
+                  </m:oMath>
+                </a14:m>
+                <a:endParaRPr lang="fr-FR" dirty="0"/>
+              </a:p>
+              <a:p>
+                <a:pPr marL="0" indent="0">
+                  <a:buNone/>
+                </a:pPr>
+                <a:endParaRPr lang="fr-FR" dirty="0"/>
+              </a:p>
+              <a:p>
+                <a:r>
+                  <a:rPr lang="fr-FR" b="1" u="sng" dirty="0" smtClean="0"/>
+                  <a:t>Démonstration:</a:t>
+                </a:r>
+              </a:p>
+              <a:p>
+                <a:pPr lvl="1"/>
+                <a:r>
+                  <a:rPr lang="fr-FR" dirty="0" smtClean="0"/>
+                  <a:t>Soit </a:t>
+                </a:r>
+                <a14:m>
+                  <m:oMath xmlns:m="http://schemas.openxmlformats.org/officeDocument/2006/math">
+                    <m:r>
+                      <a:rPr lang="fr-FR" b="0" i="1" smtClean="0">
+                        <a:latin typeface="Cambria Math" panose="02040503050406030204" pitchFamily="18" charset="0"/>
+                      </a:rPr>
+                      <m:t>𝑓</m:t>
+                    </m:r>
+                  </m:oMath>
+                </a14:m>
+                <a:r>
+                  <a:rPr lang="fr-FR" dirty="0" smtClean="0"/>
+                  <a:t> une fonction qui à </a:t>
+                </a:r>
+                <a14:m>
+                  <m:oMath xmlns:m="http://schemas.openxmlformats.org/officeDocument/2006/math">
+                    <m:r>
+                      <a:rPr lang="fr-FR" b="0" i="1" smtClean="0">
+                        <a:latin typeface="Cambria Math" panose="02040503050406030204" pitchFamily="18" charset="0"/>
+                      </a:rPr>
+                      <m:t>𝑥</m:t>
+                    </m:r>
+                  </m:oMath>
+                </a14:m>
+                <a:r>
+                  <a:rPr lang="fr-FR" dirty="0" smtClean="0"/>
+                  <a:t> associe </a:t>
+                </a:r>
+                <a14:m>
+                  <m:oMath xmlns:m="http://schemas.openxmlformats.org/officeDocument/2006/math">
+                    <m:r>
+                      <a:rPr lang="fr-FR" b="0" i="1" smtClean="0">
+                        <a:latin typeface="Cambria Math" panose="02040503050406030204" pitchFamily="18" charset="0"/>
+                      </a:rPr>
+                      <m:t>𝑘</m:t>
+                    </m:r>
+                    <m:r>
+                      <a:rPr lang="fr-FR" b="0" i="1" smtClean="0">
+                        <a:latin typeface="Cambria Math" panose="02040503050406030204" pitchFamily="18" charset="0"/>
+                      </a:rPr>
+                      <m:t>, </m:t>
+                    </m:r>
+                    <m:r>
+                      <a:rPr lang="fr-FR" b="0" i="1" smtClean="0">
+                        <a:latin typeface="Cambria Math" panose="02040503050406030204" pitchFamily="18" charset="0"/>
+                      </a:rPr>
+                      <m:t>𝑘</m:t>
+                    </m:r>
+                    <m:r>
+                      <a:rPr lang="fr-FR" i="1">
+                        <a:latin typeface="Cambria Math" panose="02040503050406030204" pitchFamily="18" charset="0"/>
+                        <a:ea typeface="Cambria Math" panose="02040503050406030204" pitchFamily="18" charset="0"/>
+                      </a:rPr>
+                      <m:t>∈</m:t>
+                    </m:r>
+                    <m:r>
+                      <a:rPr lang="fr-FR" i="1">
+                        <a:latin typeface="Cambria Math" panose="02040503050406030204" pitchFamily="18" charset="0"/>
+                        <a:ea typeface="Cambria Math" panose="02040503050406030204" pitchFamily="18" charset="0"/>
+                      </a:rPr>
+                      <m:t>𝕽</m:t>
+                    </m:r>
+                  </m:oMath>
+                </a14:m>
+                <a:endParaRPr lang="fr-FR" dirty="0" smtClean="0"/>
+              </a:p>
+              <a:p>
+                <a:pPr lvl="1"/>
+                <a:r>
+                  <a:rPr lang="fr-FR" dirty="0" smtClean="0"/>
+                  <a:t>Sa dérivée est définie par : </a:t>
+                </a:r>
+                <a14:m>
+                  <m:oMath xmlns:m="http://schemas.openxmlformats.org/officeDocument/2006/math">
+                    <m:sSup>
+                      <m:sSupPr>
+                        <m:ctrlPr>
+                          <a:rPr lang="fr-FR" b="0" i="1" smtClean="0">
+                            <a:latin typeface="Cambria Math" panose="02040503050406030204" pitchFamily="18" charset="0"/>
+                          </a:rPr>
+                        </m:ctrlPr>
+                      </m:sSupPr>
+                      <m:e>
+                        <m:r>
+                          <a:rPr lang="fr-FR" b="0" i="1" smtClean="0">
+                            <a:latin typeface="Cambria Math" panose="02040503050406030204" pitchFamily="18" charset="0"/>
+                          </a:rPr>
+                          <m:t>𝑓</m:t>
+                        </m:r>
+                      </m:e>
+                      <m:sup>
+                        <m:r>
+                          <a:rPr lang="fr-FR" b="0" i="1" smtClean="0">
+                            <a:latin typeface="Cambria Math" panose="02040503050406030204" pitchFamily="18" charset="0"/>
+                          </a:rPr>
+                          <m:t>′</m:t>
+                        </m:r>
+                      </m:sup>
+                    </m:sSup>
+                    <m:d>
+                      <m:dPr>
+                        <m:ctrlPr>
+                          <a:rPr lang="fr-FR" b="0" i="1" smtClean="0">
+                            <a:latin typeface="Cambria Math" panose="02040503050406030204" pitchFamily="18" charset="0"/>
+                          </a:rPr>
+                        </m:ctrlPr>
+                      </m:dPr>
+                      <m:e>
+                        <m:r>
+                          <a:rPr lang="fr-FR" b="0" i="1" smtClean="0">
+                            <a:latin typeface="Cambria Math" panose="02040503050406030204" pitchFamily="18" charset="0"/>
+                          </a:rPr>
+                          <m:t>𝑥</m:t>
+                        </m:r>
+                      </m:e>
+                    </m:d>
+                    <m:r>
+                      <a:rPr lang="fr-FR" b="0" i="1" smtClean="0">
+                        <a:latin typeface="Cambria Math" panose="02040503050406030204" pitchFamily="18" charset="0"/>
+                      </a:rPr>
+                      <m:t>=</m:t>
+                    </m:r>
+                    <m:func>
+                      <m:funcPr>
+                        <m:ctrlPr>
+                          <a:rPr lang="fr-FR" b="0" i="1" smtClean="0">
+                            <a:latin typeface="Cambria Math" panose="02040503050406030204" pitchFamily="18" charset="0"/>
+                          </a:rPr>
+                        </m:ctrlPr>
+                      </m:funcPr>
+                      <m:fName>
+                        <m:limLow>
+                          <m:limLowPr>
+                            <m:ctrlPr>
+                              <a:rPr lang="fr-FR" b="0" i="1" smtClean="0">
+                                <a:latin typeface="Cambria Math" panose="02040503050406030204" pitchFamily="18" charset="0"/>
+                              </a:rPr>
+                            </m:ctrlPr>
+                          </m:limLowPr>
+                          <m:e>
+                            <m:r>
+                              <m:rPr>
+                                <m:sty m:val="p"/>
+                              </m:rPr>
+                              <a:rPr lang="fr-FR" b="0" i="0" smtClean="0">
+                                <a:latin typeface="Cambria Math" panose="02040503050406030204" pitchFamily="18" charset="0"/>
+                              </a:rPr>
+                              <m:t>lim</m:t>
+                            </m:r>
+                          </m:e>
+                          <m:lim>
+                            <m:r>
+                              <a:rPr lang="fr-FR" b="0" i="1" smtClean="0">
+                                <a:latin typeface="Cambria Math" panose="02040503050406030204" pitchFamily="18" charset="0"/>
+                              </a:rPr>
+                              <m:t>h</m:t>
+                            </m:r>
+                            <m:r>
+                              <a:rPr lang="fr-FR" i="1">
+                                <a:latin typeface="Cambria Math" panose="02040503050406030204" pitchFamily="18" charset="0"/>
+                                <a:ea typeface="Cambria Math" panose="02040503050406030204" pitchFamily="18" charset="0"/>
+                              </a:rPr>
+                              <m:t>→</m:t>
+                            </m:r>
+                            <m:r>
+                              <a:rPr lang="fr-FR" b="0" i="1" smtClean="0">
+                                <a:latin typeface="Cambria Math" panose="02040503050406030204" pitchFamily="18" charset="0"/>
+                                <a:ea typeface="Cambria Math" panose="02040503050406030204" pitchFamily="18" charset="0"/>
+                              </a:rPr>
+                              <m:t>0</m:t>
+                            </m:r>
+                          </m:lim>
+                        </m:limLow>
+                      </m:fName>
+                      <m:e>
+                        <m:f>
+                          <m:fPr>
+                            <m:ctrlPr>
+                              <a:rPr lang="fr-FR" b="0" i="1" smtClean="0">
+                                <a:latin typeface="Cambria Math" panose="02040503050406030204" pitchFamily="18" charset="0"/>
+                              </a:rPr>
+                            </m:ctrlPr>
+                          </m:fPr>
+                          <m:num>
+                            <m:r>
+                              <a:rPr lang="fr-FR" b="0" i="1" smtClean="0">
+                                <a:latin typeface="Cambria Math" panose="02040503050406030204" pitchFamily="18" charset="0"/>
+                              </a:rPr>
+                              <m:t>𝑓</m:t>
+                            </m:r>
+                            <m:d>
+                              <m:dPr>
+                                <m:ctrlPr>
+                                  <a:rPr lang="fr-FR" b="0" i="1" smtClean="0">
+                                    <a:latin typeface="Cambria Math" panose="02040503050406030204" pitchFamily="18" charset="0"/>
+                                  </a:rPr>
+                                </m:ctrlPr>
+                              </m:dPr>
+                              <m:e>
+                                <m:r>
+                                  <a:rPr lang="fr-FR" b="0" i="1" smtClean="0">
+                                    <a:latin typeface="Cambria Math" panose="02040503050406030204" pitchFamily="18" charset="0"/>
+                                  </a:rPr>
+                                  <m:t>𝑥</m:t>
+                                </m:r>
+                                <m:r>
+                                  <a:rPr lang="fr-FR" b="0" i="1" smtClean="0">
+                                    <a:latin typeface="Cambria Math" panose="02040503050406030204" pitchFamily="18" charset="0"/>
+                                  </a:rPr>
+                                  <m:t>+</m:t>
+                                </m:r>
+                                <m:r>
+                                  <a:rPr lang="fr-FR" b="0" i="1" smtClean="0">
+                                    <a:latin typeface="Cambria Math" panose="02040503050406030204" pitchFamily="18" charset="0"/>
+                                  </a:rPr>
+                                  <m:t>h</m:t>
+                                </m:r>
+                              </m:e>
+                            </m:d>
+                            <m:r>
+                              <a:rPr lang="fr-FR" b="0" i="1" smtClean="0">
+                                <a:latin typeface="Cambria Math" panose="02040503050406030204" pitchFamily="18" charset="0"/>
+                              </a:rPr>
+                              <m:t>−</m:t>
+                            </m:r>
+                            <m:r>
+                              <a:rPr lang="fr-FR" b="0" i="1" smtClean="0">
+                                <a:latin typeface="Cambria Math" panose="02040503050406030204" pitchFamily="18" charset="0"/>
+                              </a:rPr>
+                              <m:t>𝑓</m:t>
+                            </m:r>
+                            <m:r>
+                              <a:rPr lang="fr-FR" b="0" i="1" smtClean="0">
+                                <a:latin typeface="Cambria Math" panose="02040503050406030204" pitchFamily="18" charset="0"/>
+                              </a:rPr>
+                              <m:t>(</m:t>
+                            </m:r>
+                            <m:r>
+                              <a:rPr lang="fr-FR" b="0" i="1" smtClean="0">
+                                <a:latin typeface="Cambria Math" panose="02040503050406030204" pitchFamily="18" charset="0"/>
+                              </a:rPr>
+                              <m:t>𝑥</m:t>
+                            </m:r>
+                            <m:r>
+                              <a:rPr lang="fr-FR" b="0" i="1" smtClean="0">
+                                <a:latin typeface="Cambria Math" panose="02040503050406030204" pitchFamily="18" charset="0"/>
+                              </a:rPr>
+                              <m:t>)</m:t>
+                            </m:r>
+                          </m:num>
+                          <m:den>
+                            <m:r>
+                              <a:rPr lang="fr-FR" b="0" i="1" smtClean="0">
+                                <a:latin typeface="Cambria Math" panose="02040503050406030204" pitchFamily="18" charset="0"/>
+                              </a:rPr>
+                              <m:t>h</m:t>
+                            </m:r>
+                          </m:den>
+                        </m:f>
+                      </m:e>
+                    </m:func>
+                  </m:oMath>
+                </a14:m>
+                <a:r>
+                  <a:rPr lang="fr-FR" dirty="0" smtClean="0"/>
+                  <a:t> </a:t>
+                </a:r>
+                <a:endParaRPr lang="fr-FR" dirty="0" smtClean="0"/>
+              </a:p>
+              <a:p>
+                <a:pPr lvl="1"/>
+                <a:r>
+                  <a:rPr lang="fr-FR" dirty="0" smtClean="0"/>
+                  <a:t>Ce qui donne : </a:t>
+                </a:r>
+                <a14:m>
+                  <m:oMath xmlns:m="http://schemas.openxmlformats.org/officeDocument/2006/math">
+                    <m:sSup>
+                      <m:sSupPr>
+                        <m:ctrlPr>
+                          <a:rPr lang="fr-FR" b="0" i="1" smtClean="0">
+                            <a:solidFill>
+                              <a:srgbClr val="FF0000"/>
+                            </a:solidFill>
+                            <a:latin typeface="Cambria Math" panose="02040503050406030204" pitchFamily="18" charset="0"/>
+                          </a:rPr>
+                        </m:ctrlPr>
+                      </m:sSupPr>
+                      <m:e>
+                        <m:r>
+                          <a:rPr lang="fr-FR" b="0" i="1" smtClean="0">
+                            <a:solidFill>
+                              <a:srgbClr val="FF0000"/>
+                            </a:solidFill>
+                            <a:latin typeface="Cambria Math" panose="02040503050406030204" pitchFamily="18" charset="0"/>
+                          </a:rPr>
+                          <m:t>𝑓</m:t>
+                        </m:r>
+                      </m:e>
+                      <m:sup>
+                        <m:r>
+                          <a:rPr lang="fr-FR" b="0" i="1" smtClean="0">
+                            <a:solidFill>
+                              <a:srgbClr val="FF0000"/>
+                            </a:solidFill>
+                            <a:latin typeface="Cambria Math" panose="02040503050406030204" pitchFamily="18" charset="0"/>
+                          </a:rPr>
+                          <m:t>′</m:t>
+                        </m:r>
+                      </m:sup>
+                    </m:sSup>
+                    <m:d>
+                      <m:dPr>
+                        <m:ctrlPr>
+                          <a:rPr lang="fr-FR" b="0" i="1" smtClean="0">
+                            <a:solidFill>
+                              <a:srgbClr val="FF0000"/>
+                            </a:solidFill>
+                            <a:latin typeface="Cambria Math" panose="02040503050406030204" pitchFamily="18" charset="0"/>
+                          </a:rPr>
+                        </m:ctrlPr>
+                      </m:dPr>
+                      <m:e>
+                        <m:r>
+                          <a:rPr lang="fr-FR" b="0" i="1" smtClean="0">
+                            <a:solidFill>
+                              <a:srgbClr val="FF0000"/>
+                            </a:solidFill>
+                            <a:latin typeface="Cambria Math" panose="02040503050406030204" pitchFamily="18" charset="0"/>
+                          </a:rPr>
+                          <m:t>𝑥</m:t>
+                        </m:r>
+                      </m:e>
+                    </m:d>
+                    <m:r>
+                      <a:rPr lang="fr-FR" b="0" i="1" smtClean="0">
+                        <a:solidFill>
+                          <a:srgbClr val="FF0000"/>
+                        </a:solidFill>
+                        <a:latin typeface="Cambria Math" panose="02040503050406030204" pitchFamily="18" charset="0"/>
+                      </a:rPr>
+                      <m:t>=</m:t>
+                    </m:r>
+                    <m:func>
+                      <m:funcPr>
+                        <m:ctrlPr>
+                          <a:rPr lang="fr-FR" i="1">
+                            <a:solidFill>
+                              <a:srgbClr val="FF0000"/>
+                            </a:solidFill>
+                            <a:latin typeface="Cambria Math" panose="02040503050406030204" pitchFamily="18" charset="0"/>
+                          </a:rPr>
+                        </m:ctrlPr>
+                      </m:funcPr>
+                      <m:fName>
+                        <m:limLow>
+                          <m:limLowPr>
+                            <m:ctrlPr>
+                              <a:rPr lang="fr-FR" i="1">
+                                <a:solidFill>
+                                  <a:srgbClr val="FF0000"/>
+                                </a:solidFill>
+                                <a:latin typeface="Cambria Math" panose="02040503050406030204" pitchFamily="18" charset="0"/>
+                              </a:rPr>
+                            </m:ctrlPr>
+                          </m:limLowPr>
+                          <m:e>
+                            <m:r>
+                              <m:rPr>
+                                <m:sty m:val="p"/>
+                              </m:rPr>
+                              <a:rPr lang="fr-FR">
+                                <a:solidFill>
+                                  <a:srgbClr val="FF0000"/>
+                                </a:solidFill>
+                                <a:latin typeface="Cambria Math" panose="02040503050406030204" pitchFamily="18" charset="0"/>
+                              </a:rPr>
+                              <m:t>lim</m:t>
+                            </m:r>
+                          </m:e>
+                          <m:lim>
+                            <m:r>
+                              <a:rPr lang="fr-FR" i="1">
+                                <a:solidFill>
+                                  <a:srgbClr val="FF0000"/>
+                                </a:solidFill>
+                                <a:latin typeface="Cambria Math" panose="02040503050406030204" pitchFamily="18" charset="0"/>
+                              </a:rPr>
+                              <m:t>h</m:t>
+                            </m:r>
+                            <m:r>
+                              <a:rPr lang="fr-FR" i="1">
+                                <a:solidFill>
+                                  <a:srgbClr val="FF0000"/>
+                                </a:solidFill>
+                                <a:latin typeface="Cambria Math" panose="02040503050406030204" pitchFamily="18" charset="0"/>
+                                <a:ea typeface="Cambria Math" panose="02040503050406030204" pitchFamily="18" charset="0"/>
+                              </a:rPr>
+                              <m:t>→</m:t>
+                            </m:r>
+                            <m:r>
+                              <a:rPr lang="fr-FR" i="1">
+                                <a:solidFill>
+                                  <a:srgbClr val="FF0000"/>
+                                </a:solidFill>
+                                <a:latin typeface="Cambria Math" panose="02040503050406030204" pitchFamily="18" charset="0"/>
+                                <a:ea typeface="Cambria Math" panose="02040503050406030204" pitchFamily="18" charset="0"/>
+                              </a:rPr>
+                              <m:t>0</m:t>
+                            </m:r>
+                          </m:lim>
+                        </m:limLow>
+                      </m:fName>
+                      <m:e>
+                        <m:f>
+                          <m:fPr>
+                            <m:ctrlPr>
+                              <a:rPr lang="fr-FR" i="1">
+                                <a:solidFill>
+                                  <a:srgbClr val="FF0000"/>
+                                </a:solidFill>
+                                <a:latin typeface="Cambria Math" panose="02040503050406030204" pitchFamily="18" charset="0"/>
+                              </a:rPr>
+                            </m:ctrlPr>
+                          </m:fPr>
+                          <m:num>
+                            <m:r>
+                              <a:rPr lang="fr-FR" b="0" i="1" smtClean="0">
+                                <a:solidFill>
+                                  <a:srgbClr val="FF0000"/>
+                                </a:solidFill>
+                                <a:latin typeface="Cambria Math" panose="02040503050406030204" pitchFamily="18" charset="0"/>
+                              </a:rPr>
+                              <m:t>𝑘</m:t>
+                            </m:r>
+                            <m:r>
+                              <a:rPr lang="fr-FR" i="1">
+                                <a:solidFill>
+                                  <a:srgbClr val="FF0000"/>
+                                </a:solidFill>
+                                <a:latin typeface="Cambria Math" panose="02040503050406030204" pitchFamily="18" charset="0"/>
+                              </a:rPr>
+                              <m:t>−</m:t>
+                            </m:r>
+                            <m:r>
+                              <a:rPr lang="fr-FR" b="0" i="1" smtClean="0">
+                                <a:solidFill>
+                                  <a:srgbClr val="FF0000"/>
+                                </a:solidFill>
+                                <a:latin typeface="Cambria Math" panose="02040503050406030204" pitchFamily="18" charset="0"/>
+                              </a:rPr>
+                              <m:t>𝑘</m:t>
+                            </m:r>
+                          </m:num>
+                          <m:den>
+                            <m:r>
+                              <a:rPr lang="fr-FR" i="1">
+                                <a:solidFill>
+                                  <a:srgbClr val="FF0000"/>
+                                </a:solidFill>
+                                <a:latin typeface="Cambria Math" panose="02040503050406030204" pitchFamily="18" charset="0"/>
+                              </a:rPr>
+                              <m:t>h</m:t>
+                            </m:r>
+                          </m:den>
+                        </m:f>
+                      </m:e>
+                    </m:func>
+                    <m:r>
+                      <a:rPr lang="fr-FR" b="0" i="1" smtClean="0">
+                        <a:solidFill>
+                          <a:srgbClr val="FF0000"/>
+                        </a:solidFill>
+                        <a:latin typeface="Cambria Math" panose="02040503050406030204" pitchFamily="18" charset="0"/>
+                      </a:rPr>
+                      <m:t>=0</m:t>
+                    </m:r>
+                  </m:oMath>
+                </a14:m>
+                <a:endParaRPr lang="fr-FR" dirty="0">
+                  <a:solidFill>
+                    <a:srgbClr val="FF0000"/>
+                  </a:solidFill>
+                </a:endParaRPr>
+              </a:p>
+            </p:txBody>
+          </p:sp>
+        </mc:Choice>
+        <mc:Fallback>
+          <p:sp>
+            <p:nvSpPr>
+              <p:cNvPr id="5" name="Content Placeholder 4">
+                <a:extLst>
+                  <a:ext uri="{FF2B5EF4-FFF2-40B4-BE49-F238E27FC236}">
+                    <a16:creationId xmlns:a16="http://schemas.microsoft.com/office/drawing/2014/main" id="{85B949DE-4768-7144-9464-E25DC45F3FAF}"/>
+                  </a:ext>
+                </a:extLst>
+              </p:cNvPr>
+              <p:cNvSpPr>
+                <a:spLocks noGrp="1" noRot="1" noChangeAspect="1" noMove="1" noResize="1" noEditPoints="1" noAdjustHandles="1" noChangeArrowheads="1" noChangeShapeType="1" noTextEdit="1"/>
+              </p:cNvSpPr>
+              <p:nvPr>
+                <p:ph idx="1"/>
+              </p:nvPr>
+            </p:nvSpPr>
+            <p:spPr>
+              <a:xfrm>
+                <a:off x="623392" y="1556793"/>
+                <a:ext cx="10565307" cy="4366930"/>
+              </a:xfrm>
+              <a:blipFill>
+                <a:blip r:embed="rId3"/>
+                <a:stretch>
+                  <a:fillRect l="-1039" t="-2371"/>
+                </a:stretch>
+              </a:blipFill>
+            </p:spPr>
+            <p:txBody>
+              <a:bodyPr/>
+              <a:lstStyle/>
+              <a:p>
+                <a:r>
+                  <a:rPr lang="fr-FR">
+                    <a:noFill/>
+                  </a:rPr>
+                  <a:t> </a:t>
+                </a:r>
+              </a:p>
+            </p:txBody>
+          </p:sp>
+        </mc:Fallback>
+      </mc:AlternateContent>
+    </p:spTree>
+    <p:extLst>
+      <p:ext uri="{BB962C8B-B14F-4D97-AF65-F5344CB8AC3E}">
+        <p14:creationId xmlns:p14="http://schemas.microsoft.com/office/powerpoint/2010/main" val="2430945293"/>
+      </p:ext>
+    </p:extLst>
+  </p:cSld>
+  <p:clrMapOvr>
+    <a:masterClrMapping/>
+  </p:clrMapOvr>
+  <p:timing>
+    <p:tnLst>
+      <p:par>
+        <p:cTn id="1" dur="indefinite" restart="never" nodeType="tmRoot">
+          <p:childTnLst>
+            <p:seq concurrent="1" nextAc="seek">
+              <p:cTn id="2" dur="indefinite" nodeType="mainSeq">
+                <p:childTnLst>
+                  <p:par>
+                    <p:cTn id="3" fill="hold">
+                      <p:stCondLst>
+                        <p:cond delay="indefinite"/>
+                      </p:stCondLst>
+                      <p:childTnLst>
+                        <p:par>
+                          <p:cTn id="4" fill="hold">
+                            <p:stCondLst>
+                              <p:cond delay="0"/>
+                            </p:stCondLst>
+                            <p:childTnLst>
+                              <p:par>
+                                <p:cTn id="5" presetID="1" presetClass="entr" presetSubtype="0" fill="hold" nodeType="clickEffect">
+                                  <p:stCondLst>
+                                    <p:cond delay="0"/>
+                                  </p:stCondLst>
+                                  <p:childTnLst>
+                                    <p:set>
+                                      <p:cBhvr>
+                                        <p:cTn id="6" dur="1" fill="hold">
+                                          <p:stCondLst>
+                                            <p:cond delay="0"/>
+                                          </p:stCondLst>
+                                        </p:cTn>
+                                        <p:tgtEl>
+                                          <p:spTgt spid="5">
+                                            <p:txEl>
+                                              <p:pRg st="3" end="3"/>
+                                            </p:txEl>
+                                          </p:spTgt>
+                                        </p:tgtEl>
+                                        <p:attrNameLst>
+                                          <p:attrName>style.visibility</p:attrName>
+                                        </p:attrNameLst>
+                                      </p:cBhvr>
+                                      <p:to>
+                                        <p:strVal val="visible"/>
+                                      </p:to>
+                                    </p:set>
+                                  </p:childTnLst>
+                                </p:cTn>
+                              </p:par>
+                              <p:par>
+                                <p:cTn id="7" presetID="1" presetClass="entr" presetSubtype="0" fill="hold" nodeType="withEffect">
+                                  <p:stCondLst>
+                                    <p:cond delay="0"/>
+                                  </p:stCondLst>
+                                  <p:childTnLst>
+                                    <p:set>
+                                      <p:cBhvr>
+                                        <p:cTn id="8" dur="1" fill="hold">
+                                          <p:stCondLst>
+                                            <p:cond delay="0"/>
+                                          </p:stCondLst>
+                                        </p:cTn>
+                                        <p:tgtEl>
+                                          <p:spTgt spid="5">
+                                            <p:txEl>
+                                              <p:pRg st="4" end="4"/>
+                                            </p:txEl>
+                                          </p:spTgt>
+                                        </p:tgtEl>
+                                        <p:attrNameLst>
+                                          <p:attrName>style.visibility</p:attrName>
+                                        </p:attrNameLst>
+                                      </p:cBhvr>
+                                      <p:to>
+                                        <p:strVal val="visible"/>
+                                      </p:to>
+                                    </p:set>
+                                  </p:childTnLst>
+                                </p:cTn>
+                              </p:par>
+                            </p:childTnLst>
+                          </p:cTn>
+                        </p:par>
+                      </p:childTnLst>
+                    </p:cTn>
+                  </p:par>
+                  <p:par>
+                    <p:cTn id="9" fill="hold">
+                      <p:stCondLst>
+                        <p:cond delay="indefinite"/>
+                      </p:stCondLst>
+                      <p:childTnLst>
+                        <p:par>
+                          <p:cTn id="10" fill="hold">
+                            <p:stCondLst>
+                              <p:cond delay="0"/>
+                            </p:stCondLst>
+                            <p:childTnLst>
+                              <p:par>
+                                <p:cTn id="11" presetID="1" presetClass="entr" presetSubtype="0" fill="hold" nodeType="clickEffect">
+                                  <p:stCondLst>
+                                    <p:cond delay="0"/>
+                                  </p:stCondLst>
+                                  <p:childTnLst>
+                                    <p:set>
+                                      <p:cBhvr>
+                                        <p:cTn id="12" dur="1" fill="hold">
+                                          <p:stCondLst>
+                                            <p:cond delay="0"/>
+                                          </p:stCondLst>
+                                        </p:cTn>
+                                        <p:tgtEl>
+                                          <p:spTgt spid="5">
+                                            <p:txEl>
+                                              <p:pRg st="5" end="5"/>
+                                            </p:txEl>
+                                          </p:spTgt>
+                                        </p:tgtEl>
+                                        <p:attrNameLst>
+                                          <p:attrName>style.visibility</p:attrName>
+                                        </p:attrNameLst>
+                                      </p:cBhvr>
+                                      <p:to>
+                                        <p:strVal val="visible"/>
+                                      </p:to>
+                                    </p:set>
+                                  </p:childTnLst>
+                                </p:cTn>
+                              </p:par>
+                            </p:childTnLst>
+                          </p:cTn>
+                        </p:par>
+                      </p:childTnLst>
+                    </p:cTn>
+                  </p:par>
+                </p:childTnLst>
+              </p:cTn>
+              <p:prevCondLst>
+                <p:cond evt="onPrev" delay="0">
+                  <p:tgtEl>
+                    <p:sldTgt/>
+                  </p:tgtEl>
+                </p:cond>
+              </p:prevCondLst>
+              <p:nextCondLst>
+                <p:cond evt="onNext" delay="0">
+                  <p:tgtEl>
+                    <p:sldTgt/>
+                  </p:tgtEl>
+                </p:cond>
+              </p:nextCondLst>
+            </p:seq>
+          </p:childTnLst>
+        </p:cTn>
+      </p:par>
+    </p:tnLst>
+  </p:timing>
+</p:sld>
+</file>
+
+<file path=ppt/slides/slide13.xml><?xml version="1.0" encoding="utf-8"?>
+<p:sld xmlns:a="http://schemas.openxmlformats.org/drawingml/2006/main" xmlns:r="http://schemas.openxmlformats.org/officeDocument/2006/relationships" xmlns:p="http://schemas.openxmlformats.org/presentationml/2006/main">
+  <p:cSld>
+    <p:spTree>
+      <p:nvGrpSpPr>
+        <p:cNvPr id="1" name=""/>
+        <p:cNvGrpSpPr/>
+        <p:nvPr/>
+      </p:nvGrpSpPr>
+      <p:grpSpPr>
+        <a:xfrm>
+          <a:off x="0" y="0"/>
+          <a:ext cx="0" cy="0"/>
+          <a:chOff x="0" y="0"/>
+          <a:chExt cx="0" cy="0"/>
+        </a:xfrm>
+      </p:grpSpPr>
+      <p:pic>
+        <p:nvPicPr>
+          <p:cNvPr id="4" name="Image 3"/>
+          <p:cNvPicPr>
+            <a:picLocks noChangeAspect="1"/>
+          </p:cNvPicPr>
+          <p:nvPr/>
+        </p:nvPicPr>
+        <p:blipFill>
+          <a:blip r:embed="rId2" cstate="print">
+            <a:extLst>
+              <a:ext uri="{28A0092B-C50C-407E-A947-70E740481C1C}">
+                <a14:useLocalDpi xmlns:a14="http://schemas.microsoft.com/office/drawing/2010/main" val="0"/>
+              </a:ext>
+            </a:extLst>
+          </a:blip>
+          <a:stretch>
+            <a:fillRect/>
+          </a:stretch>
+        </p:blipFill>
+        <p:spPr>
+          <a:xfrm rot="16200000">
+            <a:off x="5983654" y="2173654"/>
+            <a:ext cx="224692" cy="9144000"/>
+          </a:xfrm>
+          <a:prstGeom prst="rect">
+            <a:avLst/>
+          </a:prstGeom>
+        </p:spPr>
+      </p:pic>
+      <p:sp>
+        <p:nvSpPr>
+          <p:cNvPr id="10" name="Espace réservé du texte 3"/>
+          <p:cNvSpPr txBox="1">
+            <a:spLocks/>
+          </p:cNvSpPr>
+          <p:nvPr/>
+        </p:nvSpPr>
+        <p:spPr>
+          <a:xfrm>
+            <a:off x="1909311" y="1637331"/>
+            <a:ext cx="8044906" cy="3902342"/>
+          </a:xfrm>
+          <a:prstGeom prst="rect">
+            <a:avLst/>
+          </a:prstGeom>
+        </p:spPr>
+        <p:txBody>
+          <a:bodyPr vert="horz" lIns="91440" tIns="45720" rIns="91440" bIns="45720" rtlCol="0" anchor="ctr"/>
+          <a:lstStyle>
+            <a:defPPr>
+              <a:defRPr lang="fr-FR"/>
+            </a:defPPr>
+            <a:lvl1pPr marL="0" algn="l" defTabSz="914400" rtl="0" eaLnBrk="1" latinLnBrk="0" hangingPunct="1">
+              <a:defRPr sz="1200" kern="1200">
+                <a:solidFill>
+                  <a:schemeClr val="tx1">
+                    <a:tint val="75000"/>
+                  </a:schemeClr>
+                </a:solidFill>
+                <a:latin typeface="+mn-lt"/>
+                <a:ea typeface="+mn-ea"/>
+                <a:cs typeface="+mn-cs"/>
+              </a:defRPr>
+            </a:lvl1pPr>
+            <a:lvl2pPr marL="457200" algn="l" defTabSz="914400" rtl="0" eaLnBrk="1" latinLnBrk="0" hangingPunct="1">
+              <a:defRPr sz="1800" kern="1200">
+                <a:solidFill>
+                  <a:schemeClr val="tx1"/>
+                </a:solidFill>
+                <a:latin typeface="+mn-lt"/>
+                <a:ea typeface="+mn-ea"/>
+                <a:cs typeface="+mn-cs"/>
+              </a:defRPr>
+            </a:lvl2pPr>
+            <a:lvl3pPr marL="914400" algn="l" defTabSz="914400" rtl="0" eaLnBrk="1" latinLnBrk="0" hangingPunct="1">
+              <a:defRPr sz="1800" kern="1200">
+                <a:solidFill>
+                  <a:schemeClr val="tx1"/>
+                </a:solidFill>
+                <a:latin typeface="+mn-lt"/>
+                <a:ea typeface="+mn-ea"/>
+                <a:cs typeface="+mn-cs"/>
+              </a:defRPr>
+            </a:lvl3pPr>
+            <a:lvl4pPr marL="1371600" algn="l" defTabSz="914400" rtl="0" eaLnBrk="1" latinLnBrk="0" hangingPunct="1">
+              <a:defRPr sz="1800" kern="1200">
+                <a:solidFill>
+                  <a:schemeClr val="tx1"/>
+                </a:solidFill>
+                <a:latin typeface="+mn-lt"/>
+                <a:ea typeface="+mn-ea"/>
+                <a:cs typeface="+mn-cs"/>
+              </a:defRPr>
+            </a:lvl4pPr>
+            <a:lvl5pPr marL="1828800" algn="l" defTabSz="914400" rtl="0" eaLnBrk="1" latinLnBrk="0" hangingPunct="1">
+              <a:defRPr sz="1800" kern="1200">
+                <a:solidFill>
+                  <a:schemeClr val="tx1"/>
+                </a:solidFill>
+                <a:latin typeface="+mn-lt"/>
+                <a:ea typeface="+mn-ea"/>
+                <a:cs typeface="+mn-cs"/>
+              </a:defRPr>
+            </a:lvl5pPr>
+            <a:lvl6pPr marL="2286000" algn="l" defTabSz="914400" rtl="0" eaLnBrk="1" latinLnBrk="0" hangingPunct="1">
+              <a:defRPr sz="1800" kern="1200">
+                <a:solidFill>
+                  <a:schemeClr val="tx1"/>
+                </a:solidFill>
+                <a:latin typeface="+mn-lt"/>
+                <a:ea typeface="+mn-ea"/>
+                <a:cs typeface="+mn-cs"/>
+              </a:defRPr>
+            </a:lvl6pPr>
+            <a:lvl7pPr marL="2743200" algn="l" defTabSz="914400" rtl="0" eaLnBrk="1" latinLnBrk="0" hangingPunct="1">
+              <a:defRPr sz="1800" kern="1200">
+                <a:solidFill>
+                  <a:schemeClr val="tx1"/>
+                </a:solidFill>
+                <a:latin typeface="+mn-lt"/>
+                <a:ea typeface="+mn-ea"/>
+                <a:cs typeface="+mn-cs"/>
+              </a:defRPr>
+            </a:lvl7pPr>
+            <a:lvl8pPr marL="3200400" algn="l" defTabSz="914400" rtl="0" eaLnBrk="1" latinLnBrk="0" hangingPunct="1">
+              <a:defRPr sz="1800" kern="1200">
+                <a:solidFill>
+                  <a:schemeClr val="tx1"/>
+                </a:solidFill>
+                <a:latin typeface="+mn-lt"/>
+                <a:ea typeface="+mn-ea"/>
+                <a:cs typeface="+mn-cs"/>
+              </a:defRPr>
+            </a:lvl8pPr>
+            <a:lvl9pPr marL="3657600" algn="l" defTabSz="914400" rtl="0" eaLnBrk="1" latinLnBrk="0" hangingPunct="1">
+              <a:defRPr sz="1800" kern="1200">
+                <a:solidFill>
+                  <a:schemeClr val="tx1"/>
+                </a:solidFill>
+                <a:latin typeface="+mn-lt"/>
+                <a:ea typeface="+mn-ea"/>
+                <a:cs typeface="+mn-cs"/>
+              </a:defRPr>
+            </a:lvl9pPr>
+          </a:lstStyle>
+          <a:p>
+            <a:r>
+              <a:rPr lang="fr-FR" sz="1600" dirty="0">
+                <a:solidFill>
+                  <a:schemeClr val="tx1">
+                    <a:lumMod val="75000"/>
+                    <a:lumOff val="25000"/>
+                  </a:schemeClr>
+                </a:solidFill>
+                <a:latin typeface="Open Sans" panose="020B0606030504020204" pitchFamily="34" charset="0"/>
+                <a:ea typeface="Open Sans" panose="020B0606030504020204" pitchFamily="34" charset="0"/>
+                <a:cs typeface="Open Sans" panose="020B0606030504020204" pitchFamily="34" charset="0"/>
+              </a:rPr>
+              <a:t>Corps de texte</a:t>
+            </a:r>
+          </a:p>
+        </p:txBody>
+      </p:sp>
+      <p:sp>
+        <p:nvSpPr>
+          <p:cNvPr id="3" name="Title 2">
+            <a:extLst>
+              <a:ext uri="{FF2B5EF4-FFF2-40B4-BE49-F238E27FC236}">
+                <a16:creationId xmlns:a16="http://schemas.microsoft.com/office/drawing/2014/main" id="{A1A923CD-45DF-9448-B44B-C121FABDD12D}"/>
+              </a:ext>
+            </a:extLst>
+          </p:cNvPr>
+          <p:cNvSpPr>
+            <a:spLocks noGrp="1"/>
+          </p:cNvSpPr>
+          <p:nvPr>
+            <p:ph type="title"/>
+          </p:nvPr>
+        </p:nvSpPr>
+        <p:spPr/>
+        <p:txBody>
+          <a:bodyPr/>
+          <a:lstStyle/>
+          <a:p>
+            <a:r>
+              <a:rPr lang="fr-FR" dirty="0" smtClean="0">
+                <a:solidFill>
+                  <a:srgbClr val="313E48"/>
+                </a:solidFill>
+              </a:rPr>
+              <a:t>Applications – Dérivée usuelle 2</a:t>
+            </a:r>
+            <a:endParaRPr lang="fr-FR" dirty="0">
+              <a:solidFill>
+                <a:srgbClr val="313E48"/>
+              </a:solidFill>
+            </a:endParaRPr>
+          </a:p>
+        </p:txBody>
+      </p:sp>
+      <mc:AlternateContent xmlns:mc="http://schemas.openxmlformats.org/markup-compatibility/2006">
+        <mc:Choice xmlns:a14="http://schemas.microsoft.com/office/drawing/2010/main" Requires="a14">
+          <p:sp>
+            <p:nvSpPr>
+              <p:cNvPr id="5" name="Content Placeholder 4">
+                <a:extLst>
+                  <a:ext uri="{FF2B5EF4-FFF2-40B4-BE49-F238E27FC236}">
+                    <a16:creationId xmlns:a16="http://schemas.microsoft.com/office/drawing/2014/main" id="{85B949DE-4768-7144-9464-E25DC45F3FAF}"/>
+                  </a:ext>
+                </a:extLst>
+              </p:cNvPr>
+              <p:cNvSpPr>
+                <a:spLocks noGrp="1"/>
+              </p:cNvSpPr>
+              <p:nvPr>
+                <p:ph idx="1"/>
+              </p:nvPr>
+            </p:nvSpPr>
+            <p:spPr>
+              <a:xfrm>
+                <a:off x="623392" y="1556793"/>
+                <a:ext cx="10882808" cy="4366930"/>
+              </a:xfrm>
+            </p:spPr>
+            <p:txBody>
+              <a:bodyPr/>
+              <a:lstStyle/>
+              <a:p>
+                <a:r>
+                  <a:rPr lang="fr-FR" b="1" u="sng" dirty="0" smtClean="0"/>
+                  <a:t>Première dérivée usuelle :</a:t>
+                </a:r>
+                <a:r>
+                  <a:rPr lang="fr-FR" dirty="0" smtClean="0"/>
+                  <a:t> Soit </a:t>
+                </a:r>
+                <a14:m>
+                  <m:oMath xmlns:m="http://schemas.openxmlformats.org/officeDocument/2006/math">
+                    <m:r>
+                      <a:rPr lang="fr-FR" b="0" i="1" smtClean="0">
+                        <a:latin typeface="Cambria Math" panose="02040503050406030204" pitchFamily="18" charset="0"/>
+                      </a:rPr>
+                      <m:t>𝑓</m:t>
+                    </m:r>
+                    <m:d>
+                      <m:dPr>
+                        <m:ctrlPr>
+                          <a:rPr lang="fr-FR" b="0" i="1" smtClean="0">
+                            <a:latin typeface="Cambria Math" panose="02040503050406030204" pitchFamily="18" charset="0"/>
+                          </a:rPr>
+                        </m:ctrlPr>
+                      </m:dPr>
+                      <m:e>
+                        <m:r>
+                          <a:rPr lang="fr-FR" b="0" i="1" smtClean="0">
+                            <a:latin typeface="Cambria Math" panose="02040503050406030204" pitchFamily="18" charset="0"/>
+                          </a:rPr>
+                          <m:t>𝑥</m:t>
+                        </m:r>
+                      </m:e>
+                    </m:d>
+                    <m:r>
+                      <a:rPr lang="fr-FR" b="0" i="1" smtClean="0">
+                        <a:latin typeface="Cambria Math" panose="02040503050406030204" pitchFamily="18" charset="0"/>
+                      </a:rPr>
+                      <m:t>=</m:t>
+                    </m:r>
+                    <m:r>
+                      <a:rPr lang="fr-FR" b="0" i="1" smtClean="0">
+                        <a:latin typeface="Cambria Math" panose="02040503050406030204" pitchFamily="18" charset="0"/>
+                      </a:rPr>
+                      <m:t>𝑘𝑥</m:t>
+                    </m:r>
+                    <m:r>
+                      <a:rPr lang="fr-FR" b="0" i="1" smtClean="0">
+                        <a:latin typeface="Cambria Math" panose="02040503050406030204" pitchFamily="18" charset="0"/>
+                      </a:rPr>
+                      <m:t>, </m:t>
+                    </m:r>
+                    <m:r>
+                      <a:rPr lang="fr-FR" b="0" i="1" smtClean="0">
+                        <a:latin typeface="Cambria Math" panose="02040503050406030204" pitchFamily="18" charset="0"/>
+                      </a:rPr>
+                      <m:t>𝑘</m:t>
+                    </m:r>
+                    <m:r>
+                      <a:rPr lang="fr-FR" b="0" i="1" smtClean="0">
+                        <a:latin typeface="Cambria Math" panose="02040503050406030204" pitchFamily="18" charset="0"/>
+                        <a:ea typeface="Cambria Math" panose="02040503050406030204" pitchFamily="18" charset="0"/>
+                      </a:rPr>
+                      <m:t>∈</m:t>
+                    </m:r>
+                    <m:r>
+                      <a:rPr lang="fr-FR" b="0" i="1" smtClean="0">
+                        <a:latin typeface="Cambria Math" panose="02040503050406030204" pitchFamily="18" charset="0"/>
+                        <a:ea typeface="Cambria Math" panose="02040503050406030204" pitchFamily="18" charset="0"/>
+                      </a:rPr>
+                      <m:t>𝕽</m:t>
+                    </m:r>
+                  </m:oMath>
+                </a14:m>
+                <a:r>
+                  <a:rPr lang="fr-FR" dirty="0" smtClean="0"/>
+                  <a:t> alors </a:t>
+                </a:r>
+                <a14:m>
+                  <m:oMath xmlns:m="http://schemas.openxmlformats.org/officeDocument/2006/math">
+                    <m:sSup>
+                      <m:sSupPr>
+                        <m:ctrlPr>
+                          <a:rPr lang="fr-FR" b="0" i="1" smtClean="0">
+                            <a:latin typeface="Cambria Math" panose="02040503050406030204" pitchFamily="18" charset="0"/>
+                          </a:rPr>
+                        </m:ctrlPr>
+                      </m:sSupPr>
+                      <m:e>
+                        <m:r>
+                          <a:rPr lang="fr-FR" b="0" i="1" smtClean="0">
+                            <a:latin typeface="Cambria Math" panose="02040503050406030204" pitchFamily="18" charset="0"/>
+                          </a:rPr>
+                          <m:t>𝑓</m:t>
+                        </m:r>
+                      </m:e>
+                      <m:sup>
+                        <m:r>
+                          <a:rPr lang="fr-FR" b="0" i="1" smtClean="0">
+                            <a:latin typeface="Cambria Math" panose="02040503050406030204" pitchFamily="18" charset="0"/>
+                          </a:rPr>
+                          <m:t>′</m:t>
+                        </m:r>
+                      </m:sup>
+                    </m:sSup>
+                    <m:d>
+                      <m:dPr>
+                        <m:ctrlPr>
+                          <a:rPr lang="fr-FR" b="0" i="1" smtClean="0">
+                            <a:latin typeface="Cambria Math" panose="02040503050406030204" pitchFamily="18" charset="0"/>
+                          </a:rPr>
+                        </m:ctrlPr>
+                      </m:dPr>
+                      <m:e>
+                        <m:r>
+                          <a:rPr lang="fr-FR" b="0" i="1" smtClean="0">
+                            <a:latin typeface="Cambria Math" panose="02040503050406030204" pitchFamily="18" charset="0"/>
+                          </a:rPr>
+                          <m:t>𝑥</m:t>
+                        </m:r>
+                      </m:e>
+                    </m:d>
+                    <m:r>
+                      <a:rPr lang="fr-FR" b="0" i="1" smtClean="0">
+                        <a:latin typeface="Cambria Math" panose="02040503050406030204" pitchFamily="18" charset="0"/>
+                      </a:rPr>
+                      <m:t>=</m:t>
+                    </m:r>
+                    <m:r>
+                      <a:rPr lang="fr-FR" b="0" i="1" smtClean="0">
+                        <a:latin typeface="Cambria Math" panose="02040503050406030204" pitchFamily="18" charset="0"/>
+                      </a:rPr>
+                      <m:t>𝑘</m:t>
+                    </m:r>
+                  </m:oMath>
+                </a14:m>
+                <a:endParaRPr lang="fr-FR" dirty="0" smtClean="0"/>
+              </a:p>
+              <a:p>
+                <a:pPr marL="0" indent="0">
+                  <a:buNone/>
+                </a:pPr>
+                <a:endParaRPr lang="fr-FR" dirty="0"/>
+              </a:p>
+              <a:p>
+                <a:r>
+                  <a:rPr lang="fr-FR" b="1" u="sng" dirty="0" smtClean="0"/>
+                  <a:t>Démonstration:</a:t>
+                </a:r>
+              </a:p>
+              <a:p>
+                <a:pPr lvl="1"/>
+                <a:r>
+                  <a:rPr lang="fr-FR" dirty="0" smtClean="0"/>
+                  <a:t>Soit </a:t>
+                </a:r>
+                <a14:m>
+                  <m:oMath xmlns:m="http://schemas.openxmlformats.org/officeDocument/2006/math">
+                    <m:r>
+                      <a:rPr lang="fr-FR" b="0" i="1" smtClean="0">
+                        <a:latin typeface="Cambria Math" panose="02040503050406030204" pitchFamily="18" charset="0"/>
+                      </a:rPr>
+                      <m:t>𝑓</m:t>
+                    </m:r>
+                  </m:oMath>
+                </a14:m>
+                <a:r>
+                  <a:rPr lang="fr-FR" dirty="0" smtClean="0"/>
+                  <a:t> une fonction qui à </a:t>
+                </a:r>
+                <a14:m>
+                  <m:oMath xmlns:m="http://schemas.openxmlformats.org/officeDocument/2006/math">
+                    <m:r>
+                      <a:rPr lang="fr-FR" b="0" i="1" smtClean="0">
+                        <a:latin typeface="Cambria Math" panose="02040503050406030204" pitchFamily="18" charset="0"/>
+                      </a:rPr>
+                      <m:t>𝑥</m:t>
+                    </m:r>
+                  </m:oMath>
+                </a14:m>
+                <a:r>
+                  <a:rPr lang="fr-FR" dirty="0" smtClean="0"/>
+                  <a:t> associe </a:t>
+                </a:r>
+                <a14:m>
+                  <m:oMath xmlns:m="http://schemas.openxmlformats.org/officeDocument/2006/math">
+                    <m:r>
+                      <a:rPr lang="fr-FR" b="0" i="1" smtClean="0">
+                        <a:latin typeface="Cambria Math" panose="02040503050406030204" pitchFamily="18" charset="0"/>
+                      </a:rPr>
+                      <m:t>𝑘𝑥</m:t>
+                    </m:r>
+                    <m:r>
+                      <a:rPr lang="fr-FR" b="0" i="1" smtClean="0">
+                        <a:latin typeface="Cambria Math" panose="02040503050406030204" pitchFamily="18" charset="0"/>
+                      </a:rPr>
+                      <m:t>, </m:t>
+                    </m:r>
+                    <m:r>
+                      <a:rPr lang="fr-FR" b="0" i="1" smtClean="0">
+                        <a:latin typeface="Cambria Math" panose="02040503050406030204" pitchFamily="18" charset="0"/>
+                      </a:rPr>
+                      <m:t>𝑘</m:t>
+                    </m:r>
+                    <m:r>
+                      <a:rPr lang="fr-FR" i="1">
+                        <a:latin typeface="Cambria Math" panose="02040503050406030204" pitchFamily="18" charset="0"/>
+                        <a:ea typeface="Cambria Math" panose="02040503050406030204" pitchFamily="18" charset="0"/>
+                      </a:rPr>
+                      <m:t>∈</m:t>
+                    </m:r>
+                    <m:r>
+                      <a:rPr lang="fr-FR" i="1">
+                        <a:latin typeface="Cambria Math" panose="02040503050406030204" pitchFamily="18" charset="0"/>
+                        <a:ea typeface="Cambria Math" panose="02040503050406030204" pitchFamily="18" charset="0"/>
+                      </a:rPr>
+                      <m:t>𝕽</m:t>
+                    </m:r>
+                  </m:oMath>
+                </a14:m>
+                <a:endParaRPr lang="fr-FR" dirty="0" smtClean="0"/>
+              </a:p>
+              <a:p>
+                <a:pPr lvl="1"/>
+                <a:r>
+                  <a:rPr lang="fr-FR" dirty="0" smtClean="0"/>
+                  <a:t>Sa dérivée est définie par : </a:t>
+                </a:r>
+                <a14:m>
+                  <m:oMath xmlns:m="http://schemas.openxmlformats.org/officeDocument/2006/math">
+                    <m:sSup>
+                      <m:sSupPr>
+                        <m:ctrlPr>
+                          <a:rPr lang="fr-FR" b="0" i="1" smtClean="0">
+                            <a:latin typeface="Cambria Math" panose="02040503050406030204" pitchFamily="18" charset="0"/>
+                          </a:rPr>
+                        </m:ctrlPr>
+                      </m:sSupPr>
+                      <m:e>
+                        <m:r>
+                          <a:rPr lang="fr-FR" b="0" i="1" smtClean="0">
+                            <a:latin typeface="Cambria Math" panose="02040503050406030204" pitchFamily="18" charset="0"/>
+                          </a:rPr>
+                          <m:t>𝑓</m:t>
+                        </m:r>
+                      </m:e>
+                      <m:sup>
+                        <m:r>
+                          <a:rPr lang="fr-FR" b="0" i="1" smtClean="0">
+                            <a:latin typeface="Cambria Math" panose="02040503050406030204" pitchFamily="18" charset="0"/>
+                          </a:rPr>
+                          <m:t>′</m:t>
+                        </m:r>
+                      </m:sup>
+                    </m:sSup>
+                    <m:d>
+                      <m:dPr>
+                        <m:ctrlPr>
+                          <a:rPr lang="fr-FR" b="0" i="1" smtClean="0">
+                            <a:latin typeface="Cambria Math" panose="02040503050406030204" pitchFamily="18" charset="0"/>
+                          </a:rPr>
+                        </m:ctrlPr>
+                      </m:dPr>
+                      <m:e>
+                        <m:r>
+                          <a:rPr lang="fr-FR" b="0" i="1" smtClean="0">
+                            <a:latin typeface="Cambria Math" panose="02040503050406030204" pitchFamily="18" charset="0"/>
+                          </a:rPr>
+                          <m:t>𝑥</m:t>
+                        </m:r>
+                      </m:e>
+                    </m:d>
+                    <m:r>
+                      <a:rPr lang="fr-FR" b="0" i="1" smtClean="0">
+                        <a:latin typeface="Cambria Math" panose="02040503050406030204" pitchFamily="18" charset="0"/>
+                      </a:rPr>
+                      <m:t>=</m:t>
+                    </m:r>
+                    <m:func>
+                      <m:funcPr>
+                        <m:ctrlPr>
+                          <a:rPr lang="fr-FR" b="0" i="1" smtClean="0">
+                            <a:latin typeface="Cambria Math" panose="02040503050406030204" pitchFamily="18" charset="0"/>
+                          </a:rPr>
+                        </m:ctrlPr>
+                      </m:funcPr>
+                      <m:fName>
+                        <m:limLow>
+                          <m:limLowPr>
+                            <m:ctrlPr>
+                              <a:rPr lang="fr-FR" b="0" i="1" smtClean="0">
+                                <a:latin typeface="Cambria Math" panose="02040503050406030204" pitchFamily="18" charset="0"/>
+                              </a:rPr>
+                            </m:ctrlPr>
+                          </m:limLowPr>
+                          <m:e>
+                            <m:r>
+                              <m:rPr>
+                                <m:sty m:val="p"/>
+                              </m:rPr>
+                              <a:rPr lang="fr-FR" b="0" i="0" smtClean="0">
+                                <a:latin typeface="Cambria Math" panose="02040503050406030204" pitchFamily="18" charset="0"/>
+                              </a:rPr>
+                              <m:t>lim</m:t>
+                            </m:r>
+                          </m:e>
+                          <m:lim>
+                            <m:r>
+                              <a:rPr lang="fr-FR" b="0" i="1" smtClean="0">
+                                <a:latin typeface="Cambria Math" panose="02040503050406030204" pitchFamily="18" charset="0"/>
+                              </a:rPr>
+                              <m:t>h</m:t>
+                            </m:r>
+                            <m:r>
+                              <a:rPr lang="fr-FR" i="1">
+                                <a:latin typeface="Cambria Math" panose="02040503050406030204" pitchFamily="18" charset="0"/>
+                                <a:ea typeface="Cambria Math" panose="02040503050406030204" pitchFamily="18" charset="0"/>
+                              </a:rPr>
+                              <m:t>→</m:t>
+                            </m:r>
+                            <m:r>
+                              <a:rPr lang="fr-FR" b="0" i="1" smtClean="0">
+                                <a:latin typeface="Cambria Math" panose="02040503050406030204" pitchFamily="18" charset="0"/>
+                                <a:ea typeface="Cambria Math" panose="02040503050406030204" pitchFamily="18" charset="0"/>
+                              </a:rPr>
+                              <m:t>0</m:t>
+                            </m:r>
+                          </m:lim>
+                        </m:limLow>
+                      </m:fName>
+                      <m:e>
+                        <m:f>
+                          <m:fPr>
+                            <m:ctrlPr>
+                              <a:rPr lang="fr-FR" b="0" i="1" smtClean="0">
+                                <a:latin typeface="Cambria Math" panose="02040503050406030204" pitchFamily="18" charset="0"/>
+                              </a:rPr>
+                            </m:ctrlPr>
+                          </m:fPr>
+                          <m:num>
+                            <m:r>
+                              <a:rPr lang="fr-FR" b="0" i="1" smtClean="0">
+                                <a:latin typeface="Cambria Math" panose="02040503050406030204" pitchFamily="18" charset="0"/>
+                              </a:rPr>
+                              <m:t>𝑓</m:t>
+                            </m:r>
+                            <m:d>
+                              <m:dPr>
+                                <m:ctrlPr>
+                                  <a:rPr lang="fr-FR" b="0" i="1" smtClean="0">
+                                    <a:latin typeface="Cambria Math" panose="02040503050406030204" pitchFamily="18" charset="0"/>
+                                  </a:rPr>
+                                </m:ctrlPr>
+                              </m:dPr>
+                              <m:e>
+                                <m:r>
+                                  <a:rPr lang="fr-FR" b="0" i="1" smtClean="0">
+                                    <a:latin typeface="Cambria Math" panose="02040503050406030204" pitchFamily="18" charset="0"/>
+                                  </a:rPr>
+                                  <m:t>𝑥</m:t>
+                                </m:r>
+                                <m:r>
+                                  <a:rPr lang="fr-FR" b="0" i="1" smtClean="0">
+                                    <a:latin typeface="Cambria Math" panose="02040503050406030204" pitchFamily="18" charset="0"/>
+                                  </a:rPr>
+                                  <m:t>+</m:t>
+                                </m:r>
+                                <m:r>
+                                  <a:rPr lang="fr-FR" b="0" i="1" smtClean="0">
+                                    <a:latin typeface="Cambria Math" panose="02040503050406030204" pitchFamily="18" charset="0"/>
+                                  </a:rPr>
+                                  <m:t>h</m:t>
+                                </m:r>
+                              </m:e>
+                            </m:d>
+                            <m:r>
+                              <a:rPr lang="fr-FR" b="0" i="1" smtClean="0">
+                                <a:latin typeface="Cambria Math" panose="02040503050406030204" pitchFamily="18" charset="0"/>
+                              </a:rPr>
+                              <m:t>−</m:t>
+                            </m:r>
+                            <m:r>
+                              <a:rPr lang="fr-FR" b="0" i="1" smtClean="0">
+                                <a:latin typeface="Cambria Math" panose="02040503050406030204" pitchFamily="18" charset="0"/>
+                              </a:rPr>
+                              <m:t>𝑓</m:t>
+                            </m:r>
+                            <m:r>
+                              <a:rPr lang="fr-FR" b="0" i="1" smtClean="0">
+                                <a:latin typeface="Cambria Math" panose="02040503050406030204" pitchFamily="18" charset="0"/>
+                              </a:rPr>
+                              <m:t>(</m:t>
+                            </m:r>
+                            <m:r>
+                              <a:rPr lang="fr-FR" b="0" i="1" smtClean="0">
+                                <a:latin typeface="Cambria Math" panose="02040503050406030204" pitchFamily="18" charset="0"/>
+                              </a:rPr>
+                              <m:t>𝑥</m:t>
+                            </m:r>
+                            <m:r>
+                              <a:rPr lang="fr-FR" b="0" i="1" smtClean="0">
+                                <a:latin typeface="Cambria Math" panose="02040503050406030204" pitchFamily="18" charset="0"/>
+                              </a:rPr>
+                              <m:t>)</m:t>
+                            </m:r>
+                          </m:num>
+                          <m:den>
+                            <m:r>
+                              <a:rPr lang="fr-FR" b="0" i="1" smtClean="0">
+                                <a:latin typeface="Cambria Math" panose="02040503050406030204" pitchFamily="18" charset="0"/>
+                              </a:rPr>
+                              <m:t>h</m:t>
+                            </m:r>
+                          </m:den>
+                        </m:f>
+                      </m:e>
+                    </m:func>
+                  </m:oMath>
+                </a14:m>
+                <a:r>
+                  <a:rPr lang="fr-FR" dirty="0" smtClean="0"/>
+                  <a:t> </a:t>
+                </a:r>
+                <a:endParaRPr lang="fr-FR" dirty="0" smtClean="0"/>
+              </a:p>
+              <a:p>
+                <a:pPr lvl="1"/>
+                <a:r>
+                  <a:rPr lang="fr-FR" dirty="0" smtClean="0"/>
+                  <a:t>Ce qui donne : </a:t>
+                </a:r>
+                <a14:m>
+                  <m:oMath xmlns:m="http://schemas.openxmlformats.org/officeDocument/2006/math">
+                    <m:sSup>
+                      <m:sSupPr>
+                        <m:ctrlPr>
+                          <a:rPr lang="fr-FR" b="0" i="1" smtClean="0">
+                            <a:solidFill>
+                              <a:srgbClr val="313E48"/>
+                            </a:solidFill>
+                            <a:latin typeface="Cambria Math" panose="02040503050406030204" pitchFamily="18" charset="0"/>
+                          </a:rPr>
+                        </m:ctrlPr>
+                      </m:sSupPr>
+                      <m:e>
+                        <m:r>
+                          <a:rPr lang="fr-FR" b="0" i="1" smtClean="0">
+                            <a:solidFill>
+                              <a:srgbClr val="313E48"/>
+                            </a:solidFill>
+                            <a:latin typeface="Cambria Math" panose="02040503050406030204" pitchFamily="18" charset="0"/>
+                          </a:rPr>
+                          <m:t>𝑓</m:t>
+                        </m:r>
+                      </m:e>
+                      <m:sup>
+                        <m:r>
+                          <a:rPr lang="fr-FR" b="0" i="1" smtClean="0">
+                            <a:solidFill>
+                              <a:srgbClr val="313E48"/>
+                            </a:solidFill>
+                            <a:latin typeface="Cambria Math" panose="02040503050406030204" pitchFamily="18" charset="0"/>
+                          </a:rPr>
+                          <m:t>′</m:t>
+                        </m:r>
+                      </m:sup>
+                    </m:sSup>
+                    <m:d>
+                      <m:dPr>
+                        <m:ctrlPr>
+                          <a:rPr lang="fr-FR" b="0" i="1" smtClean="0">
+                            <a:solidFill>
+                              <a:srgbClr val="313E48"/>
+                            </a:solidFill>
+                            <a:latin typeface="Cambria Math" panose="02040503050406030204" pitchFamily="18" charset="0"/>
+                          </a:rPr>
+                        </m:ctrlPr>
+                      </m:dPr>
+                      <m:e>
+                        <m:r>
+                          <a:rPr lang="fr-FR" b="0" i="1" smtClean="0">
+                            <a:solidFill>
+                              <a:srgbClr val="313E48"/>
+                            </a:solidFill>
+                            <a:latin typeface="Cambria Math" panose="02040503050406030204" pitchFamily="18" charset="0"/>
+                          </a:rPr>
+                          <m:t>𝑥</m:t>
+                        </m:r>
+                      </m:e>
+                    </m:d>
+                    <m:r>
+                      <a:rPr lang="fr-FR" b="0" i="1" smtClean="0">
+                        <a:solidFill>
+                          <a:srgbClr val="313E48"/>
+                        </a:solidFill>
+                        <a:latin typeface="Cambria Math" panose="02040503050406030204" pitchFamily="18" charset="0"/>
+                      </a:rPr>
+                      <m:t>=</m:t>
+                    </m:r>
+                    <m:func>
+                      <m:funcPr>
+                        <m:ctrlPr>
+                          <a:rPr lang="fr-FR" i="1">
+                            <a:solidFill>
+                              <a:srgbClr val="313E48"/>
+                            </a:solidFill>
+                            <a:latin typeface="Cambria Math" panose="02040503050406030204" pitchFamily="18" charset="0"/>
+                          </a:rPr>
+                        </m:ctrlPr>
+                      </m:funcPr>
+                      <m:fName>
+                        <m:limLow>
+                          <m:limLowPr>
+                            <m:ctrlPr>
+                              <a:rPr lang="fr-FR" i="1">
+                                <a:solidFill>
+                                  <a:srgbClr val="313E48"/>
+                                </a:solidFill>
+                                <a:latin typeface="Cambria Math" panose="02040503050406030204" pitchFamily="18" charset="0"/>
+                              </a:rPr>
+                            </m:ctrlPr>
+                          </m:limLowPr>
+                          <m:e>
+                            <m:r>
+                              <m:rPr>
+                                <m:sty m:val="p"/>
+                              </m:rPr>
+                              <a:rPr lang="fr-FR">
+                                <a:solidFill>
+                                  <a:srgbClr val="313E48"/>
+                                </a:solidFill>
+                                <a:latin typeface="Cambria Math" panose="02040503050406030204" pitchFamily="18" charset="0"/>
+                              </a:rPr>
+                              <m:t>lim</m:t>
+                            </m:r>
+                          </m:e>
+                          <m:lim>
+                            <m:r>
+                              <a:rPr lang="fr-FR" i="1">
+                                <a:solidFill>
+                                  <a:srgbClr val="313E48"/>
+                                </a:solidFill>
+                                <a:latin typeface="Cambria Math" panose="02040503050406030204" pitchFamily="18" charset="0"/>
+                              </a:rPr>
+                              <m:t>h</m:t>
+                            </m:r>
+                            <m:r>
+                              <a:rPr lang="fr-FR" i="1">
+                                <a:solidFill>
+                                  <a:srgbClr val="313E48"/>
+                                </a:solidFill>
+                                <a:latin typeface="Cambria Math" panose="02040503050406030204" pitchFamily="18" charset="0"/>
+                                <a:ea typeface="Cambria Math" panose="02040503050406030204" pitchFamily="18" charset="0"/>
+                              </a:rPr>
+                              <m:t>→</m:t>
+                            </m:r>
+                            <m:r>
+                              <a:rPr lang="fr-FR" i="1">
+                                <a:solidFill>
+                                  <a:srgbClr val="313E48"/>
+                                </a:solidFill>
+                                <a:latin typeface="Cambria Math" panose="02040503050406030204" pitchFamily="18" charset="0"/>
+                                <a:ea typeface="Cambria Math" panose="02040503050406030204" pitchFamily="18" charset="0"/>
+                              </a:rPr>
+                              <m:t>0</m:t>
+                            </m:r>
+                          </m:lim>
+                        </m:limLow>
+                      </m:fName>
+                      <m:e>
+                        <m:d>
+                          <m:dPr>
+                            <m:ctrlPr>
+                              <a:rPr lang="fr-FR" i="1" smtClean="0">
+                                <a:solidFill>
+                                  <a:srgbClr val="313E48"/>
+                                </a:solidFill>
+                                <a:latin typeface="Cambria Math" panose="02040503050406030204" pitchFamily="18" charset="0"/>
+                                <a:ea typeface="Cambria Math" panose="02040503050406030204" pitchFamily="18" charset="0"/>
+                              </a:rPr>
+                            </m:ctrlPr>
+                          </m:dPr>
+                          <m:e>
+                            <m:f>
+                              <m:fPr>
+                                <m:ctrlPr>
+                                  <a:rPr lang="fr-FR" i="1">
+                                    <a:latin typeface="Cambria Math" panose="02040503050406030204" pitchFamily="18" charset="0"/>
+                                  </a:rPr>
+                                </m:ctrlPr>
+                              </m:fPr>
+                              <m:num>
+                                <m:r>
+                                  <a:rPr lang="fr-FR" i="1">
+                                    <a:latin typeface="Cambria Math" panose="02040503050406030204" pitchFamily="18" charset="0"/>
+                                  </a:rPr>
+                                  <m:t>𝑘</m:t>
+                                </m:r>
+                                <m:d>
+                                  <m:dPr>
+                                    <m:ctrlPr>
+                                      <a:rPr lang="fr-FR" i="1">
+                                        <a:latin typeface="Cambria Math" panose="02040503050406030204" pitchFamily="18" charset="0"/>
+                                      </a:rPr>
+                                    </m:ctrlPr>
+                                  </m:dPr>
+                                  <m:e>
+                                    <m:r>
+                                      <a:rPr lang="fr-FR" i="1">
+                                        <a:latin typeface="Cambria Math" panose="02040503050406030204" pitchFamily="18" charset="0"/>
+                                      </a:rPr>
+                                      <m:t>𝑥</m:t>
+                                    </m:r>
+                                    <m:r>
+                                      <a:rPr lang="fr-FR" i="1">
+                                        <a:latin typeface="Cambria Math" panose="02040503050406030204" pitchFamily="18" charset="0"/>
+                                      </a:rPr>
+                                      <m:t>+</m:t>
+                                    </m:r>
+                                    <m:r>
+                                      <a:rPr lang="fr-FR" i="1">
+                                        <a:latin typeface="Cambria Math" panose="02040503050406030204" pitchFamily="18" charset="0"/>
+                                      </a:rPr>
+                                      <m:t>h</m:t>
+                                    </m:r>
+                                  </m:e>
+                                </m:d>
+                                <m:r>
+                                  <a:rPr lang="fr-FR" i="1">
+                                    <a:latin typeface="Cambria Math" panose="02040503050406030204" pitchFamily="18" charset="0"/>
+                                  </a:rPr>
+                                  <m:t>−</m:t>
+                                </m:r>
+                                <m:r>
+                                  <a:rPr lang="fr-FR" i="1">
+                                    <a:latin typeface="Cambria Math" panose="02040503050406030204" pitchFamily="18" charset="0"/>
+                                  </a:rPr>
+                                  <m:t>𝑘𝑥</m:t>
+                                </m:r>
+                              </m:num>
+                              <m:den>
+                                <m:r>
+                                  <a:rPr lang="fr-FR" i="1">
+                                    <a:latin typeface="Cambria Math" panose="02040503050406030204" pitchFamily="18" charset="0"/>
+                                  </a:rPr>
+                                  <m:t>h</m:t>
+                                </m:r>
+                              </m:den>
+                            </m:f>
+                          </m:e>
+                        </m:d>
+                      </m:e>
+                    </m:func>
+                  </m:oMath>
+                </a14:m>
+                <a:endParaRPr lang="fr-FR" dirty="0" smtClean="0">
+                  <a:solidFill>
+                    <a:srgbClr val="313E48"/>
+                  </a:solidFill>
+                </a:endParaRPr>
+              </a:p>
+              <a:p>
+                <a:pPr lvl="1"/>
+                <a:endParaRPr lang="fr-FR" dirty="0" smtClean="0"/>
+              </a:p>
+              <a:p>
+                <a:pPr lvl="1"/>
+                <a:r>
+                  <a:rPr lang="fr-FR" dirty="0" smtClean="0">
+                    <a:solidFill>
+                      <a:srgbClr val="FF0000"/>
+                    </a:solidFill>
+                  </a:rPr>
+                  <a:t>D’où on tire : </a:t>
+                </a:r>
+                <a14:m>
+                  <m:oMath xmlns:m="http://schemas.openxmlformats.org/officeDocument/2006/math">
+                    <m:sSup>
+                      <m:sSupPr>
+                        <m:ctrlPr>
+                          <a:rPr lang="fr-FR" b="0" i="1" smtClean="0">
+                            <a:solidFill>
+                              <a:srgbClr val="FF0000"/>
+                            </a:solidFill>
+                            <a:latin typeface="Cambria Math" panose="02040503050406030204" pitchFamily="18" charset="0"/>
+                          </a:rPr>
+                        </m:ctrlPr>
+                      </m:sSupPr>
+                      <m:e>
+                        <m:r>
+                          <a:rPr lang="fr-FR" b="0" i="1" smtClean="0">
+                            <a:solidFill>
+                              <a:srgbClr val="FF0000"/>
+                            </a:solidFill>
+                            <a:latin typeface="Cambria Math" panose="02040503050406030204" pitchFamily="18" charset="0"/>
+                          </a:rPr>
+                          <m:t>𝑓</m:t>
+                        </m:r>
+                      </m:e>
+                      <m:sup>
+                        <m:r>
+                          <a:rPr lang="fr-FR" b="0" i="1" smtClean="0">
+                            <a:solidFill>
+                              <a:srgbClr val="FF0000"/>
+                            </a:solidFill>
+                            <a:latin typeface="Cambria Math" panose="02040503050406030204" pitchFamily="18" charset="0"/>
+                          </a:rPr>
+                          <m:t>′</m:t>
+                        </m:r>
+                      </m:sup>
+                    </m:sSup>
+                    <m:d>
+                      <m:dPr>
+                        <m:ctrlPr>
+                          <a:rPr lang="fr-FR" b="0" i="1" smtClean="0">
+                            <a:solidFill>
+                              <a:srgbClr val="FF0000"/>
+                            </a:solidFill>
+                            <a:latin typeface="Cambria Math" panose="02040503050406030204" pitchFamily="18" charset="0"/>
+                          </a:rPr>
+                        </m:ctrlPr>
+                      </m:dPr>
+                      <m:e>
+                        <m:r>
+                          <a:rPr lang="fr-FR" b="0" i="1" smtClean="0">
+                            <a:solidFill>
+                              <a:srgbClr val="FF0000"/>
+                            </a:solidFill>
+                            <a:latin typeface="Cambria Math" panose="02040503050406030204" pitchFamily="18" charset="0"/>
+                          </a:rPr>
+                          <m:t>𝑥</m:t>
+                        </m:r>
+                      </m:e>
+                    </m:d>
+                    <m:r>
+                      <a:rPr lang="fr-FR" b="0" i="1" smtClean="0">
+                        <a:solidFill>
+                          <a:srgbClr val="FF0000"/>
+                        </a:solidFill>
+                        <a:latin typeface="Cambria Math" panose="02040503050406030204" pitchFamily="18" charset="0"/>
+                      </a:rPr>
+                      <m:t>=</m:t>
+                    </m:r>
+                    <m:r>
+                      <a:rPr lang="fr-FR" b="0" i="1" smtClean="0">
+                        <a:solidFill>
+                          <a:srgbClr val="FF0000"/>
+                        </a:solidFill>
+                        <a:latin typeface="Cambria Math" panose="02040503050406030204" pitchFamily="18" charset="0"/>
+                      </a:rPr>
+                      <m:t>𝑘</m:t>
+                    </m:r>
+                  </m:oMath>
+                </a14:m>
+                <a:endParaRPr lang="fr-FR" dirty="0">
+                  <a:solidFill>
+                    <a:srgbClr val="FF0000"/>
+                  </a:solidFill>
+                </a:endParaRPr>
+              </a:p>
+            </p:txBody>
+          </p:sp>
+        </mc:Choice>
+        <mc:Fallback>
+          <p:sp>
+            <p:nvSpPr>
+              <p:cNvPr id="5" name="Content Placeholder 4">
+                <a:extLst>
+                  <a:ext uri="{FF2B5EF4-FFF2-40B4-BE49-F238E27FC236}">
+                    <a16:creationId xmlns:a16="http://schemas.microsoft.com/office/drawing/2014/main" id="{85B949DE-4768-7144-9464-E25DC45F3FAF}"/>
+                  </a:ext>
+                </a:extLst>
+              </p:cNvPr>
+              <p:cNvSpPr>
+                <a:spLocks noGrp="1" noRot="1" noChangeAspect="1" noMove="1" noResize="1" noEditPoints="1" noAdjustHandles="1" noChangeArrowheads="1" noChangeShapeType="1" noTextEdit="1"/>
+              </p:cNvSpPr>
+              <p:nvPr>
+                <p:ph idx="1"/>
+              </p:nvPr>
+            </p:nvSpPr>
+            <p:spPr>
+              <a:xfrm>
+                <a:off x="623392" y="1556793"/>
+                <a:ext cx="10882808" cy="4366930"/>
+              </a:xfrm>
+              <a:blipFill>
+                <a:blip r:embed="rId3"/>
+                <a:stretch>
+                  <a:fillRect l="-1008" t="-2371"/>
+                </a:stretch>
+              </a:blipFill>
+            </p:spPr>
+            <p:txBody>
+              <a:bodyPr/>
+              <a:lstStyle/>
+              <a:p>
+                <a:r>
+                  <a:rPr lang="fr-FR">
+                    <a:noFill/>
+                  </a:rPr>
+                  <a:t> </a:t>
+                </a:r>
+              </a:p>
+            </p:txBody>
+          </p:sp>
+        </mc:Fallback>
+      </mc:AlternateContent>
+    </p:spTree>
+    <p:extLst>
+      <p:ext uri="{BB962C8B-B14F-4D97-AF65-F5344CB8AC3E}">
+        <p14:creationId xmlns:p14="http://schemas.microsoft.com/office/powerpoint/2010/main" val="3029671450"/>
+      </p:ext>
+    </p:extLst>
+  </p:cSld>
+  <p:clrMapOvr>
+    <a:masterClrMapping/>
+  </p:clrMapOvr>
+  <p:timing>
+    <p:tnLst>
+      <p:par>
+        <p:cTn id="1" dur="indefinite" restart="never" nodeType="tmRoot">
+          <p:childTnLst>
+            <p:seq concurrent="1" nextAc="seek">
+              <p:cTn id="2" dur="indefinite" nodeType="mainSeq">
+                <p:childTnLst>
+                  <p:par>
+                    <p:cTn id="3" fill="hold">
+                      <p:stCondLst>
+                        <p:cond delay="indefinite"/>
+                      </p:stCondLst>
+                      <p:childTnLst>
+                        <p:par>
+                          <p:cTn id="4" fill="hold">
+                            <p:stCondLst>
+                              <p:cond delay="0"/>
+                            </p:stCondLst>
+                            <p:childTnLst>
+                              <p:par>
+                                <p:cTn id="5" presetID="1" presetClass="entr" presetSubtype="0" fill="hold" nodeType="clickEffect">
+                                  <p:stCondLst>
+                                    <p:cond delay="0"/>
+                                  </p:stCondLst>
+                                  <p:childTnLst>
+                                    <p:set>
+                                      <p:cBhvr>
+                                        <p:cTn id="6" dur="1" fill="hold">
+                                          <p:stCondLst>
+                                            <p:cond delay="0"/>
+                                          </p:stCondLst>
+                                        </p:cTn>
+                                        <p:tgtEl>
+                                          <p:spTgt spid="5">
+                                            <p:txEl>
+                                              <p:pRg st="3" end="3"/>
+                                            </p:txEl>
+                                          </p:spTgt>
+                                        </p:tgtEl>
+                                        <p:attrNameLst>
+                                          <p:attrName>style.visibility</p:attrName>
+                                        </p:attrNameLst>
+                                      </p:cBhvr>
+                                      <p:to>
+                                        <p:strVal val="visible"/>
+                                      </p:to>
+                                    </p:set>
+                                  </p:childTnLst>
+                                </p:cTn>
+                              </p:par>
+                              <p:par>
+                                <p:cTn id="7" presetID="1" presetClass="entr" presetSubtype="0" fill="hold" nodeType="withEffect">
+                                  <p:stCondLst>
+                                    <p:cond delay="0"/>
+                                  </p:stCondLst>
+                                  <p:childTnLst>
+                                    <p:set>
+                                      <p:cBhvr>
+                                        <p:cTn id="8" dur="1" fill="hold">
+                                          <p:stCondLst>
+                                            <p:cond delay="0"/>
+                                          </p:stCondLst>
+                                        </p:cTn>
+                                        <p:tgtEl>
+                                          <p:spTgt spid="5">
+                                            <p:txEl>
+                                              <p:pRg st="4" end="4"/>
+                                            </p:txEl>
+                                          </p:spTgt>
+                                        </p:tgtEl>
+                                        <p:attrNameLst>
+                                          <p:attrName>style.visibility</p:attrName>
+                                        </p:attrNameLst>
+                                      </p:cBhvr>
+                                      <p:to>
+                                        <p:strVal val="visible"/>
+                                      </p:to>
+                                    </p:set>
+                                  </p:childTnLst>
+                                </p:cTn>
+                              </p:par>
+                            </p:childTnLst>
+                          </p:cTn>
+                        </p:par>
+                      </p:childTnLst>
+                    </p:cTn>
+                  </p:par>
+                  <p:par>
+                    <p:cTn id="9" fill="hold">
+                      <p:stCondLst>
+                        <p:cond delay="indefinite"/>
+                      </p:stCondLst>
+                      <p:childTnLst>
+                        <p:par>
+                          <p:cTn id="10" fill="hold">
+                            <p:stCondLst>
+                              <p:cond delay="0"/>
+                            </p:stCondLst>
+                            <p:childTnLst>
+                              <p:par>
+                                <p:cTn id="11" presetID="1" presetClass="entr" presetSubtype="0" fill="hold" nodeType="clickEffect">
+                                  <p:stCondLst>
+                                    <p:cond delay="0"/>
+                                  </p:stCondLst>
+                                  <p:childTnLst>
+                                    <p:set>
+                                      <p:cBhvr>
+                                        <p:cTn id="12" dur="1" fill="hold">
+                                          <p:stCondLst>
+                                            <p:cond delay="0"/>
+                                          </p:stCondLst>
+                                        </p:cTn>
+                                        <p:tgtEl>
+                                          <p:spTgt spid="5">
+                                            <p:txEl>
+                                              <p:pRg st="5" end="5"/>
+                                            </p:txEl>
+                                          </p:spTgt>
+                                        </p:tgtEl>
+                                        <p:attrNameLst>
+                                          <p:attrName>style.visibility</p:attrName>
+                                        </p:attrNameLst>
+                                      </p:cBhvr>
+                                      <p:to>
+                                        <p:strVal val="visible"/>
+                                      </p:to>
+                                    </p:set>
+                                  </p:childTnLst>
+                                </p:cTn>
+                              </p:par>
+                            </p:childTnLst>
+                          </p:cTn>
+                        </p:par>
+                      </p:childTnLst>
+                    </p:cTn>
+                  </p:par>
+                  <p:par>
+                    <p:cTn id="13" fill="hold">
+                      <p:stCondLst>
+                        <p:cond delay="indefinite"/>
+                      </p:stCondLst>
+                      <p:childTnLst>
+                        <p:par>
+                          <p:cTn id="14" fill="hold">
+                            <p:stCondLst>
+                              <p:cond delay="0"/>
+                            </p:stCondLst>
+                            <p:childTnLst>
+                              <p:par>
+                                <p:cTn id="15" presetID="1" presetClass="entr" presetSubtype="0" fill="hold" nodeType="clickEffect">
+                                  <p:stCondLst>
+                                    <p:cond delay="0"/>
+                                  </p:stCondLst>
+                                  <p:childTnLst>
+                                    <p:set>
+                                      <p:cBhvr>
+                                        <p:cTn id="16" dur="1" fill="hold">
+                                          <p:stCondLst>
+                                            <p:cond delay="0"/>
+                                          </p:stCondLst>
+                                        </p:cTn>
+                                        <p:tgtEl>
+                                          <p:spTgt spid="5">
+                                            <p:txEl>
+                                              <p:charRg st="269" end="298"/>
+                                            </p:txEl>
+                                          </p:spTgt>
+                                        </p:tgtEl>
+                                        <p:attrNameLst>
+                                          <p:attrName>style.visibility</p:attrName>
+                                        </p:attrNameLst>
+                                      </p:cBhvr>
+                                      <p:to>
+                                        <p:strVal val="visible"/>
+                                      </p:to>
+                                    </p:set>
+                                  </p:childTnLst>
+                                </p:cTn>
+                              </p:par>
+                            </p:childTnLst>
+                          </p:cTn>
+                        </p:par>
+                      </p:childTnLst>
+                    </p:cTn>
+                  </p:par>
+                </p:childTnLst>
+              </p:cTn>
+              <p:prevCondLst>
+                <p:cond evt="onPrev" delay="0">
+                  <p:tgtEl>
+                    <p:sldTgt/>
+                  </p:tgtEl>
+                </p:cond>
+              </p:prevCondLst>
+              <p:nextCondLst>
+                <p:cond evt="onNext" delay="0">
+                  <p:tgtEl>
+                    <p:sldTgt/>
+                  </p:tgtEl>
+                </p:cond>
+              </p:nextCondLst>
+            </p:seq>
+          </p:childTnLst>
+        </p:cTn>
+      </p:par>
+    </p:tnLst>
+  </p:timing>
+</p:sld>
+</file>
+
+<file path=ppt/slides/slide14.xml><?xml version="1.0" encoding="utf-8"?>
+<p:sld xmlns:a="http://schemas.openxmlformats.org/drawingml/2006/main" xmlns:r="http://schemas.openxmlformats.org/officeDocument/2006/relationships" xmlns:p="http://schemas.openxmlformats.org/presentationml/2006/main">
+  <p:cSld>
+    <p:spTree>
+      <p:nvGrpSpPr>
+        <p:cNvPr id="1" name=""/>
+        <p:cNvGrpSpPr/>
+        <p:nvPr/>
+      </p:nvGrpSpPr>
+      <p:grpSpPr>
+        <a:xfrm>
+          <a:off x="0" y="0"/>
+          <a:ext cx="0" cy="0"/>
+          <a:chOff x="0" y="0"/>
+          <a:chExt cx="0" cy="0"/>
+        </a:xfrm>
+      </p:grpSpPr>
+      <mc:AlternateContent xmlns:mc="http://schemas.openxmlformats.org/markup-compatibility/2006">
+        <mc:Choice xmlns:a14="http://schemas.microsoft.com/office/drawing/2010/main" Requires="a14">
+          <p:sp>
+            <p:nvSpPr>
+              <p:cNvPr id="5" name="Content Placeholder 4">
+                <a:extLst>
+                  <a:ext uri="{FF2B5EF4-FFF2-40B4-BE49-F238E27FC236}">
+                    <a16:creationId xmlns:a16="http://schemas.microsoft.com/office/drawing/2014/main" id="{85B949DE-4768-7144-9464-E25DC45F3FAF}"/>
+                  </a:ext>
+                </a:extLst>
+              </p:cNvPr>
+              <p:cNvSpPr>
+                <a:spLocks noGrp="1"/>
+              </p:cNvSpPr>
+              <p:nvPr>
+                <p:ph idx="1"/>
+              </p:nvPr>
+            </p:nvSpPr>
+            <p:spPr>
+              <a:xfrm>
+                <a:off x="623392" y="1556792"/>
+                <a:ext cx="11263808" cy="5301207"/>
+              </a:xfrm>
+              <a:noFill/>
+            </p:spPr>
+            <p:txBody>
+              <a:bodyPr>
+                <a:normAutofit/>
+              </a:bodyPr>
+              <a:lstStyle/>
+              <a:p>
+                <a:r>
+                  <a:rPr lang="fr-FR" b="1" u="sng" dirty="0" smtClean="0"/>
+                  <a:t>Première dérivée usuelle :</a:t>
+                </a:r>
+                <a:r>
+                  <a:rPr lang="fr-FR" dirty="0" smtClean="0"/>
+                  <a:t> Soit </a:t>
+                </a:r>
+                <a14:m>
+                  <m:oMath xmlns:m="http://schemas.openxmlformats.org/officeDocument/2006/math">
+                    <m:r>
+                      <a:rPr lang="fr-FR" b="0" i="1" smtClean="0">
+                        <a:latin typeface="Cambria Math" panose="02040503050406030204" pitchFamily="18" charset="0"/>
+                      </a:rPr>
+                      <m:t>𝑓</m:t>
+                    </m:r>
+                    <m:d>
+                      <m:dPr>
+                        <m:ctrlPr>
+                          <a:rPr lang="fr-FR" b="0" i="1" smtClean="0">
+                            <a:latin typeface="Cambria Math" panose="02040503050406030204" pitchFamily="18" charset="0"/>
+                          </a:rPr>
+                        </m:ctrlPr>
+                      </m:dPr>
+                      <m:e>
+                        <m:r>
+                          <a:rPr lang="fr-FR" b="0" i="1" smtClean="0">
+                            <a:latin typeface="Cambria Math" panose="02040503050406030204" pitchFamily="18" charset="0"/>
+                          </a:rPr>
+                          <m:t>𝑥</m:t>
+                        </m:r>
+                      </m:e>
+                    </m:d>
+                    <m:r>
+                      <a:rPr lang="fr-FR" b="0" i="1" smtClean="0">
+                        <a:latin typeface="Cambria Math" panose="02040503050406030204" pitchFamily="18" charset="0"/>
+                      </a:rPr>
+                      <m:t>=</m:t>
+                    </m:r>
+                    <m:sSup>
+                      <m:sSupPr>
+                        <m:ctrlPr>
+                          <a:rPr lang="fr-FR" b="0" i="1" smtClean="0">
+                            <a:latin typeface="Cambria Math" panose="02040503050406030204" pitchFamily="18" charset="0"/>
+                          </a:rPr>
+                        </m:ctrlPr>
+                      </m:sSupPr>
+                      <m:e>
+                        <m:r>
+                          <a:rPr lang="fr-FR" b="0" i="1" smtClean="0">
+                            <a:latin typeface="Cambria Math" panose="02040503050406030204" pitchFamily="18" charset="0"/>
+                          </a:rPr>
+                          <m:t>𝑥</m:t>
+                        </m:r>
+                      </m:e>
+                      <m:sup>
+                        <m:r>
+                          <a:rPr lang="fr-FR" b="0" i="1" smtClean="0">
+                            <a:latin typeface="Cambria Math" panose="02040503050406030204" pitchFamily="18" charset="0"/>
+                          </a:rPr>
+                          <m:t>𝑛</m:t>
+                        </m:r>
+                      </m:sup>
+                    </m:sSup>
+                    <m:r>
+                      <a:rPr lang="fr-FR" b="0" i="1" smtClean="0">
+                        <a:latin typeface="Cambria Math" panose="02040503050406030204" pitchFamily="18" charset="0"/>
+                      </a:rPr>
+                      <m:t>, </m:t>
+                    </m:r>
+                    <m:r>
+                      <a:rPr lang="fr-FR" b="0" i="1" smtClean="0">
+                        <a:latin typeface="Cambria Math" panose="02040503050406030204" pitchFamily="18" charset="0"/>
+                      </a:rPr>
+                      <m:t>𝑛</m:t>
+                    </m:r>
+                    <m:r>
+                      <a:rPr lang="fr-FR" b="0" i="1" smtClean="0">
+                        <a:latin typeface="Cambria Math" panose="02040503050406030204" pitchFamily="18" charset="0"/>
+                        <a:ea typeface="Cambria Math" panose="02040503050406030204" pitchFamily="18" charset="0"/>
+                      </a:rPr>
+                      <m:t>∈</m:t>
+                    </m:r>
+                    <m:r>
+                      <a:rPr lang="fr-FR" b="0" i="1" smtClean="0">
+                        <a:latin typeface="Cambria Math" panose="02040503050406030204" pitchFamily="18" charset="0"/>
+                        <a:ea typeface="Cambria Math" panose="02040503050406030204" pitchFamily="18" charset="0"/>
+                      </a:rPr>
+                      <m:t>𝕽</m:t>
+                    </m:r>
+                  </m:oMath>
+                </a14:m>
+                <a:r>
+                  <a:rPr lang="fr-FR" dirty="0" smtClean="0"/>
+                  <a:t> alors</a:t>
+                </a:r>
+              </a:p>
+              <a:p>
+                <a:endParaRPr lang="fr-FR" dirty="0" smtClean="0"/>
+              </a:p>
+              <a:p>
+                <a:pPr marL="0" indent="0" algn="ctr">
+                  <a:buNone/>
+                </a:pPr>
+                <a14:m>
+                  <m:oMathPara xmlns:m="http://schemas.openxmlformats.org/officeDocument/2006/math">
+                    <m:oMathParaPr>
+                      <m:jc m:val="centerGroup"/>
+                    </m:oMathParaPr>
+                    <m:oMath xmlns:m="http://schemas.openxmlformats.org/officeDocument/2006/math">
+                      <m:sSup>
+                        <m:sSupPr>
+                          <m:ctrlPr>
+                            <a:rPr lang="fr-FR" b="0" i="1" smtClean="0">
+                              <a:latin typeface="Cambria Math" panose="02040503050406030204" pitchFamily="18" charset="0"/>
+                            </a:rPr>
+                          </m:ctrlPr>
+                        </m:sSupPr>
+                        <m:e>
+                          <m:r>
+                            <a:rPr lang="fr-FR" b="0" i="1" smtClean="0">
+                              <a:latin typeface="Cambria Math" panose="02040503050406030204" pitchFamily="18" charset="0"/>
+                            </a:rPr>
+                            <m:t>𝑓</m:t>
+                          </m:r>
+                        </m:e>
+                        <m:sup>
+                          <m:r>
+                            <a:rPr lang="fr-FR" b="0" i="1" smtClean="0">
+                              <a:latin typeface="Cambria Math" panose="02040503050406030204" pitchFamily="18" charset="0"/>
+                            </a:rPr>
+                            <m:t>′</m:t>
+                          </m:r>
+                        </m:sup>
+                      </m:sSup>
+                      <m:d>
+                        <m:dPr>
+                          <m:ctrlPr>
+                            <a:rPr lang="fr-FR" b="0" i="1" smtClean="0">
+                              <a:latin typeface="Cambria Math" panose="02040503050406030204" pitchFamily="18" charset="0"/>
+                            </a:rPr>
+                          </m:ctrlPr>
+                        </m:dPr>
+                        <m:e>
+                          <m:r>
+                            <a:rPr lang="fr-FR" b="0" i="1" smtClean="0">
+                              <a:latin typeface="Cambria Math" panose="02040503050406030204" pitchFamily="18" charset="0"/>
+                            </a:rPr>
+                            <m:t>𝑥</m:t>
+                          </m:r>
+                        </m:e>
+                      </m:d>
+                      <m:r>
+                        <a:rPr lang="fr-FR" b="0" i="1" smtClean="0">
+                          <a:latin typeface="Cambria Math" panose="02040503050406030204" pitchFamily="18" charset="0"/>
+                        </a:rPr>
+                        <m:t>=</m:t>
+                      </m:r>
+                      <m:r>
+                        <a:rPr lang="fr-FR" b="0" i="1" smtClean="0">
+                          <a:latin typeface="Cambria Math" panose="02040503050406030204" pitchFamily="18" charset="0"/>
+                        </a:rPr>
+                        <m:t>𝑛</m:t>
+                      </m:r>
+                      <m:sSup>
+                        <m:sSupPr>
+                          <m:ctrlPr>
+                            <a:rPr lang="fr-FR" b="0" i="1" smtClean="0">
+                              <a:latin typeface="Cambria Math" panose="02040503050406030204" pitchFamily="18" charset="0"/>
+                            </a:rPr>
+                          </m:ctrlPr>
+                        </m:sSupPr>
+                        <m:e>
+                          <m:r>
+                            <a:rPr lang="fr-FR" b="0" i="1" smtClean="0">
+                              <a:latin typeface="Cambria Math" panose="02040503050406030204" pitchFamily="18" charset="0"/>
+                            </a:rPr>
+                            <m:t>𝑥</m:t>
+                          </m:r>
+                        </m:e>
+                        <m:sup>
+                          <m:r>
+                            <a:rPr lang="fr-FR" b="0" i="1" smtClean="0">
+                              <a:latin typeface="Cambria Math" panose="02040503050406030204" pitchFamily="18" charset="0"/>
+                            </a:rPr>
+                            <m:t>𝑛</m:t>
+                          </m:r>
+                          <m:r>
+                            <a:rPr lang="fr-FR" b="0" i="1" smtClean="0">
+                              <a:latin typeface="Cambria Math" panose="02040503050406030204" pitchFamily="18" charset="0"/>
+                            </a:rPr>
+                            <m:t>−1</m:t>
+                          </m:r>
+                        </m:sup>
+                      </m:sSup>
+                    </m:oMath>
+                  </m:oMathPara>
+                </a14:m>
+                <a:endParaRPr lang="fr-FR" dirty="0"/>
+              </a:p>
+              <a:p>
+                <a:r>
+                  <a:rPr lang="fr-FR" b="1" u="sng" dirty="0" smtClean="0"/>
+                  <a:t>Démonstration:</a:t>
+                </a:r>
+              </a:p>
+              <a:p>
+                <a:pPr lvl="1"/>
+                <a:r>
+                  <a:rPr lang="fr-FR" dirty="0" smtClean="0"/>
+                  <a:t>Soit </a:t>
+                </a:r>
+                <a14:m>
+                  <m:oMath xmlns:m="http://schemas.openxmlformats.org/officeDocument/2006/math">
+                    <m:r>
+                      <a:rPr lang="fr-FR" b="0" i="1" smtClean="0">
+                        <a:latin typeface="Cambria Math" panose="02040503050406030204" pitchFamily="18" charset="0"/>
+                      </a:rPr>
+                      <m:t>𝑓</m:t>
+                    </m:r>
+                  </m:oMath>
+                </a14:m>
+                <a:r>
+                  <a:rPr lang="fr-FR" dirty="0" smtClean="0"/>
+                  <a:t> une fonction qui à </a:t>
+                </a:r>
+                <a14:m>
+                  <m:oMath xmlns:m="http://schemas.openxmlformats.org/officeDocument/2006/math">
+                    <m:r>
+                      <a:rPr lang="fr-FR" b="0" i="1" smtClean="0">
+                        <a:latin typeface="Cambria Math" panose="02040503050406030204" pitchFamily="18" charset="0"/>
+                      </a:rPr>
+                      <m:t>𝑥</m:t>
+                    </m:r>
+                  </m:oMath>
+                </a14:m>
+                <a:r>
+                  <a:rPr lang="fr-FR" dirty="0" smtClean="0"/>
+                  <a:t> associe </a:t>
+                </a:r>
+                <a14:m>
+                  <m:oMath xmlns:m="http://schemas.openxmlformats.org/officeDocument/2006/math">
+                    <m:sSup>
+                      <m:sSupPr>
+                        <m:ctrlPr>
+                          <a:rPr lang="fr-FR" b="0" i="1" smtClean="0">
+                            <a:latin typeface="Cambria Math" panose="02040503050406030204" pitchFamily="18" charset="0"/>
+                          </a:rPr>
+                        </m:ctrlPr>
+                      </m:sSupPr>
+                      <m:e>
+                        <m:r>
+                          <a:rPr lang="fr-FR" b="0" i="1" smtClean="0">
+                            <a:latin typeface="Cambria Math" panose="02040503050406030204" pitchFamily="18" charset="0"/>
+                          </a:rPr>
+                          <m:t>𝑥</m:t>
+                        </m:r>
+                      </m:e>
+                      <m:sup>
+                        <m:r>
+                          <a:rPr lang="fr-FR" b="0" i="1" smtClean="0">
+                            <a:latin typeface="Cambria Math" panose="02040503050406030204" pitchFamily="18" charset="0"/>
+                          </a:rPr>
+                          <m:t>𝑛</m:t>
+                        </m:r>
+                      </m:sup>
+                    </m:sSup>
+                    <m:r>
+                      <a:rPr lang="fr-FR" b="0" i="1" smtClean="0">
+                        <a:latin typeface="Cambria Math" panose="02040503050406030204" pitchFamily="18" charset="0"/>
+                      </a:rPr>
+                      <m:t>, </m:t>
+                    </m:r>
+                    <m:r>
+                      <a:rPr lang="fr-FR" b="0" i="1" smtClean="0">
+                        <a:latin typeface="Cambria Math" panose="02040503050406030204" pitchFamily="18" charset="0"/>
+                      </a:rPr>
+                      <m:t>𝑛</m:t>
+                    </m:r>
+                    <m:r>
+                      <a:rPr lang="fr-FR" b="0" i="1" smtClean="0">
+                        <a:latin typeface="Cambria Math" panose="02040503050406030204" pitchFamily="18" charset="0"/>
+                        <a:ea typeface="Cambria Math" panose="02040503050406030204" pitchFamily="18" charset="0"/>
+                      </a:rPr>
+                      <m:t>∈</m:t>
+                    </m:r>
+                    <m:r>
+                      <a:rPr lang="fr-FR" b="0" i="1" smtClean="0">
+                        <a:latin typeface="Cambria Math" panose="02040503050406030204" pitchFamily="18" charset="0"/>
+                        <a:ea typeface="Cambria Math" panose="02040503050406030204" pitchFamily="18" charset="0"/>
+                      </a:rPr>
+                      <m:t>𝕽</m:t>
+                    </m:r>
+                  </m:oMath>
+                </a14:m>
+                <a:endParaRPr lang="fr-FR" dirty="0" smtClean="0"/>
+              </a:p>
+              <a:p>
+                <a:pPr lvl="1"/>
+                <a:r>
+                  <a:rPr lang="fr-FR" dirty="0" smtClean="0"/>
+                  <a:t>Sa dérivée est définie par : </a:t>
+                </a:r>
+                <a14:m>
+                  <m:oMath xmlns:m="http://schemas.openxmlformats.org/officeDocument/2006/math">
+                    <m:sSup>
+                      <m:sSupPr>
+                        <m:ctrlPr>
+                          <a:rPr lang="fr-FR" b="0" i="1" smtClean="0">
+                            <a:latin typeface="Cambria Math" panose="02040503050406030204" pitchFamily="18" charset="0"/>
+                          </a:rPr>
+                        </m:ctrlPr>
+                      </m:sSupPr>
+                      <m:e>
+                        <m:r>
+                          <a:rPr lang="fr-FR" b="0" i="1" smtClean="0">
+                            <a:latin typeface="Cambria Math" panose="02040503050406030204" pitchFamily="18" charset="0"/>
+                          </a:rPr>
+                          <m:t>𝑓</m:t>
+                        </m:r>
+                      </m:e>
+                      <m:sup>
+                        <m:r>
+                          <a:rPr lang="fr-FR" b="0" i="1" smtClean="0">
+                            <a:latin typeface="Cambria Math" panose="02040503050406030204" pitchFamily="18" charset="0"/>
+                          </a:rPr>
+                          <m:t>′</m:t>
+                        </m:r>
+                      </m:sup>
+                    </m:sSup>
+                    <m:d>
+                      <m:dPr>
+                        <m:ctrlPr>
+                          <a:rPr lang="fr-FR" b="0" i="1" smtClean="0">
+                            <a:latin typeface="Cambria Math" panose="02040503050406030204" pitchFamily="18" charset="0"/>
+                          </a:rPr>
+                        </m:ctrlPr>
+                      </m:dPr>
+                      <m:e>
+                        <m:r>
+                          <a:rPr lang="fr-FR" b="0" i="1" smtClean="0">
+                            <a:latin typeface="Cambria Math" panose="02040503050406030204" pitchFamily="18" charset="0"/>
+                          </a:rPr>
+                          <m:t>𝑥</m:t>
+                        </m:r>
+                      </m:e>
+                    </m:d>
+                    <m:r>
+                      <a:rPr lang="fr-FR" b="0" i="1" smtClean="0">
+                        <a:latin typeface="Cambria Math" panose="02040503050406030204" pitchFamily="18" charset="0"/>
+                      </a:rPr>
+                      <m:t>=</m:t>
+                    </m:r>
+                    <m:func>
+                      <m:funcPr>
+                        <m:ctrlPr>
+                          <a:rPr lang="fr-FR" b="0" i="1" smtClean="0">
+                            <a:latin typeface="Cambria Math" panose="02040503050406030204" pitchFamily="18" charset="0"/>
+                          </a:rPr>
+                        </m:ctrlPr>
+                      </m:funcPr>
+                      <m:fName>
+                        <m:limLow>
+                          <m:limLowPr>
+                            <m:ctrlPr>
+                              <a:rPr lang="fr-FR" b="0" i="1" smtClean="0">
+                                <a:latin typeface="Cambria Math" panose="02040503050406030204" pitchFamily="18" charset="0"/>
+                              </a:rPr>
+                            </m:ctrlPr>
+                          </m:limLowPr>
+                          <m:e>
+                            <m:r>
+                              <m:rPr>
+                                <m:sty m:val="p"/>
+                              </m:rPr>
+                              <a:rPr lang="fr-FR" b="0" i="0" smtClean="0">
+                                <a:latin typeface="Cambria Math" panose="02040503050406030204" pitchFamily="18" charset="0"/>
+                              </a:rPr>
+                              <m:t>lim</m:t>
+                            </m:r>
+                          </m:e>
+                          <m:lim>
+                            <m:r>
+                              <a:rPr lang="fr-FR" b="0" i="1" smtClean="0">
+                                <a:latin typeface="Cambria Math" panose="02040503050406030204" pitchFamily="18" charset="0"/>
+                              </a:rPr>
+                              <m:t>h</m:t>
+                            </m:r>
+                            <m:r>
+                              <a:rPr lang="fr-FR" i="1">
+                                <a:latin typeface="Cambria Math" panose="02040503050406030204" pitchFamily="18" charset="0"/>
+                                <a:ea typeface="Cambria Math" panose="02040503050406030204" pitchFamily="18" charset="0"/>
+                              </a:rPr>
+                              <m:t>→</m:t>
+                            </m:r>
+                            <m:r>
+                              <a:rPr lang="fr-FR" b="0" i="1" smtClean="0">
+                                <a:latin typeface="Cambria Math" panose="02040503050406030204" pitchFamily="18" charset="0"/>
+                                <a:ea typeface="Cambria Math" panose="02040503050406030204" pitchFamily="18" charset="0"/>
+                              </a:rPr>
+                              <m:t>0</m:t>
+                            </m:r>
+                          </m:lim>
+                        </m:limLow>
+                      </m:fName>
+                      <m:e>
+                        <m:f>
+                          <m:fPr>
+                            <m:ctrlPr>
+                              <a:rPr lang="fr-FR" b="0" i="1" smtClean="0">
+                                <a:latin typeface="Cambria Math" panose="02040503050406030204" pitchFamily="18" charset="0"/>
+                              </a:rPr>
+                            </m:ctrlPr>
+                          </m:fPr>
+                          <m:num>
+                            <m:r>
+                              <a:rPr lang="fr-FR" b="0" i="1" smtClean="0">
+                                <a:latin typeface="Cambria Math" panose="02040503050406030204" pitchFamily="18" charset="0"/>
+                              </a:rPr>
+                              <m:t>𝑓</m:t>
+                            </m:r>
+                            <m:d>
+                              <m:dPr>
+                                <m:ctrlPr>
+                                  <a:rPr lang="fr-FR" b="0" i="1" smtClean="0">
+                                    <a:latin typeface="Cambria Math" panose="02040503050406030204" pitchFamily="18" charset="0"/>
+                                  </a:rPr>
+                                </m:ctrlPr>
+                              </m:dPr>
+                              <m:e>
+                                <m:r>
+                                  <a:rPr lang="fr-FR" b="0" i="1" smtClean="0">
+                                    <a:latin typeface="Cambria Math" panose="02040503050406030204" pitchFamily="18" charset="0"/>
+                                  </a:rPr>
+                                  <m:t>𝑥</m:t>
+                                </m:r>
+                                <m:r>
+                                  <a:rPr lang="fr-FR" b="0" i="1" smtClean="0">
+                                    <a:latin typeface="Cambria Math" panose="02040503050406030204" pitchFamily="18" charset="0"/>
+                                  </a:rPr>
+                                  <m:t>+</m:t>
+                                </m:r>
+                                <m:r>
+                                  <a:rPr lang="fr-FR" b="0" i="1" smtClean="0">
+                                    <a:latin typeface="Cambria Math" panose="02040503050406030204" pitchFamily="18" charset="0"/>
+                                  </a:rPr>
+                                  <m:t>h</m:t>
+                                </m:r>
+                              </m:e>
+                            </m:d>
+                            <m:r>
+                              <a:rPr lang="fr-FR" b="0" i="1" smtClean="0">
+                                <a:latin typeface="Cambria Math" panose="02040503050406030204" pitchFamily="18" charset="0"/>
+                              </a:rPr>
+                              <m:t>−</m:t>
+                            </m:r>
+                            <m:r>
+                              <a:rPr lang="fr-FR" b="0" i="1" smtClean="0">
+                                <a:latin typeface="Cambria Math" panose="02040503050406030204" pitchFamily="18" charset="0"/>
+                              </a:rPr>
+                              <m:t>𝑓</m:t>
+                            </m:r>
+                            <m:r>
+                              <a:rPr lang="fr-FR" b="0" i="1" smtClean="0">
+                                <a:latin typeface="Cambria Math" panose="02040503050406030204" pitchFamily="18" charset="0"/>
+                              </a:rPr>
+                              <m:t>(</m:t>
+                            </m:r>
+                            <m:r>
+                              <a:rPr lang="fr-FR" b="0" i="1" smtClean="0">
+                                <a:latin typeface="Cambria Math" panose="02040503050406030204" pitchFamily="18" charset="0"/>
+                              </a:rPr>
+                              <m:t>𝑥</m:t>
+                            </m:r>
+                            <m:r>
+                              <a:rPr lang="fr-FR" b="0" i="1" smtClean="0">
+                                <a:latin typeface="Cambria Math" panose="02040503050406030204" pitchFamily="18" charset="0"/>
+                              </a:rPr>
+                              <m:t>)</m:t>
+                            </m:r>
+                          </m:num>
+                          <m:den>
+                            <m:r>
+                              <a:rPr lang="fr-FR" b="0" i="1" smtClean="0">
+                                <a:latin typeface="Cambria Math" panose="02040503050406030204" pitchFamily="18" charset="0"/>
+                              </a:rPr>
+                              <m:t>h</m:t>
+                            </m:r>
+                          </m:den>
+                        </m:f>
+                      </m:e>
+                    </m:func>
+                  </m:oMath>
+                </a14:m>
+                <a:r>
+                  <a:rPr lang="fr-FR" dirty="0" smtClean="0"/>
+                  <a:t> </a:t>
+                </a:r>
+                <a:endParaRPr lang="fr-FR" dirty="0" smtClean="0"/>
+              </a:p>
+              <a:p>
+                <a:pPr lvl="1"/>
+                <a:r>
+                  <a:rPr lang="fr-FR" dirty="0" smtClean="0"/>
+                  <a:t>Ce qui donne : </a:t>
+                </a:r>
+                <a14:m>
+                  <m:oMath xmlns:m="http://schemas.openxmlformats.org/officeDocument/2006/math">
+                    <m:sSup>
+                      <m:sSupPr>
+                        <m:ctrlPr>
+                          <a:rPr lang="fr-FR" b="0" i="1" smtClean="0">
+                            <a:solidFill>
+                              <a:srgbClr val="313E48"/>
+                            </a:solidFill>
+                            <a:latin typeface="Cambria Math" panose="02040503050406030204" pitchFamily="18" charset="0"/>
+                          </a:rPr>
+                        </m:ctrlPr>
+                      </m:sSupPr>
+                      <m:e>
+                        <m:r>
+                          <a:rPr lang="fr-FR" b="0" i="1" smtClean="0">
+                            <a:solidFill>
+                              <a:srgbClr val="313E48"/>
+                            </a:solidFill>
+                            <a:latin typeface="Cambria Math" panose="02040503050406030204" pitchFamily="18" charset="0"/>
+                          </a:rPr>
+                          <m:t>𝑓</m:t>
+                        </m:r>
+                      </m:e>
+                      <m:sup>
+                        <m:r>
+                          <a:rPr lang="fr-FR" b="0" i="1" smtClean="0">
+                            <a:solidFill>
+                              <a:srgbClr val="313E48"/>
+                            </a:solidFill>
+                            <a:latin typeface="Cambria Math" panose="02040503050406030204" pitchFamily="18" charset="0"/>
+                          </a:rPr>
+                          <m:t>′</m:t>
+                        </m:r>
+                      </m:sup>
+                    </m:sSup>
+                    <m:d>
+                      <m:dPr>
+                        <m:ctrlPr>
+                          <a:rPr lang="fr-FR" b="0" i="1" smtClean="0">
+                            <a:solidFill>
+                              <a:srgbClr val="313E48"/>
+                            </a:solidFill>
+                            <a:latin typeface="Cambria Math" panose="02040503050406030204" pitchFamily="18" charset="0"/>
+                          </a:rPr>
+                        </m:ctrlPr>
+                      </m:dPr>
+                      <m:e>
+                        <m:r>
+                          <a:rPr lang="fr-FR" b="0" i="1" smtClean="0">
+                            <a:solidFill>
+                              <a:srgbClr val="313E48"/>
+                            </a:solidFill>
+                            <a:latin typeface="Cambria Math" panose="02040503050406030204" pitchFamily="18" charset="0"/>
+                          </a:rPr>
+                          <m:t>𝑥</m:t>
+                        </m:r>
+                      </m:e>
+                    </m:d>
+                    <m:r>
+                      <a:rPr lang="fr-FR" b="0" i="1" smtClean="0">
+                        <a:solidFill>
+                          <a:srgbClr val="313E48"/>
+                        </a:solidFill>
+                        <a:latin typeface="Cambria Math" panose="02040503050406030204" pitchFamily="18" charset="0"/>
+                      </a:rPr>
+                      <m:t>=</m:t>
+                    </m:r>
+                    <m:func>
+                      <m:funcPr>
+                        <m:ctrlPr>
+                          <a:rPr lang="fr-FR" i="1">
+                            <a:solidFill>
+                              <a:srgbClr val="313E48"/>
+                            </a:solidFill>
+                            <a:latin typeface="Cambria Math" panose="02040503050406030204" pitchFamily="18" charset="0"/>
+                          </a:rPr>
+                        </m:ctrlPr>
+                      </m:funcPr>
+                      <m:fName>
+                        <m:limLow>
+                          <m:limLowPr>
+                            <m:ctrlPr>
+                              <a:rPr lang="fr-FR" i="1">
+                                <a:solidFill>
+                                  <a:srgbClr val="313E48"/>
+                                </a:solidFill>
+                                <a:latin typeface="Cambria Math" panose="02040503050406030204" pitchFamily="18" charset="0"/>
+                              </a:rPr>
+                            </m:ctrlPr>
+                          </m:limLowPr>
+                          <m:e>
+                            <m:r>
+                              <m:rPr>
+                                <m:sty m:val="p"/>
+                              </m:rPr>
+                              <a:rPr lang="fr-FR">
+                                <a:solidFill>
+                                  <a:srgbClr val="313E48"/>
+                                </a:solidFill>
+                                <a:latin typeface="Cambria Math" panose="02040503050406030204" pitchFamily="18" charset="0"/>
+                              </a:rPr>
+                              <m:t>lim</m:t>
+                            </m:r>
+                          </m:e>
+                          <m:lim>
+                            <m:r>
+                              <a:rPr lang="fr-FR" i="1">
+                                <a:solidFill>
+                                  <a:srgbClr val="313E48"/>
+                                </a:solidFill>
+                                <a:latin typeface="Cambria Math" panose="02040503050406030204" pitchFamily="18" charset="0"/>
+                              </a:rPr>
+                              <m:t>h</m:t>
+                            </m:r>
+                            <m:r>
+                              <a:rPr lang="fr-FR" i="1">
+                                <a:solidFill>
+                                  <a:srgbClr val="313E48"/>
+                                </a:solidFill>
+                                <a:latin typeface="Cambria Math" panose="02040503050406030204" pitchFamily="18" charset="0"/>
+                                <a:ea typeface="Cambria Math" panose="02040503050406030204" pitchFamily="18" charset="0"/>
+                              </a:rPr>
+                              <m:t>→</m:t>
+                            </m:r>
+                            <m:r>
+                              <a:rPr lang="fr-FR" i="1">
+                                <a:solidFill>
+                                  <a:srgbClr val="313E48"/>
+                                </a:solidFill>
+                                <a:latin typeface="Cambria Math" panose="02040503050406030204" pitchFamily="18" charset="0"/>
+                                <a:ea typeface="Cambria Math" panose="02040503050406030204" pitchFamily="18" charset="0"/>
+                              </a:rPr>
+                              <m:t>0</m:t>
+                            </m:r>
+                          </m:lim>
+                        </m:limLow>
+                      </m:fName>
+                      <m:e>
+                        <m:d>
+                          <m:dPr>
+                            <m:ctrlPr>
+                              <a:rPr lang="fr-FR" i="1" smtClean="0">
+                                <a:solidFill>
+                                  <a:srgbClr val="313E48"/>
+                                </a:solidFill>
+                                <a:latin typeface="Cambria Math" panose="02040503050406030204" pitchFamily="18" charset="0"/>
+                                <a:ea typeface="Cambria Math" panose="02040503050406030204" pitchFamily="18" charset="0"/>
+                              </a:rPr>
+                            </m:ctrlPr>
+                          </m:dPr>
+                          <m:e>
+                            <m:f>
+                              <m:fPr>
+                                <m:ctrlPr>
+                                  <a:rPr lang="fr-FR" i="1">
+                                    <a:latin typeface="Cambria Math" panose="02040503050406030204" pitchFamily="18" charset="0"/>
+                                  </a:rPr>
+                                </m:ctrlPr>
+                              </m:fPr>
+                              <m:num>
+                                <m:sSup>
+                                  <m:sSupPr>
+                                    <m:ctrlPr>
+                                      <a:rPr lang="fr-FR" i="1" smtClean="0">
+                                        <a:latin typeface="Cambria Math" panose="02040503050406030204" pitchFamily="18" charset="0"/>
+                                      </a:rPr>
+                                    </m:ctrlPr>
+                                  </m:sSupPr>
+                                  <m:e>
+                                    <m:d>
+                                      <m:dPr>
+                                        <m:ctrlPr>
+                                          <a:rPr lang="fr-FR" i="1">
+                                            <a:latin typeface="Cambria Math" panose="02040503050406030204" pitchFamily="18" charset="0"/>
+                                          </a:rPr>
+                                        </m:ctrlPr>
+                                      </m:dPr>
+                                      <m:e>
+                                        <m:r>
+                                          <a:rPr lang="fr-FR" i="1">
+                                            <a:latin typeface="Cambria Math" panose="02040503050406030204" pitchFamily="18" charset="0"/>
+                                          </a:rPr>
+                                          <m:t>𝑥</m:t>
+                                        </m:r>
+                                        <m:r>
+                                          <a:rPr lang="fr-FR" i="1">
+                                            <a:latin typeface="Cambria Math" panose="02040503050406030204" pitchFamily="18" charset="0"/>
+                                          </a:rPr>
+                                          <m:t>+</m:t>
+                                        </m:r>
+                                        <m:r>
+                                          <a:rPr lang="fr-FR" i="1">
+                                            <a:latin typeface="Cambria Math" panose="02040503050406030204" pitchFamily="18" charset="0"/>
+                                          </a:rPr>
+                                          <m:t>h</m:t>
+                                        </m:r>
+                                      </m:e>
+                                    </m:d>
+                                  </m:e>
+                                  <m:sup>
+                                    <m:r>
+                                      <a:rPr lang="fr-FR" b="0" i="1" smtClean="0">
+                                        <a:latin typeface="Cambria Math" panose="02040503050406030204" pitchFamily="18" charset="0"/>
+                                      </a:rPr>
+                                      <m:t>𝑛</m:t>
+                                    </m:r>
+                                  </m:sup>
+                                </m:sSup>
+                                <m:r>
+                                  <a:rPr lang="fr-FR" i="1">
+                                    <a:latin typeface="Cambria Math" panose="02040503050406030204" pitchFamily="18" charset="0"/>
+                                  </a:rPr>
+                                  <m:t>−</m:t>
+                                </m:r>
+                                <m:sSup>
+                                  <m:sSupPr>
+                                    <m:ctrlPr>
+                                      <a:rPr lang="fr-FR" i="1" smtClean="0">
+                                        <a:latin typeface="Cambria Math" panose="02040503050406030204" pitchFamily="18" charset="0"/>
+                                      </a:rPr>
+                                    </m:ctrlPr>
+                                  </m:sSupPr>
+                                  <m:e>
+                                    <m:r>
+                                      <a:rPr lang="fr-FR" b="0" i="1" smtClean="0">
+                                        <a:latin typeface="Cambria Math" panose="02040503050406030204" pitchFamily="18" charset="0"/>
+                                      </a:rPr>
+                                      <m:t>𝑥</m:t>
+                                    </m:r>
+                                  </m:e>
+                                  <m:sup>
+                                    <m:r>
+                                      <a:rPr lang="fr-FR" b="0" i="1" smtClean="0">
+                                        <a:latin typeface="Cambria Math" panose="02040503050406030204" pitchFamily="18" charset="0"/>
+                                      </a:rPr>
+                                      <m:t>𝑛</m:t>
+                                    </m:r>
+                                  </m:sup>
+                                </m:sSup>
+                              </m:num>
+                              <m:den>
+                                <m:r>
+                                  <a:rPr lang="fr-FR" i="1">
+                                    <a:latin typeface="Cambria Math" panose="02040503050406030204" pitchFamily="18" charset="0"/>
+                                  </a:rPr>
+                                  <m:t>h</m:t>
+                                </m:r>
+                              </m:den>
+                            </m:f>
+                          </m:e>
+                        </m:d>
+                      </m:e>
+                    </m:func>
+                  </m:oMath>
+                </a14:m>
+                <a:endParaRPr lang="fr-FR" dirty="0" smtClean="0">
+                  <a:solidFill>
+                    <a:srgbClr val="313E48"/>
+                  </a:solidFill>
+                </a:endParaRPr>
+              </a:p>
+              <a:p>
+                <a:pPr lvl="1"/>
+                <a:endParaRPr lang="fr-FR" dirty="0" smtClean="0"/>
+              </a:p>
+              <a:p>
+                <a:pPr lvl="1"/>
+                <a:r>
+                  <a:rPr lang="fr-FR" dirty="0" smtClean="0">
+                    <a:solidFill>
+                      <a:srgbClr val="FF0000"/>
+                    </a:solidFill>
+                  </a:rPr>
+                  <a:t>D’où on tire : </a:t>
+                </a:r>
+                <a14:m>
+                  <m:oMath xmlns:m="http://schemas.openxmlformats.org/officeDocument/2006/math">
+                    <m:sSup>
+                      <m:sSupPr>
+                        <m:ctrlPr>
+                          <a:rPr lang="fr-FR" b="0" i="1" smtClean="0">
+                            <a:solidFill>
+                              <a:srgbClr val="FF0000"/>
+                            </a:solidFill>
+                            <a:latin typeface="Cambria Math" panose="02040503050406030204" pitchFamily="18" charset="0"/>
+                          </a:rPr>
+                        </m:ctrlPr>
+                      </m:sSupPr>
+                      <m:e>
+                        <m:r>
+                          <a:rPr lang="fr-FR" b="0" i="1" smtClean="0">
+                            <a:solidFill>
+                              <a:srgbClr val="FF0000"/>
+                            </a:solidFill>
+                            <a:latin typeface="Cambria Math" panose="02040503050406030204" pitchFamily="18" charset="0"/>
+                          </a:rPr>
+                          <m:t>𝑓</m:t>
+                        </m:r>
+                      </m:e>
+                      <m:sup>
+                        <m:r>
+                          <a:rPr lang="fr-FR" b="0" i="1" smtClean="0">
+                            <a:solidFill>
+                              <a:srgbClr val="FF0000"/>
+                            </a:solidFill>
+                            <a:latin typeface="Cambria Math" panose="02040503050406030204" pitchFamily="18" charset="0"/>
+                          </a:rPr>
+                          <m:t>′</m:t>
+                        </m:r>
+                      </m:sup>
+                    </m:sSup>
+                    <m:d>
+                      <m:dPr>
+                        <m:ctrlPr>
+                          <a:rPr lang="fr-FR" b="0" i="1" smtClean="0">
+                            <a:solidFill>
+                              <a:srgbClr val="FF0000"/>
+                            </a:solidFill>
+                            <a:latin typeface="Cambria Math" panose="02040503050406030204" pitchFamily="18" charset="0"/>
+                          </a:rPr>
+                        </m:ctrlPr>
+                      </m:dPr>
+                      <m:e>
+                        <m:r>
+                          <a:rPr lang="fr-FR" b="0" i="1" smtClean="0">
+                            <a:solidFill>
+                              <a:srgbClr val="FF0000"/>
+                            </a:solidFill>
+                            <a:latin typeface="Cambria Math" panose="02040503050406030204" pitchFamily="18" charset="0"/>
+                          </a:rPr>
+                          <m:t>𝑥</m:t>
+                        </m:r>
+                      </m:e>
+                    </m:d>
+                    <m:r>
+                      <a:rPr lang="fr-FR" b="0" i="1" smtClean="0">
+                        <a:solidFill>
+                          <a:srgbClr val="FF0000"/>
+                        </a:solidFill>
+                        <a:latin typeface="Cambria Math" panose="02040503050406030204" pitchFamily="18" charset="0"/>
+                      </a:rPr>
+                      <m:t>=</m:t>
+                    </m:r>
+                    <m:func>
+                      <m:funcPr>
+                        <m:ctrlPr>
+                          <a:rPr lang="fr-FR" i="1" smtClean="0">
+                            <a:solidFill>
+                              <a:srgbClr val="FF0000"/>
+                            </a:solidFill>
+                            <a:latin typeface="Cambria Math" panose="02040503050406030204" pitchFamily="18" charset="0"/>
+                          </a:rPr>
+                        </m:ctrlPr>
+                      </m:funcPr>
+                      <m:fName>
+                        <m:limLow>
+                          <m:limLowPr>
+                            <m:ctrlPr>
+                              <a:rPr lang="fr-FR" i="1">
+                                <a:solidFill>
+                                  <a:srgbClr val="FF0000"/>
+                                </a:solidFill>
+                                <a:latin typeface="Cambria Math" panose="02040503050406030204" pitchFamily="18" charset="0"/>
+                              </a:rPr>
+                            </m:ctrlPr>
+                          </m:limLowPr>
+                          <m:e>
+                            <m:r>
+                              <m:rPr>
+                                <m:sty m:val="p"/>
+                              </m:rPr>
+                              <a:rPr lang="fr-FR">
+                                <a:solidFill>
+                                  <a:srgbClr val="FF0000"/>
+                                </a:solidFill>
+                                <a:latin typeface="Cambria Math" panose="02040503050406030204" pitchFamily="18" charset="0"/>
+                              </a:rPr>
+                              <m:t>lim</m:t>
+                            </m:r>
+                          </m:e>
+                          <m:lim>
+                            <m:r>
+                              <a:rPr lang="fr-FR" i="1">
+                                <a:solidFill>
+                                  <a:srgbClr val="FF0000"/>
+                                </a:solidFill>
+                                <a:latin typeface="Cambria Math" panose="02040503050406030204" pitchFamily="18" charset="0"/>
+                              </a:rPr>
+                              <m:t>h</m:t>
+                            </m:r>
+                            <m:r>
+                              <a:rPr lang="fr-FR" i="1">
+                                <a:solidFill>
+                                  <a:srgbClr val="FF0000"/>
+                                </a:solidFill>
+                                <a:latin typeface="Cambria Math" panose="02040503050406030204" pitchFamily="18" charset="0"/>
+                                <a:ea typeface="Cambria Math" panose="02040503050406030204" pitchFamily="18" charset="0"/>
+                              </a:rPr>
+                              <m:t>→0</m:t>
+                            </m:r>
+                          </m:lim>
+                        </m:limLow>
+                      </m:fName>
+                      <m:e>
+                        <m:d>
+                          <m:dPr>
+                            <m:ctrlPr>
+                              <a:rPr lang="fr-FR" i="1">
+                                <a:solidFill>
+                                  <a:srgbClr val="FF0000"/>
+                                </a:solidFill>
+                                <a:latin typeface="Cambria Math" panose="02040503050406030204" pitchFamily="18" charset="0"/>
+                                <a:ea typeface="Cambria Math" panose="02040503050406030204" pitchFamily="18" charset="0"/>
+                              </a:rPr>
+                            </m:ctrlPr>
+                          </m:dPr>
+                          <m:e>
+                            <m:f>
+                              <m:fPr>
+                                <m:ctrlPr>
+                                  <a:rPr lang="fr-FR" i="1">
+                                    <a:solidFill>
+                                      <a:srgbClr val="FF0000"/>
+                                    </a:solidFill>
+                                    <a:latin typeface="Cambria Math" panose="02040503050406030204" pitchFamily="18" charset="0"/>
+                                  </a:rPr>
+                                </m:ctrlPr>
+                              </m:fPr>
+                              <m:num>
+                                <m:sSup>
+                                  <m:sSupPr>
+                                    <m:ctrlPr>
+                                      <a:rPr lang="fr-FR" i="1">
+                                        <a:solidFill>
+                                          <a:srgbClr val="FF0000"/>
+                                        </a:solidFill>
+                                        <a:latin typeface="Cambria Math" panose="02040503050406030204" pitchFamily="18" charset="0"/>
+                                      </a:rPr>
+                                    </m:ctrlPr>
+                                  </m:sSupPr>
+                                  <m:e>
+                                    <m:r>
+                                      <a:rPr lang="fr-FR" b="0" i="1" smtClean="0">
+                                        <a:solidFill>
+                                          <a:srgbClr val="FF0000"/>
+                                        </a:solidFill>
+                                        <a:latin typeface="Cambria Math" panose="02040503050406030204" pitchFamily="18" charset="0"/>
+                                      </a:rPr>
+                                      <m:t>𝑥</m:t>
+                                    </m:r>
+                                  </m:e>
+                                  <m:sup>
+                                    <m:r>
+                                      <a:rPr lang="fr-FR" i="1">
+                                        <a:solidFill>
+                                          <a:srgbClr val="FF0000"/>
+                                        </a:solidFill>
+                                        <a:latin typeface="Cambria Math" panose="02040503050406030204" pitchFamily="18" charset="0"/>
+                                      </a:rPr>
+                                      <m:t>𝑛</m:t>
+                                    </m:r>
+                                  </m:sup>
+                                </m:sSup>
+                                <m:r>
+                                  <a:rPr lang="fr-FR" b="0" i="1" smtClean="0">
+                                    <a:solidFill>
+                                      <a:srgbClr val="FF0000"/>
+                                    </a:solidFill>
+                                    <a:latin typeface="Cambria Math" panose="02040503050406030204" pitchFamily="18" charset="0"/>
+                                  </a:rPr>
+                                  <m:t>+</m:t>
+                                </m:r>
+                                <m:r>
+                                  <a:rPr lang="fr-FR" b="0" i="1" smtClean="0">
+                                    <a:solidFill>
+                                      <a:srgbClr val="FF0000"/>
+                                    </a:solidFill>
+                                    <a:latin typeface="Cambria Math" panose="02040503050406030204" pitchFamily="18" charset="0"/>
+                                  </a:rPr>
+                                  <m:t>𝑛</m:t>
+                                </m:r>
+                                <m:sSup>
+                                  <m:sSupPr>
+                                    <m:ctrlPr>
+                                      <a:rPr lang="fr-FR" b="0" i="1" smtClean="0">
+                                        <a:solidFill>
+                                          <a:srgbClr val="FF0000"/>
+                                        </a:solidFill>
+                                        <a:latin typeface="Cambria Math" panose="02040503050406030204" pitchFamily="18" charset="0"/>
+                                      </a:rPr>
+                                    </m:ctrlPr>
+                                  </m:sSupPr>
+                                  <m:e>
+                                    <m:r>
+                                      <a:rPr lang="fr-FR" b="0" i="1" smtClean="0">
+                                        <a:solidFill>
+                                          <a:srgbClr val="FF0000"/>
+                                        </a:solidFill>
+                                        <a:latin typeface="Cambria Math" panose="02040503050406030204" pitchFamily="18" charset="0"/>
+                                      </a:rPr>
+                                      <m:t>𝑥</m:t>
+                                    </m:r>
+                                  </m:e>
+                                  <m:sup>
+                                    <m:r>
+                                      <a:rPr lang="fr-FR" b="0" i="1" smtClean="0">
+                                        <a:solidFill>
+                                          <a:srgbClr val="FF0000"/>
+                                        </a:solidFill>
+                                        <a:latin typeface="Cambria Math" panose="02040503050406030204" pitchFamily="18" charset="0"/>
+                                      </a:rPr>
+                                      <m:t>𝑛</m:t>
+                                    </m:r>
+                                    <m:r>
+                                      <a:rPr lang="fr-FR" b="0" i="1" smtClean="0">
+                                        <a:solidFill>
+                                          <a:srgbClr val="FF0000"/>
+                                        </a:solidFill>
+                                        <a:latin typeface="Cambria Math" panose="02040503050406030204" pitchFamily="18" charset="0"/>
+                                      </a:rPr>
+                                      <m:t>−1</m:t>
+                                    </m:r>
+                                  </m:sup>
+                                </m:sSup>
+                                <m:r>
+                                  <a:rPr lang="fr-FR" b="0" i="1" smtClean="0">
+                                    <a:solidFill>
+                                      <a:srgbClr val="FF0000"/>
+                                    </a:solidFill>
+                                    <a:latin typeface="Cambria Math" panose="02040503050406030204" pitchFamily="18" charset="0"/>
+                                  </a:rPr>
+                                  <m:t>h</m:t>
+                                </m:r>
+                                <m:r>
+                                  <a:rPr lang="fr-FR" b="0" i="1" smtClean="0">
+                                    <a:solidFill>
+                                      <a:srgbClr val="FF0000"/>
+                                    </a:solidFill>
+                                    <a:latin typeface="Cambria Math" panose="02040503050406030204" pitchFamily="18" charset="0"/>
+                                  </a:rPr>
+                                  <m:t>+</m:t>
+                                </m:r>
+                                <m:sSub>
+                                  <m:sSubPr>
+                                    <m:ctrlPr>
+                                      <a:rPr lang="fr-FR" b="0" i="1" smtClean="0">
+                                        <a:solidFill>
+                                          <a:srgbClr val="FF0000"/>
+                                        </a:solidFill>
+                                        <a:latin typeface="Cambria Math" panose="02040503050406030204" pitchFamily="18" charset="0"/>
+                                      </a:rPr>
+                                    </m:ctrlPr>
+                                  </m:sSubPr>
+                                  <m:e>
+                                    <m:r>
+                                      <a:rPr lang="fr-FR" b="0" i="1" smtClean="0">
+                                        <a:solidFill>
+                                          <a:srgbClr val="FF0000"/>
+                                        </a:solidFill>
+                                        <a:latin typeface="Cambria Math" panose="02040503050406030204" pitchFamily="18" charset="0"/>
+                                      </a:rPr>
+                                      <m:t>𝑎</m:t>
+                                    </m:r>
+                                  </m:e>
+                                  <m:sub>
+                                    <m:r>
+                                      <a:rPr lang="fr-FR" b="0" i="1" smtClean="0">
+                                        <a:solidFill>
+                                          <a:srgbClr val="FF0000"/>
+                                        </a:solidFill>
+                                        <a:latin typeface="Cambria Math" panose="02040503050406030204" pitchFamily="18" charset="0"/>
+                                      </a:rPr>
+                                      <m:t>1</m:t>
+                                    </m:r>
+                                  </m:sub>
+                                </m:sSub>
+                                <m:sSup>
+                                  <m:sSupPr>
+                                    <m:ctrlPr>
+                                      <a:rPr lang="fr-FR" b="0" i="1" smtClean="0">
+                                        <a:solidFill>
+                                          <a:srgbClr val="FF0000"/>
+                                        </a:solidFill>
+                                        <a:latin typeface="Cambria Math" panose="02040503050406030204" pitchFamily="18" charset="0"/>
+                                      </a:rPr>
+                                    </m:ctrlPr>
+                                  </m:sSupPr>
+                                  <m:e>
+                                    <m:r>
+                                      <a:rPr lang="fr-FR" b="0" i="1" smtClean="0">
+                                        <a:solidFill>
+                                          <a:srgbClr val="FF0000"/>
+                                        </a:solidFill>
+                                        <a:latin typeface="Cambria Math" panose="02040503050406030204" pitchFamily="18" charset="0"/>
+                                      </a:rPr>
+                                      <m:t>𝑥</m:t>
+                                    </m:r>
+                                  </m:e>
+                                  <m:sup>
+                                    <m:r>
+                                      <a:rPr lang="fr-FR" b="0" i="1" smtClean="0">
+                                        <a:solidFill>
+                                          <a:srgbClr val="FF0000"/>
+                                        </a:solidFill>
+                                        <a:latin typeface="Cambria Math" panose="02040503050406030204" pitchFamily="18" charset="0"/>
+                                      </a:rPr>
+                                      <m:t>𝑛</m:t>
+                                    </m:r>
+                                    <m:r>
+                                      <a:rPr lang="fr-FR" b="0" i="1" smtClean="0">
+                                        <a:solidFill>
+                                          <a:srgbClr val="FF0000"/>
+                                        </a:solidFill>
+                                        <a:latin typeface="Cambria Math" panose="02040503050406030204" pitchFamily="18" charset="0"/>
+                                      </a:rPr>
+                                      <m:t>−2</m:t>
+                                    </m:r>
+                                  </m:sup>
+                                </m:sSup>
+                                <m:sSup>
+                                  <m:sSupPr>
+                                    <m:ctrlPr>
+                                      <a:rPr lang="fr-FR" b="0" i="1" smtClean="0">
+                                        <a:solidFill>
+                                          <a:srgbClr val="FF0000"/>
+                                        </a:solidFill>
+                                        <a:latin typeface="Cambria Math" panose="02040503050406030204" pitchFamily="18" charset="0"/>
+                                      </a:rPr>
+                                    </m:ctrlPr>
+                                  </m:sSupPr>
+                                  <m:e>
+                                    <m:r>
+                                      <a:rPr lang="fr-FR" b="0" i="1" smtClean="0">
+                                        <a:solidFill>
+                                          <a:srgbClr val="FF0000"/>
+                                        </a:solidFill>
+                                        <a:latin typeface="Cambria Math" panose="02040503050406030204" pitchFamily="18" charset="0"/>
+                                      </a:rPr>
+                                      <m:t>h</m:t>
+                                    </m:r>
+                                  </m:e>
+                                  <m:sup>
+                                    <m:r>
+                                      <a:rPr lang="fr-FR" b="0" i="1" smtClean="0">
+                                        <a:solidFill>
+                                          <a:srgbClr val="FF0000"/>
+                                        </a:solidFill>
+                                        <a:latin typeface="Cambria Math" panose="02040503050406030204" pitchFamily="18" charset="0"/>
+                                      </a:rPr>
+                                      <m:t>2</m:t>
+                                    </m:r>
+                                  </m:sup>
+                                </m:sSup>
+                                <m:r>
+                                  <a:rPr lang="fr-FR" b="0" i="1" smtClean="0">
+                                    <a:solidFill>
+                                      <a:srgbClr val="FF0000"/>
+                                    </a:solidFill>
+                                    <a:latin typeface="Cambria Math" panose="02040503050406030204" pitchFamily="18" charset="0"/>
+                                  </a:rPr>
+                                  <m:t>+…+</m:t>
+                                </m:r>
+                                <m:sSub>
+                                  <m:sSubPr>
+                                    <m:ctrlPr>
+                                      <a:rPr lang="fr-FR" b="0" i="1" smtClean="0">
+                                        <a:solidFill>
+                                          <a:srgbClr val="FF0000"/>
+                                        </a:solidFill>
+                                        <a:latin typeface="Cambria Math" panose="02040503050406030204" pitchFamily="18" charset="0"/>
+                                      </a:rPr>
+                                    </m:ctrlPr>
+                                  </m:sSubPr>
+                                  <m:e>
+                                    <m:r>
+                                      <a:rPr lang="fr-FR" b="0" i="1" smtClean="0">
+                                        <a:solidFill>
+                                          <a:srgbClr val="FF0000"/>
+                                        </a:solidFill>
+                                        <a:latin typeface="Cambria Math" panose="02040503050406030204" pitchFamily="18" charset="0"/>
+                                      </a:rPr>
+                                      <m:t>𝑎</m:t>
+                                    </m:r>
+                                  </m:e>
+                                  <m:sub>
+                                    <m:r>
+                                      <a:rPr lang="fr-FR" b="0" i="1" smtClean="0">
+                                        <a:solidFill>
+                                          <a:srgbClr val="FF0000"/>
+                                        </a:solidFill>
+                                        <a:latin typeface="Cambria Math" panose="02040503050406030204" pitchFamily="18" charset="0"/>
+                                      </a:rPr>
+                                      <m:t>𝑛</m:t>
+                                    </m:r>
+                                    <m:r>
+                                      <a:rPr lang="fr-FR" b="0" i="1" smtClean="0">
+                                        <a:solidFill>
+                                          <a:srgbClr val="FF0000"/>
+                                        </a:solidFill>
+                                        <a:latin typeface="Cambria Math" panose="02040503050406030204" pitchFamily="18" charset="0"/>
+                                      </a:rPr>
+                                      <m:t>−2</m:t>
+                                    </m:r>
+                                  </m:sub>
+                                </m:sSub>
+                                <m:r>
+                                  <a:rPr lang="fr-FR" b="0" i="1" smtClean="0">
+                                    <a:solidFill>
+                                      <a:srgbClr val="FF0000"/>
+                                    </a:solidFill>
+                                    <a:latin typeface="Cambria Math" panose="02040503050406030204" pitchFamily="18" charset="0"/>
+                                  </a:rPr>
+                                  <m:t>𝑥</m:t>
+                                </m:r>
+                                <m:sSup>
+                                  <m:sSupPr>
+                                    <m:ctrlPr>
+                                      <a:rPr lang="fr-FR" b="0" i="1" smtClean="0">
+                                        <a:solidFill>
+                                          <a:srgbClr val="FF0000"/>
+                                        </a:solidFill>
+                                        <a:latin typeface="Cambria Math" panose="02040503050406030204" pitchFamily="18" charset="0"/>
+                                      </a:rPr>
+                                    </m:ctrlPr>
+                                  </m:sSupPr>
+                                  <m:e>
+                                    <m:r>
+                                      <a:rPr lang="fr-FR" b="0" i="1" smtClean="0">
+                                        <a:solidFill>
+                                          <a:srgbClr val="FF0000"/>
+                                        </a:solidFill>
+                                        <a:latin typeface="Cambria Math" panose="02040503050406030204" pitchFamily="18" charset="0"/>
+                                      </a:rPr>
+                                      <m:t>h</m:t>
+                                    </m:r>
+                                  </m:e>
+                                  <m:sup>
+                                    <m:r>
+                                      <a:rPr lang="fr-FR" b="0" i="1" smtClean="0">
+                                        <a:solidFill>
+                                          <a:srgbClr val="FF0000"/>
+                                        </a:solidFill>
+                                        <a:latin typeface="Cambria Math" panose="02040503050406030204" pitchFamily="18" charset="0"/>
+                                      </a:rPr>
+                                      <m:t>𝑛</m:t>
+                                    </m:r>
+                                    <m:r>
+                                      <a:rPr lang="fr-FR" b="0" i="1" smtClean="0">
+                                        <a:solidFill>
+                                          <a:srgbClr val="FF0000"/>
+                                        </a:solidFill>
+                                        <a:latin typeface="Cambria Math" panose="02040503050406030204" pitchFamily="18" charset="0"/>
+                                      </a:rPr>
+                                      <m:t>−1</m:t>
+                                    </m:r>
+                                  </m:sup>
+                                </m:sSup>
+                                <m:r>
+                                  <a:rPr lang="fr-FR" b="0" i="1" smtClean="0">
+                                    <a:solidFill>
+                                      <a:srgbClr val="FF0000"/>
+                                    </a:solidFill>
+                                    <a:latin typeface="Cambria Math" panose="02040503050406030204" pitchFamily="18" charset="0"/>
+                                  </a:rPr>
+                                  <m:t>+</m:t>
+                                </m:r>
+                                <m:sSup>
+                                  <m:sSupPr>
+                                    <m:ctrlPr>
+                                      <a:rPr lang="fr-FR" b="0" i="1" smtClean="0">
+                                        <a:solidFill>
+                                          <a:srgbClr val="FF0000"/>
+                                        </a:solidFill>
+                                        <a:latin typeface="Cambria Math" panose="02040503050406030204" pitchFamily="18" charset="0"/>
+                                      </a:rPr>
+                                    </m:ctrlPr>
+                                  </m:sSupPr>
+                                  <m:e>
+                                    <m:r>
+                                      <a:rPr lang="fr-FR" b="0" i="1" smtClean="0">
+                                        <a:solidFill>
+                                          <a:srgbClr val="FF0000"/>
+                                        </a:solidFill>
+                                        <a:latin typeface="Cambria Math" panose="02040503050406030204" pitchFamily="18" charset="0"/>
+                                      </a:rPr>
+                                      <m:t>h</m:t>
+                                    </m:r>
+                                  </m:e>
+                                  <m:sup>
+                                    <m:r>
+                                      <a:rPr lang="fr-FR" b="0" i="1" smtClean="0">
+                                        <a:solidFill>
+                                          <a:srgbClr val="FF0000"/>
+                                        </a:solidFill>
+                                        <a:latin typeface="Cambria Math" panose="02040503050406030204" pitchFamily="18" charset="0"/>
+                                      </a:rPr>
+                                      <m:t>𝑛</m:t>
+                                    </m:r>
+                                  </m:sup>
+                                </m:sSup>
+                                <m:r>
+                                  <a:rPr lang="fr-FR" i="1">
+                                    <a:solidFill>
+                                      <a:srgbClr val="FF0000"/>
+                                    </a:solidFill>
+                                    <a:latin typeface="Cambria Math" panose="02040503050406030204" pitchFamily="18" charset="0"/>
+                                  </a:rPr>
+                                  <m:t>−</m:t>
+                                </m:r>
+                                <m:sSup>
+                                  <m:sSupPr>
+                                    <m:ctrlPr>
+                                      <a:rPr lang="fr-FR" i="1">
+                                        <a:solidFill>
+                                          <a:srgbClr val="FF0000"/>
+                                        </a:solidFill>
+                                        <a:latin typeface="Cambria Math" panose="02040503050406030204" pitchFamily="18" charset="0"/>
+                                      </a:rPr>
+                                    </m:ctrlPr>
+                                  </m:sSupPr>
+                                  <m:e>
+                                    <m:r>
+                                      <a:rPr lang="fr-FR" i="1">
+                                        <a:solidFill>
+                                          <a:srgbClr val="FF0000"/>
+                                        </a:solidFill>
+                                        <a:latin typeface="Cambria Math" panose="02040503050406030204" pitchFamily="18" charset="0"/>
+                                      </a:rPr>
+                                      <m:t>𝑥</m:t>
+                                    </m:r>
+                                  </m:e>
+                                  <m:sup>
+                                    <m:r>
+                                      <a:rPr lang="fr-FR" i="1">
+                                        <a:solidFill>
+                                          <a:srgbClr val="FF0000"/>
+                                        </a:solidFill>
+                                        <a:latin typeface="Cambria Math" panose="02040503050406030204" pitchFamily="18" charset="0"/>
+                                      </a:rPr>
+                                      <m:t>𝑛</m:t>
+                                    </m:r>
+                                  </m:sup>
+                                </m:sSup>
+                              </m:num>
+                              <m:den>
+                                <m:r>
+                                  <a:rPr lang="fr-FR" i="1">
+                                    <a:solidFill>
+                                      <a:srgbClr val="FF0000"/>
+                                    </a:solidFill>
+                                    <a:latin typeface="Cambria Math" panose="02040503050406030204" pitchFamily="18" charset="0"/>
+                                  </a:rPr>
+                                  <m:t>h</m:t>
+                                </m:r>
+                              </m:den>
+                            </m:f>
+                          </m:e>
+                        </m:d>
+                      </m:e>
+                    </m:func>
+                    <m:r>
+                      <a:rPr lang="fr-FR" b="0" i="1" smtClean="0">
+                        <a:solidFill>
+                          <a:srgbClr val="FF0000"/>
+                        </a:solidFill>
+                        <a:latin typeface="Cambria Math" panose="02040503050406030204" pitchFamily="18" charset="0"/>
+                      </a:rPr>
+                      <m:t>=</m:t>
+                    </m:r>
+                    <m:r>
+                      <a:rPr lang="fr-FR" b="0" i="1" smtClean="0">
+                        <a:solidFill>
+                          <a:srgbClr val="FF0000"/>
+                        </a:solidFill>
+                        <a:latin typeface="Cambria Math" panose="02040503050406030204" pitchFamily="18" charset="0"/>
+                      </a:rPr>
+                      <m:t>𝑛</m:t>
+                    </m:r>
+                    <m:sSup>
+                      <m:sSupPr>
+                        <m:ctrlPr>
+                          <a:rPr lang="fr-FR" b="0" i="1" smtClean="0">
+                            <a:solidFill>
+                              <a:srgbClr val="FF0000"/>
+                            </a:solidFill>
+                            <a:latin typeface="Cambria Math" panose="02040503050406030204" pitchFamily="18" charset="0"/>
+                          </a:rPr>
+                        </m:ctrlPr>
+                      </m:sSupPr>
+                      <m:e>
+                        <m:r>
+                          <a:rPr lang="fr-FR" b="0" i="1" smtClean="0">
+                            <a:solidFill>
+                              <a:srgbClr val="FF0000"/>
+                            </a:solidFill>
+                            <a:latin typeface="Cambria Math" panose="02040503050406030204" pitchFamily="18" charset="0"/>
+                          </a:rPr>
+                          <m:t>𝑥</m:t>
+                        </m:r>
+                      </m:e>
+                      <m:sup>
+                        <m:r>
+                          <a:rPr lang="fr-FR" b="0" i="1" smtClean="0">
+                            <a:solidFill>
+                              <a:srgbClr val="FF0000"/>
+                            </a:solidFill>
+                            <a:latin typeface="Cambria Math" panose="02040503050406030204" pitchFamily="18" charset="0"/>
+                          </a:rPr>
+                          <m:t>𝑛</m:t>
+                        </m:r>
+                        <m:r>
+                          <a:rPr lang="fr-FR" b="0" i="1" smtClean="0">
+                            <a:solidFill>
+                              <a:srgbClr val="FF0000"/>
+                            </a:solidFill>
+                            <a:latin typeface="Cambria Math" panose="02040503050406030204" pitchFamily="18" charset="0"/>
+                          </a:rPr>
+                          <m:t>−1</m:t>
+                        </m:r>
+                      </m:sup>
+                    </m:sSup>
+                  </m:oMath>
+                </a14:m>
+                <a:endParaRPr lang="fr-FR" dirty="0">
+                  <a:solidFill>
+                    <a:srgbClr val="FF0000"/>
+                  </a:solidFill>
+                </a:endParaRPr>
+              </a:p>
+            </p:txBody>
+          </p:sp>
+        </mc:Choice>
+        <mc:Fallback>
+          <p:sp>
+            <p:nvSpPr>
+              <p:cNvPr id="5" name="Content Placeholder 4">
+                <a:extLst>
+                  <a:ext uri="{FF2B5EF4-FFF2-40B4-BE49-F238E27FC236}">
+                    <a16:creationId xmlns:a16="http://schemas.microsoft.com/office/drawing/2014/main" id="{85B949DE-4768-7144-9464-E25DC45F3FAF}"/>
+                  </a:ext>
+                </a:extLst>
+              </p:cNvPr>
+              <p:cNvSpPr>
+                <a:spLocks noGrp="1" noRot="1" noChangeAspect="1" noMove="1" noResize="1" noEditPoints="1" noAdjustHandles="1" noChangeArrowheads="1" noChangeShapeType="1" noTextEdit="1"/>
+              </p:cNvSpPr>
+              <p:nvPr>
+                <p:ph idx="1"/>
+              </p:nvPr>
+            </p:nvSpPr>
+            <p:spPr>
+              <a:xfrm>
+                <a:off x="623392" y="1556792"/>
+                <a:ext cx="11263808" cy="5301207"/>
+              </a:xfrm>
+              <a:blipFill>
+                <a:blip r:embed="rId2"/>
+                <a:stretch>
+                  <a:fillRect l="-974" t="-1954"/>
+                </a:stretch>
+              </a:blipFill>
+            </p:spPr>
+            <p:txBody>
+              <a:bodyPr/>
+              <a:lstStyle/>
+              <a:p>
+                <a:r>
+                  <a:rPr lang="fr-FR">
+                    <a:noFill/>
+                  </a:rPr>
+                  <a:t> </a:t>
+                </a:r>
+              </a:p>
+            </p:txBody>
+          </p:sp>
+        </mc:Fallback>
+      </mc:AlternateContent>
+      <p:pic>
+        <p:nvPicPr>
+          <p:cNvPr id="4" name="Image 3"/>
+          <p:cNvPicPr>
+            <a:picLocks noChangeAspect="1"/>
+          </p:cNvPicPr>
+          <p:nvPr/>
+        </p:nvPicPr>
+        <p:blipFill>
+          <a:blip r:embed="rId3" cstate="print">
+            <a:extLst>
+              <a:ext uri="{28A0092B-C50C-407E-A947-70E740481C1C}">
+                <a14:useLocalDpi xmlns:a14="http://schemas.microsoft.com/office/drawing/2010/main" val="0"/>
+              </a:ext>
+            </a:extLst>
+          </a:blip>
+          <a:stretch>
+            <a:fillRect/>
+          </a:stretch>
+        </p:blipFill>
+        <p:spPr>
+          <a:xfrm rot="16200000">
+            <a:off x="5983654" y="2173654"/>
+            <a:ext cx="224692" cy="9144000"/>
+          </a:xfrm>
+          <a:prstGeom prst="rect">
+            <a:avLst/>
+          </a:prstGeom>
+        </p:spPr>
+      </p:pic>
+      <p:sp>
+        <p:nvSpPr>
+          <p:cNvPr id="3" name="Title 2">
+            <a:extLst>
+              <a:ext uri="{FF2B5EF4-FFF2-40B4-BE49-F238E27FC236}">
+                <a16:creationId xmlns:a16="http://schemas.microsoft.com/office/drawing/2014/main" id="{A1A923CD-45DF-9448-B44B-C121FABDD12D}"/>
+              </a:ext>
+            </a:extLst>
+          </p:cNvPr>
+          <p:cNvSpPr>
+            <a:spLocks noGrp="1"/>
+          </p:cNvSpPr>
+          <p:nvPr>
+            <p:ph type="title"/>
+          </p:nvPr>
+        </p:nvSpPr>
+        <p:spPr/>
+        <p:txBody>
+          <a:bodyPr/>
+          <a:lstStyle/>
+          <a:p>
+            <a:r>
+              <a:rPr lang="fr-FR" dirty="0" smtClean="0">
+                <a:solidFill>
+                  <a:srgbClr val="313E48"/>
+                </a:solidFill>
+              </a:rPr>
+              <a:t>Applications – Dérivée usuelle 3</a:t>
+            </a:r>
+            <a:endParaRPr lang="fr-FR" dirty="0">
+              <a:solidFill>
+                <a:srgbClr val="313E48"/>
+              </a:solidFill>
+            </a:endParaRPr>
+          </a:p>
+        </p:txBody>
+      </p:sp>
+    </p:spTree>
+    <p:extLst>
+      <p:ext uri="{BB962C8B-B14F-4D97-AF65-F5344CB8AC3E}">
+        <p14:creationId xmlns:p14="http://schemas.microsoft.com/office/powerpoint/2010/main" val="3408062287"/>
+      </p:ext>
+    </p:extLst>
+  </p:cSld>
+  <p:clrMapOvr>
+    <a:masterClrMapping/>
+  </p:clrMapOvr>
+  <p:timing>
+    <p:tnLst>
+      <p:par>
+        <p:cTn id="1" dur="indefinite" restart="never" nodeType="tmRoot">
+          <p:childTnLst>
+            <p:seq concurrent="1" nextAc="seek">
+              <p:cTn id="2" dur="indefinite" nodeType="mainSeq">
+                <p:childTnLst>
+                  <p:par>
+                    <p:cTn id="3" fill="hold">
+                      <p:stCondLst>
+                        <p:cond delay="indefinite"/>
+                      </p:stCondLst>
+                      <p:childTnLst>
+                        <p:par>
+                          <p:cTn id="4" fill="hold">
+                            <p:stCondLst>
+                              <p:cond delay="0"/>
+                            </p:stCondLst>
+                            <p:childTnLst>
+                              <p:par>
+                                <p:cTn id="5" presetID="1" presetClass="entr" presetSubtype="0" fill="hold" nodeType="clickEffect">
+                                  <p:stCondLst>
+                                    <p:cond delay="0"/>
+                                  </p:stCondLst>
+                                  <p:childTnLst>
+                                    <p:set>
+                                      <p:cBhvr>
+                                        <p:cTn id="6" dur="1" fill="hold">
+                                          <p:stCondLst>
+                                            <p:cond delay="0"/>
+                                          </p:stCondLst>
+                                        </p:cTn>
+                                        <p:tgtEl>
+                                          <p:spTgt spid="5">
+                                            <p:txEl>
+                                              <p:pRg st="4" end="4"/>
+                                            </p:txEl>
+                                          </p:spTgt>
+                                        </p:tgtEl>
+                                        <p:attrNameLst>
+                                          <p:attrName>style.visibility</p:attrName>
+                                        </p:attrNameLst>
+                                      </p:cBhvr>
+                                      <p:to>
+                                        <p:strVal val="visible"/>
+                                      </p:to>
+                                    </p:set>
+                                  </p:childTnLst>
+                                </p:cTn>
+                              </p:par>
+                              <p:par>
+                                <p:cTn id="7" presetID="1" presetClass="entr" presetSubtype="0" fill="hold" nodeType="withEffect">
+                                  <p:stCondLst>
+                                    <p:cond delay="0"/>
+                                  </p:stCondLst>
+                                  <p:childTnLst>
+                                    <p:set>
+                                      <p:cBhvr>
+                                        <p:cTn id="8" dur="1" fill="hold">
+                                          <p:stCondLst>
+                                            <p:cond delay="0"/>
+                                          </p:stCondLst>
+                                        </p:cTn>
+                                        <p:tgtEl>
+                                          <p:spTgt spid="5">
+                                            <p:txEl>
+                                              <p:pRg st="5" end="5"/>
+                                            </p:txEl>
+                                          </p:spTgt>
+                                        </p:tgtEl>
+                                        <p:attrNameLst>
+                                          <p:attrName>style.visibility</p:attrName>
+                                        </p:attrNameLst>
+                                      </p:cBhvr>
+                                      <p:to>
+                                        <p:strVal val="visible"/>
+                                      </p:to>
+                                    </p:set>
+                                  </p:childTnLst>
+                                </p:cTn>
+                              </p:par>
+                            </p:childTnLst>
+                          </p:cTn>
+                        </p:par>
+                      </p:childTnLst>
+                    </p:cTn>
+                  </p:par>
+                  <p:par>
+                    <p:cTn id="9" fill="hold">
+                      <p:stCondLst>
+                        <p:cond delay="indefinite"/>
+                      </p:stCondLst>
+                      <p:childTnLst>
+                        <p:par>
+                          <p:cTn id="10" fill="hold">
+                            <p:stCondLst>
+                              <p:cond delay="0"/>
+                            </p:stCondLst>
+                            <p:childTnLst>
+                              <p:par>
+                                <p:cTn id="11" presetID="1" presetClass="entr" presetSubtype="0" fill="hold" nodeType="clickEffect">
+                                  <p:stCondLst>
+                                    <p:cond delay="0"/>
+                                  </p:stCondLst>
+                                  <p:childTnLst>
+                                    <p:set>
+                                      <p:cBhvr>
+                                        <p:cTn id="12" dur="1" fill="hold">
+                                          <p:stCondLst>
+                                            <p:cond delay="0"/>
+                                          </p:stCondLst>
+                                        </p:cTn>
+                                        <p:tgtEl>
+                                          <p:spTgt spid="5">
+                                            <p:txEl>
+                                              <p:pRg st="6" end="6"/>
+                                            </p:txEl>
+                                          </p:spTgt>
+                                        </p:tgtEl>
+                                        <p:attrNameLst>
+                                          <p:attrName>style.visibility</p:attrName>
+                                        </p:attrNameLst>
+                                      </p:cBhvr>
+                                      <p:to>
+                                        <p:strVal val="visible"/>
+                                      </p:to>
+                                    </p:set>
+                                  </p:childTnLst>
+                                </p:cTn>
+                              </p:par>
+                            </p:childTnLst>
+                          </p:cTn>
+                        </p:par>
+                      </p:childTnLst>
+                    </p:cTn>
+                  </p:par>
+                  <p:par>
+                    <p:cTn id="13" fill="hold">
+                      <p:stCondLst>
+                        <p:cond delay="indefinite"/>
+                      </p:stCondLst>
+                      <p:childTnLst>
+                        <p:par>
+                          <p:cTn id="14" fill="hold">
+                            <p:stCondLst>
+                              <p:cond delay="0"/>
+                            </p:stCondLst>
+                            <p:childTnLst>
+                              <p:par>
+                                <p:cTn id="15" presetID="1" presetClass="entr" presetSubtype="0" fill="hold" nodeType="clickEffect">
+                                  <p:stCondLst>
+                                    <p:cond delay="0"/>
+                                  </p:stCondLst>
+                                  <p:childTnLst>
+                                    <p:set>
+                                      <p:cBhvr>
+                                        <p:cTn id="16" dur="1" fill="hold">
+                                          <p:stCondLst>
+                                            <p:cond delay="0"/>
+                                          </p:stCondLst>
+                                        </p:cTn>
+                                        <p:tgtEl>
+                                          <p:spTgt spid="5">
+                                            <p:txEl>
+                                              <p:pRg st="8" end="8"/>
+                                            </p:txEl>
+                                          </p:spTgt>
+                                        </p:tgtEl>
+                                        <p:attrNameLst>
+                                          <p:attrName>style.visibility</p:attrName>
+                                        </p:attrNameLst>
+                                      </p:cBhvr>
+                                      <p:to>
+                                        <p:strVal val="visible"/>
+                                      </p:to>
+                                    </p:set>
+                                  </p:childTnLst>
+                                </p:cTn>
+                              </p:par>
+                            </p:childTnLst>
+                          </p:cTn>
+                        </p:par>
+                      </p:childTnLst>
+                    </p:cTn>
+                  </p:par>
+                </p:childTnLst>
+              </p:cTn>
+              <p:prevCondLst>
+                <p:cond evt="onPrev" delay="0">
+                  <p:tgtEl>
+                    <p:sldTgt/>
+                  </p:tgtEl>
+                </p:cond>
+              </p:prevCondLst>
+              <p:nextCondLst>
+                <p:cond evt="onNext" delay="0">
+                  <p:tgtEl>
+                    <p:sldTgt/>
+                  </p:tgtEl>
+                </p:cond>
+              </p:nextCondLst>
+            </p:seq>
+          </p:childTnLst>
+        </p:cTn>
+      </p:par>
+    </p:tnLst>
+  </p:timing>
+</p:sld>
+</file>
+
+<file path=ppt/slides/slide15.xml><?xml version="1.0" encoding="utf-8"?>
+<p:sld xmlns:a="http://schemas.openxmlformats.org/drawingml/2006/main" xmlns:r="http://schemas.openxmlformats.org/officeDocument/2006/relationships" xmlns:p="http://schemas.openxmlformats.org/presentationml/2006/main">
+  <p:cSld>
+    <p:spTree>
+      <p:nvGrpSpPr>
+        <p:cNvPr id="1" name=""/>
+        <p:cNvGrpSpPr/>
+        <p:nvPr/>
+      </p:nvGrpSpPr>
+      <p:grpSpPr>
+        <a:xfrm>
+          <a:off x="0" y="0"/>
+          <a:ext cx="0" cy="0"/>
+          <a:chOff x="0" y="0"/>
+          <a:chExt cx="0" cy="0"/>
+        </a:xfrm>
+      </p:grpSpPr>
+      <p:pic>
+        <p:nvPicPr>
+          <p:cNvPr id="4" name="Image 3"/>
+          <p:cNvPicPr>
+            <a:picLocks noChangeAspect="1"/>
+          </p:cNvPicPr>
+          <p:nvPr/>
+        </p:nvPicPr>
+        <p:blipFill>
+          <a:blip r:embed="rId2" cstate="print">
+            <a:extLst>
+              <a:ext uri="{28A0092B-C50C-407E-A947-70E740481C1C}">
+                <a14:useLocalDpi xmlns:a14="http://schemas.microsoft.com/office/drawing/2010/main" val="0"/>
+              </a:ext>
+            </a:extLst>
+          </a:blip>
+          <a:stretch>
+            <a:fillRect/>
+          </a:stretch>
+        </p:blipFill>
+        <p:spPr>
+          <a:xfrm rot="16200000">
+            <a:off x="5983654" y="2173654"/>
+            <a:ext cx="224692" cy="9144000"/>
+          </a:xfrm>
+          <a:prstGeom prst="rect">
+            <a:avLst/>
+          </a:prstGeom>
+        </p:spPr>
+      </p:pic>
+      <p:sp>
+        <p:nvSpPr>
+          <p:cNvPr id="10" name="Espace réservé du texte 3"/>
+          <p:cNvSpPr txBox="1">
+            <a:spLocks/>
+          </p:cNvSpPr>
+          <p:nvPr/>
+        </p:nvSpPr>
+        <p:spPr>
+          <a:xfrm>
+            <a:off x="1909311" y="1637331"/>
+            <a:ext cx="8044906" cy="3902342"/>
+          </a:xfrm>
+          <a:prstGeom prst="rect">
+            <a:avLst/>
+          </a:prstGeom>
+        </p:spPr>
+        <p:txBody>
+          <a:bodyPr vert="horz" lIns="91440" tIns="45720" rIns="91440" bIns="45720" rtlCol="0" anchor="ctr"/>
+          <a:lstStyle>
+            <a:defPPr>
+              <a:defRPr lang="fr-FR"/>
+            </a:defPPr>
+            <a:lvl1pPr marL="0" algn="l" defTabSz="914400" rtl="0" eaLnBrk="1" latinLnBrk="0" hangingPunct="1">
+              <a:defRPr sz="1200" kern="1200">
+                <a:solidFill>
+                  <a:schemeClr val="tx1">
+                    <a:tint val="75000"/>
+                  </a:schemeClr>
+                </a:solidFill>
+                <a:latin typeface="+mn-lt"/>
+                <a:ea typeface="+mn-ea"/>
+                <a:cs typeface="+mn-cs"/>
+              </a:defRPr>
+            </a:lvl1pPr>
+            <a:lvl2pPr marL="457200" algn="l" defTabSz="914400" rtl="0" eaLnBrk="1" latinLnBrk="0" hangingPunct="1">
+              <a:defRPr sz="1800" kern="1200">
+                <a:solidFill>
+                  <a:schemeClr val="tx1"/>
+                </a:solidFill>
+                <a:latin typeface="+mn-lt"/>
+                <a:ea typeface="+mn-ea"/>
+                <a:cs typeface="+mn-cs"/>
+              </a:defRPr>
+            </a:lvl2pPr>
+            <a:lvl3pPr marL="914400" algn="l" defTabSz="914400" rtl="0" eaLnBrk="1" latinLnBrk="0" hangingPunct="1">
+              <a:defRPr sz="1800" kern="1200">
+                <a:solidFill>
+                  <a:schemeClr val="tx1"/>
+                </a:solidFill>
+                <a:latin typeface="+mn-lt"/>
+                <a:ea typeface="+mn-ea"/>
+                <a:cs typeface="+mn-cs"/>
+              </a:defRPr>
+            </a:lvl3pPr>
+            <a:lvl4pPr marL="1371600" algn="l" defTabSz="914400" rtl="0" eaLnBrk="1" latinLnBrk="0" hangingPunct="1">
+              <a:defRPr sz="1800" kern="1200">
+                <a:solidFill>
+                  <a:schemeClr val="tx1"/>
+                </a:solidFill>
+                <a:latin typeface="+mn-lt"/>
+                <a:ea typeface="+mn-ea"/>
+                <a:cs typeface="+mn-cs"/>
+              </a:defRPr>
+            </a:lvl4pPr>
+            <a:lvl5pPr marL="1828800" algn="l" defTabSz="914400" rtl="0" eaLnBrk="1" latinLnBrk="0" hangingPunct="1">
+              <a:defRPr sz="1800" kern="1200">
+                <a:solidFill>
+                  <a:schemeClr val="tx1"/>
+                </a:solidFill>
+                <a:latin typeface="+mn-lt"/>
+                <a:ea typeface="+mn-ea"/>
+                <a:cs typeface="+mn-cs"/>
+              </a:defRPr>
+            </a:lvl5pPr>
+            <a:lvl6pPr marL="2286000" algn="l" defTabSz="914400" rtl="0" eaLnBrk="1" latinLnBrk="0" hangingPunct="1">
+              <a:defRPr sz="1800" kern="1200">
+                <a:solidFill>
+                  <a:schemeClr val="tx1"/>
+                </a:solidFill>
+                <a:latin typeface="+mn-lt"/>
+                <a:ea typeface="+mn-ea"/>
+                <a:cs typeface="+mn-cs"/>
+              </a:defRPr>
+            </a:lvl6pPr>
+            <a:lvl7pPr marL="2743200" algn="l" defTabSz="914400" rtl="0" eaLnBrk="1" latinLnBrk="0" hangingPunct="1">
+              <a:defRPr sz="1800" kern="1200">
+                <a:solidFill>
+                  <a:schemeClr val="tx1"/>
+                </a:solidFill>
+                <a:latin typeface="+mn-lt"/>
+                <a:ea typeface="+mn-ea"/>
+                <a:cs typeface="+mn-cs"/>
+              </a:defRPr>
+            </a:lvl7pPr>
+            <a:lvl8pPr marL="3200400" algn="l" defTabSz="914400" rtl="0" eaLnBrk="1" latinLnBrk="0" hangingPunct="1">
+              <a:defRPr sz="1800" kern="1200">
+                <a:solidFill>
+                  <a:schemeClr val="tx1"/>
+                </a:solidFill>
+                <a:latin typeface="+mn-lt"/>
+                <a:ea typeface="+mn-ea"/>
+                <a:cs typeface="+mn-cs"/>
+              </a:defRPr>
+            </a:lvl8pPr>
+            <a:lvl9pPr marL="3657600" algn="l" defTabSz="914400" rtl="0" eaLnBrk="1" latinLnBrk="0" hangingPunct="1">
+              <a:defRPr sz="1800" kern="1200">
+                <a:solidFill>
+                  <a:schemeClr val="tx1"/>
+                </a:solidFill>
+                <a:latin typeface="+mn-lt"/>
+                <a:ea typeface="+mn-ea"/>
+                <a:cs typeface="+mn-cs"/>
+              </a:defRPr>
+            </a:lvl9pPr>
+          </a:lstStyle>
+          <a:p>
+            <a:r>
+              <a:rPr lang="fr-FR" sz="1600" dirty="0">
+                <a:solidFill>
+                  <a:schemeClr val="tx1">
+                    <a:lumMod val="75000"/>
+                    <a:lumOff val="25000"/>
+                  </a:schemeClr>
+                </a:solidFill>
+                <a:latin typeface="Open Sans" panose="020B0606030504020204" pitchFamily="34" charset="0"/>
+                <a:ea typeface="Open Sans" panose="020B0606030504020204" pitchFamily="34" charset="0"/>
+                <a:cs typeface="Open Sans" panose="020B0606030504020204" pitchFamily="34" charset="0"/>
+              </a:rPr>
+              <a:t>Corps de texte</a:t>
+            </a:r>
+          </a:p>
+        </p:txBody>
+      </p:sp>
+      <p:sp>
+        <p:nvSpPr>
+          <p:cNvPr id="3" name="Title 2">
+            <a:extLst>
+              <a:ext uri="{FF2B5EF4-FFF2-40B4-BE49-F238E27FC236}">
+                <a16:creationId xmlns:a16="http://schemas.microsoft.com/office/drawing/2014/main" id="{A1A923CD-45DF-9448-B44B-C121FABDD12D}"/>
+              </a:ext>
+            </a:extLst>
+          </p:cNvPr>
+          <p:cNvSpPr>
+            <a:spLocks noGrp="1"/>
+          </p:cNvSpPr>
+          <p:nvPr>
+            <p:ph type="title"/>
+          </p:nvPr>
+        </p:nvSpPr>
+        <p:spPr/>
+        <p:txBody>
+          <a:bodyPr/>
+          <a:lstStyle/>
+          <a:p>
+            <a:r>
+              <a:rPr lang="fr-FR" dirty="0" smtClean="0">
+                <a:solidFill>
+                  <a:srgbClr val="313E48"/>
+                </a:solidFill>
+              </a:rPr>
+              <a:t>Applications – Fonctions composées</a:t>
+            </a:r>
+            <a:endParaRPr lang="fr-FR" dirty="0">
+              <a:solidFill>
+                <a:srgbClr val="313E48"/>
+              </a:solidFill>
+            </a:endParaRPr>
+          </a:p>
+        </p:txBody>
+      </p:sp>
+      <mc:AlternateContent xmlns:mc="http://schemas.openxmlformats.org/markup-compatibility/2006" xmlns:a14="http://schemas.microsoft.com/office/drawing/2010/main">
+        <mc:Choice Requires="a14">
+          <p:sp>
+            <p:nvSpPr>
+              <p:cNvPr id="5" name="Content Placeholder 4">
+                <a:extLst>
+                  <a:ext uri="{FF2B5EF4-FFF2-40B4-BE49-F238E27FC236}">
+                    <a16:creationId xmlns:a16="http://schemas.microsoft.com/office/drawing/2014/main" id="{85B949DE-4768-7144-9464-E25DC45F3FAF}"/>
+                  </a:ext>
+                </a:extLst>
+              </p:cNvPr>
+              <p:cNvSpPr>
+                <a:spLocks noGrp="1"/>
+              </p:cNvSpPr>
+              <p:nvPr>
+                <p:ph idx="1"/>
+              </p:nvPr>
+            </p:nvSpPr>
+            <p:spPr>
+              <a:xfrm>
+                <a:off x="623392" y="1556793"/>
+                <a:ext cx="10565307" cy="4366930"/>
+              </a:xfrm>
+            </p:spPr>
+            <p:txBody>
+              <a:bodyPr/>
+              <a:lstStyle/>
+              <a:p>
+                <a:r>
+                  <a:rPr lang="fr-FR" b="1" u="sng" dirty="0" smtClean="0"/>
+                  <a:t>Démonstrations trois premières dérivées usuelles</a:t>
+                </a:r>
+                <a:endParaRPr lang="fr-FR" dirty="0"/>
+              </a:p>
+              <a:p>
+                <a:pPr marL="0" indent="0">
+                  <a:buNone/>
+                </a:pPr>
+                <a:endParaRPr lang="fr-FR" dirty="0"/>
+              </a:p>
+              <a:p>
+                <a:r>
+                  <a:rPr lang="fr-FR" b="1" u="sng" dirty="0" smtClean="0"/>
+                  <a:t>Fonctions composées:</a:t>
+                </a:r>
+              </a:p>
+              <a:p>
+                <a:pPr lvl="1"/>
+                <a14:m>
+                  <m:oMath xmlns:m="http://schemas.openxmlformats.org/officeDocument/2006/math">
+                    <m:r>
+                      <a:rPr lang="fr-FR" i="1">
+                        <a:latin typeface="Cambria Math" panose="02040503050406030204" pitchFamily="18" charset="0"/>
+                      </a:rPr>
+                      <m:t>𝑓</m:t>
+                    </m:r>
+                    <m:d>
+                      <m:dPr>
+                        <m:ctrlPr>
+                          <a:rPr lang="fr-FR" i="1">
+                            <a:latin typeface="Cambria Math" panose="02040503050406030204" pitchFamily="18" charset="0"/>
+                          </a:rPr>
+                        </m:ctrlPr>
+                      </m:dPr>
+                      <m:e>
+                        <m:r>
+                          <a:rPr lang="fr-FR" i="1">
+                            <a:latin typeface="Cambria Math" panose="02040503050406030204" pitchFamily="18" charset="0"/>
+                          </a:rPr>
+                          <m:t>𝑥</m:t>
+                        </m:r>
+                      </m:e>
+                    </m:d>
+                    <m:r>
+                      <a:rPr lang="fr-FR" i="1">
+                        <a:latin typeface="Cambria Math" panose="02040503050406030204" pitchFamily="18" charset="0"/>
+                      </a:rPr>
+                      <m:t>=</m:t>
+                    </m:r>
+                    <m:r>
+                      <a:rPr lang="fr-FR" b="0" i="1" smtClean="0">
+                        <a:latin typeface="Cambria Math" panose="02040503050406030204" pitchFamily="18" charset="0"/>
+                      </a:rPr>
+                      <m:t>6</m:t>
+                    </m:r>
+                    <m:sSup>
+                      <m:sSupPr>
+                        <m:ctrlPr>
+                          <a:rPr lang="fr-FR" i="1">
+                            <a:latin typeface="Cambria Math" panose="02040503050406030204" pitchFamily="18" charset="0"/>
+                          </a:rPr>
+                        </m:ctrlPr>
+                      </m:sSupPr>
+                      <m:e>
+                        <m:r>
+                          <a:rPr lang="fr-FR" i="1">
+                            <a:latin typeface="Cambria Math" panose="02040503050406030204" pitchFamily="18" charset="0"/>
+                          </a:rPr>
+                          <m:t>𝑥</m:t>
+                        </m:r>
+                      </m:e>
+                      <m:sup>
+                        <m:r>
+                          <a:rPr lang="fr-FR" i="1">
+                            <a:latin typeface="Cambria Math" panose="02040503050406030204" pitchFamily="18" charset="0"/>
+                          </a:rPr>
+                          <m:t>2</m:t>
+                        </m:r>
+                      </m:sup>
+                    </m:sSup>
+                  </m:oMath>
+                </a14:m>
+                <a:endParaRPr lang="fr-FR" i="1" dirty="0" smtClean="0">
+                  <a:latin typeface="Cambria Math" panose="02040503050406030204" pitchFamily="18" charset="0"/>
+                </a:endParaRPr>
+              </a:p>
+              <a:p>
+                <a:pPr lvl="1"/>
+                <a14:m>
+                  <m:oMath xmlns:m="http://schemas.openxmlformats.org/officeDocument/2006/math">
+                    <m:r>
+                      <a:rPr lang="fr-FR" i="1">
+                        <a:latin typeface="Cambria Math" panose="02040503050406030204" pitchFamily="18" charset="0"/>
+                      </a:rPr>
+                      <m:t>𝑔</m:t>
+                    </m:r>
+                    <m:d>
+                      <m:dPr>
+                        <m:ctrlPr>
+                          <a:rPr lang="fr-FR" i="1">
+                            <a:latin typeface="Cambria Math" panose="02040503050406030204" pitchFamily="18" charset="0"/>
+                          </a:rPr>
+                        </m:ctrlPr>
+                      </m:dPr>
+                      <m:e>
+                        <m:r>
+                          <a:rPr lang="fr-FR" i="1">
+                            <a:latin typeface="Cambria Math" panose="02040503050406030204" pitchFamily="18" charset="0"/>
+                          </a:rPr>
+                          <m:t>𝑥</m:t>
+                        </m:r>
+                      </m:e>
+                    </m:d>
+                    <m:r>
+                      <a:rPr lang="fr-FR" i="1">
+                        <a:latin typeface="Cambria Math" panose="02040503050406030204" pitchFamily="18" charset="0"/>
+                      </a:rPr>
+                      <m:t>=3</m:t>
+                    </m:r>
+                    <m:sSup>
+                      <m:sSupPr>
+                        <m:ctrlPr>
+                          <a:rPr lang="fr-FR" i="1">
+                            <a:latin typeface="Cambria Math" panose="02040503050406030204" pitchFamily="18" charset="0"/>
+                          </a:rPr>
+                        </m:ctrlPr>
+                      </m:sSupPr>
+                      <m:e>
+                        <m:r>
+                          <a:rPr lang="fr-FR" i="1">
+                            <a:latin typeface="Cambria Math" panose="02040503050406030204" pitchFamily="18" charset="0"/>
+                          </a:rPr>
+                          <m:t>𝑥</m:t>
+                        </m:r>
+                      </m:e>
+                      <m:sup>
+                        <m:r>
+                          <a:rPr lang="fr-FR" i="1">
+                            <a:latin typeface="Cambria Math" panose="02040503050406030204" pitchFamily="18" charset="0"/>
+                          </a:rPr>
+                          <m:t>2</m:t>
+                        </m:r>
+                      </m:sup>
+                    </m:sSup>
+                    <m:r>
+                      <a:rPr lang="fr-FR" i="1">
+                        <a:latin typeface="Cambria Math" panose="02040503050406030204" pitchFamily="18" charset="0"/>
+                      </a:rPr>
+                      <m:t>+5</m:t>
+                    </m:r>
+                    <m:r>
+                      <a:rPr lang="fr-FR" i="1">
+                        <a:latin typeface="Cambria Math" panose="02040503050406030204" pitchFamily="18" charset="0"/>
+                      </a:rPr>
+                      <m:t>𝑥</m:t>
+                    </m:r>
+                    <m:r>
+                      <a:rPr lang="fr-FR" i="1">
+                        <a:latin typeface="Cambria Math" panose="02040503050406030204" pitchFamily="18" charset="0"/>
+                      </a:rPr>
+                      <m:t>−8</m:t>
+                    </m:r>
+                  </m:oMath>
+                </a14:m>
+                <a:endParaRPr lang="fr-FR" i="1" dirty="0" smtClean="0">
+                  <a:latin typeface="Cambria Math" panose="02040503050406030204" pitchFamily="18" charset="0"/>
+                </a:endParaRPr>
+              </a:p>
+              <a:p>
+                <a:pPr lvl="1"/>
+                <a14:m>
+                  <m:oMath xmlns:m="http://schemas.openxmlformats.org/officeDocument/2006/math">
+                    <m:r>
+                      <a:rPr lang="fr-FR" i="1">
+                        <a:latin typeface="Cambria Math" panose="02040503050406030204" pitchFamily="18" charset="0"/>
+                      </a:rPr>
+                      <m:t>h</m:t>
+                    </m:r>
+                    <m:d>
+                      <m:dPr>
+                        <m:ctrlPr>
+                          <a:rPr lang="fr-FR" i="1">
+                            <a:latin typeface="Cambria Math" panose="02040503050406030204" pitchFamily="18" charset="0"/>
+                          </a:rPr>
+                        </m:ctrlPr>
+                      </m:dPr>
+                      <m:e>
+                        <m:r>
+                          <a:rPr lang="fr-FR" i="1">
+                            <a:latin typeface="Cambria Math" panose="02040503050406030204" pitchFamily="18" charset="0"/>
+                          </a:rPr>
+                          <m:t>𝑥</m:t>
+                        </m:r>
+                      </m:e>
+                    </m:d>
+                    <m:r>
+                      <a:rPr lang="fr-FR" i="1">
+                        <a:latin typeface="Cambria Math" panose="02040503050406030204" pitchFamily="18" charset="0"/>
+                      </a:rPr>
+                      <m:t>=</m:t>
+                    </m:r>
+                    <m:r>
+                      <a:rPr lang="fr-FR" i="1">
+                        <a:latin typeface="Cambria Math" panose="02040503050406030204" pitchFamily="18" charset="0"/>
+                      </a:rPr>
+                      <m:t>𝑎</m:t>
+                    </m:r>
+                    <m:sSup>
+                      <m:sSupPr>
+                        <m:ctrlPr>
+                          <a:rPr lang="fr-FR" i="1">
+                            <a:latin typeface="Cambria Math" panose="02040503050406030204" pitchFamily="18" charset="0"/>
+                          </a:rPr>
+                        </m:ctrlPr>
+                      </m:sSupPr>
+                      <m:e>
+                        <m:r>
+                          <a:rPr lang="fr-FR" i="1">
+                            <a:latin typeface="Cambria Math" panose="02040503050406030204" pitchFamily="18" charset="0"/>
+                          </a:rPr>
+                          <m:t>𝑥</m:t>
+                        </m:r>
+                      </m:e>
+                      <m:sup>
+                        <m:r>
+                          <a:rPr lang="fr-FR" i="1">
+                            <a:latin typeface="Cambria Math" panose="02040503050406030204" pitchFamily="18" charset="0"/>
+                          </a:rPr>
+                          <m:t>2</m:t>
+                        </m:r>
+                      </m:sup>
+                    </m:sSup>
+                    <m:r>
+                      <a:rPr lang="fr-FR" i="1">
+                        <a:latin typeface="Cambria Math" panose="02040503050406030204" pitchFamily="18" charset="0"/>
+                      </a:rPr>
+                      <m:t>+</m:t>
+                    </m:r>
+                    <m:r>
+                      <a:rPr lang="fr-FR" i="1">
+                        <a:latin typeface="Cambria Math" panose="02040503050406030204" pitchFamily="18" charset="0"/>
+                      </a:rPr>
+                      <m:t>𝑏𝑥</m:t>
+                    </m:r>
+                    <m:r>
+                      <a:rPr lang="fr-FR" i="1">
+                        <a:latin typeface="Cambria Math" panose="02040503050406030204" pitchFamily="18" charset="0"/>
+                      </a:rPr>
+                      <m:t>+</m:t>
+                    </m:r>
+                    <m:r>
+                      <a:rPr lang="fr-FR" i="1">
+                        <a:latin typeface="Cambria Math" panose="02040503050406030204" pitchFamily="18" charset="0"/>
+                      </a:rPr>
+                      <m:t>𝑐</m:t>
+                    </m:r>
+                  </m:oMath>
+                </a14:m>
+                <a:endParaRPr lang="fr-FR" dirty="0" smtClean="0"/>
+              </a:p>
+              <a:p>
+                <a:pPr lvl="1"/>
+                <a14:m>
+                  <m:oMath xmlns:m="http://schemas.openxmlformats.org/officeDocument/2006/math">
+                    <m:sSub>
+                      <m:sSubPr>
+                        <m:ctrlPr>
+                          <a:rPr lang="fr-FR" i="1" smtClean="0">
+                            <a:latin typeface="Cambria Math" panose="02040503050406030204" pitchFamily="18" charset="0"/>
+                          </a:rPr>
+                        </m:ctrlPr>
+                      </m:sSubPr>
+                      <m:e>
+                        <m:r>
+                          <a:rPr lang="fr-FR" b="0" i="1" smtClean="0">
+                            <a:latin typeface="Cambria Math" panose="02040503050406030204" pitchFamily="18" charset="0"/>
+                          </a:rPr>
+                          <m:t>𝑓</m:t>
+                        </m:r>
+                      </m:e>
+                      <m:sub>
+                        <m:r>
+                          <a:rPr lang="fr-FR" b="0" i="1" smtClean="0">
+                            <a:latin typeface="Cambria Math" panose="02040503050406030204" pitchFamily="18" charset="0"/>
+                          </a:rPr>
+                          <m:t>1</m:t>
+                        </m:r>
+                      </m:sub>
+                    </m:sSub>
+                    <m:d>
+                      <m:dPr>
+                        <m:ctrlPr>
+                          <a:rPr lang="fr-FR" b="0" i="1" smtClean="0">
+                            <a:latin typeface="Cambria Math" panose="02040503050406030204" pitchFamily="18" charset="0"/>
+                          </a:rPr>
+                        </m:ctrlPr>
+                      </m:dPr>
+                      <m:e>
+                        <m:r>
+                          <a:rPr lang="fr-FR" b="0" i="1" smtClean="0">
+                            <a:latin typeface="Cambria Math" panose="02040503050406030204" pitchFamily="18" charset="0"/>
+                          </a:rPr>
+                          <m:t>𝑥</m:t>
+                        </m:r>
+                      </m:e>
+                    </m:d>
+                    <m:r>
+                      <a:rPr lang="fr-FR" b="0" i="1" smtClean="0">
+                        <a:latin typeface="Cambria Math" panose="02040503050406030204" pitchFamily="18" charset="0"/>
+                      </a:rPr>
+                      <m:t>=</m:t>
+                    </m:r>
+                    <m:f>
+                      <m:fPr>
+                        <m:ctrlPr>
+                          <a:rPr lang="fr-FR" b="0" i="1" smtClean="0">
+                            <a:latin typeface="Cambria Math" panose="02040503050406030204" pitchFamily="18" charset="0"/>
+                          </a:rPr>
+                        </m:ctrlPr>
+                      </m:fPr>
+                      <m:num>
+                        <m:r>
+                          <a:rPr lang="fr-FR" b="0" i="1" smtClean="0">
+                            <a:latin typeface="Cambria Math" panose="02040503050406030204" pitchFamily="18" charset="0"/>
+                          </a:rPr>
+                          <m:t>2</m:t>
+                        </m:r>
+                        <m:sSup>
+                          <m:sSupPr>
+                            <m:ctrlPr>
+                              <a:rPr lang="fr-FR" b="0" i="1" smtClean="0">
+                                <a:latin typeface="Cambria Math" panose="02040503050406030204" pitchFamily="18" charset="0"/>
+                              </a:rPr>
+                            </m:ctrlPr>
+                          </m:sSupPr>
+                          <m:e>
+                            <m:r>
+                              <a:rPr lang="fr-FR" b="0" i="1" smtClean="0">
+                                <a:latin typeface="Cambria Math" panose="02040503050406030204" pitchFamily="18" charset="0"/>
+                              </a:rPr>
+                              <m:t>𝑥</m:t>
+                            </m:r>
+                          </m:e>
+                          <m:sup>
+                            <m:r>
+                              <a:rPr lang="fr-FR" b="0" i="1" smtClean="0">
+                                <a:latin typeface="Cambria Math" panose="02040503050406030204" pitchFamily="18" charset="0"/>
+                              </a:rPr>
+                              <m:t>2</m:t>
+                            </m:r>
+                          </m:sup>
+                        </m:sSup>
+                        <m:r>
+                          <a:rPr lang="fr-FR" b="0" i="1" smtClean="0">
+                            <a:latin typeface="Cambria Math" panose="02040503050406030204" pitchFamily="18" charset="0"/>
+                          </a:rPr>
+                          <m:t>−8</m:t>
+                        </m:r>
+                        <m:r>
+                          <a:rPr lang="fr-FR" b="0" i="1" smtClean="0">
+                            <a:latin typeface="Cambria Math" panose="02040503050406030204" pitchFamily="18" charset="0"/>
+                          </a:rPr>
+                          <m:t>𝑥</m:t>
+                        </m:r>
+                        <m:r>
+                          <a:rPr lang="fr-FR" b="0" i="1" smtClean="0">
+                            <a:latin typeface="Cambria Math" panose="02040503050406030204" pitchFamily="18" charset="0"/>
+                          </a:rPr>
+                          <m:t>+5</m:t>
+                        </m:r>
+                      </m:num>
+                      <m:den>
+                        <m:r>
+                          <a:rPr lang="fr-FR" b="0" i="1" smtClean="0">
+                            <a:latin typeface="Cambria Math" panose="02040503050406030204" pitchFamily="18" charset="0"/>
+                          </a:rPr>
+                          <m:t>3</m:t>
+                        </m:r>
+                        <m:r>
+                          <a:rPr lang="fr-FR" b="0" i="1" smtClean="0">
+                            <a:latin typeface="Cambria Math" panose="02040503050406030204" pitchFamily="18" charset="0"/>
+                          </a:rPr>
+                          <m:t>𝑥</m:t>
+                        </m:r>
+                        <m:r>
+                          <a:rPr lang="fr-FR" b="0" i="1" smtClean="0">
+                            <a:latin typeface="Cambria Math" panose="02040503050406030204" pitchFamily="18" charset="0"/>
+                          </a:rPr>
+                          <m:t>+2</m:t>
+                        </m:r>
+                      </m:den>
+                    </m:f>
+                  </m:oMath>
+                </a14:m>
+                <a:endParaRPr lang="fr-FR" dirty="0" smtClean="0"/>
+              </a:p>
+              <a:p>
+                <a:pPr lvl="1"/>
+                <a14:m>
+                  <m:oMath xmlns:m="http://schemas.openxmlformats.org/officeDocument/2006/math">
+                    <m:sSub>
+                      <m:sSubPr>
+                        <m:ctrlPr>
+                          <a:rPr lang="fr-FR" i="1" smtClean="0">
+                            <a:latin typeface="Cambria Math" panose="02040503050406030204" pitchFamily="18" charset="0"/>
+                          </a:rPr>
+                        </m:ctrlPr>
+                      </m:sSubPr>
+                      <m:e>
+                        <m:r>
+                          <a:rPr lang="fr-FR" b="0" i="1" smtClean="0">
+                            <a:latin typeface="Cambria Math" panose="02040503050406030204" pitchFamily="18" charset="0"/>
+                          </a:rPr>
+                          <m:t>𝑓</m:t>
+                        </m:r>
+                      </m:e>
+                      <m:sub>
+                        <m:r>
+                          <a:rPr lang="fr-FR" b="0" i="1" smtClean="0">
+                            <a:latin typeface="Cambria Math" panose="02040503050406030204" pitchFamily="18" charset="0"/>
+                          </a:rPr>
+                          <m:t>2</m:t>
+                        </m:r>
+                      </m:sub>
+                    </m:sSub>
+                    <m:d>
+                      <m:dPr>
+                        <m:ctrlPr>
+                          <a:rPr lang="fr-FR" b="0" i="1" smtClean="0">
+                            <a:latin typeface="Cambria Math" panose="02040503050406030204" pitchFamily="18" charset="0"/>
+                          </a:rPr>
+                        </m:ctrlPr>
+                      </m:dPr>
+                      <m:e>
+                        <m:r>
+                          <a:rPr lang="fr-FR" b="0" i="1" smtClean="0">
+                            <a:latin typeface="Cambria Math" panose="02040503050406030204" pitchFamily="18" charset="0"/>
+                          </a:rPr>
+                          <m:t>𝑥</m:t>
+                        </m:r>
+                      </m:e>
+                    </m:d>
+                    <m:r>
+                      <a:rPr lang="fr-FR" b="0" i="1" smtClean="0">
+                        <a:latin typeface="Cambria Math" panose="02040503050406030204" pitchFamily="18" charset="0"/>
+                      </a:rPr>
+                      <m:t>=</m:t>
+                    </m:r>
+                    <m:sSup>
+                      <m:sSupPr>
+                        <m:ctrlPr>
+                          <a:rPr lang="fr-FR" b="0" i="1" smtClean="0">
+                            <a:latin typeface="Cambria Math" panose="02040503050406030204" pitchFamily="18" charset="0"/>
+                          </a:rPr>
+                        </m:ctrlPr>
+                      </m:sSupPr>
+                      <m:e>
+                        <m:r>
+                          <a:rPr lang="fr-FR" b="0" i="1" smtClean="0">
+                            <a:latin typeface="Cambria Math" panose="02040503050406030204" pitchFamily="18" charset="0"/>
+                          </a:rPr>
+                          <m:t>(</m:t>
+                        </m:r>
+                        <m:r>
+                          <a:rPr lang="fr-FR" i="1">
+                            <a:latin typeface="Cambria Math" panose="02040503050406030204" pitchFamily="18" charset="0"/>
+                          </a:rPr>
+                          <m:t>6</m:t>
+                        </m:r>
+                        <m:r>
+                          <a:rPr lang="fr-FR" i="1">
+                            <a:latin typeface="Cambria Math" panose="02040503050406030204" pitchFamily="18" charset="0"/>
+                          </a:rPr>
+                          <m:t>𝑥</m:t>
+                        </m:r>
+                        <m:r>
+                          <a:rPr lang="fr-FR" i="1">
+                            <a:latin typeface="Cambria Math" panose="02040503050406030204" pitchFamily="18" charset="0"/>
+                          </a:rPr>
+                          <m:t>+8)</m:t>
+                        </m:r>
+                      </m:e>
+                      <m:sup>
+                        <m:r>
+                          <a:rPr lang="fr-FR" b="0" i="1" smtClean="0">
+                            <a:latin typeface="Cambria Math" panose="02040503050406030204" pitchFamily="18" charset="0"/>
+                          </a:rPr>
+                          <m:t>3</m:t>
+                        </m:r>
+                      </m:sup>
+                    </m:sSup>
+                  </m:oMath>
+                </a14:m>
+                <a:endParaRPr lang="fr-FR" dirty="0" smtClean="0"/>
+              </a:p>
+              <a:p>
+                <a:pPr lvl="1"/>
+                <a14:m>
+                  <m:oMath xmlns:m="http://schemas.openxmlformats.org/officeDocument/2006/math">
+                    <m:sSub>
+                      <m:sSubPr>
+                        <m:ctrlPr>
+                          <a:rPr lang="fr-FR" i="1" smtClean="0">
+                            <a:latin typeface="Cambria Math" panose="02040503050406030204" pitchFamily="18" charset="0"/>
+                          </a:rPr>
+                        </m:ctrlPr>
+                      </m:sSubPr>
+                      <m:e>
+                        <m:r>
+                          <a:rPr lang="fr-FR" b="0" i="1" smtClean="0">
+                            <a:latin typeface="Cambria Math" panose="02040503050406030204" pitchFamily="18" charset="0"/>
+                          </a:rPr>
+                          <m:t>𝑓</m:t>
+                        </m:r>
+                      </m:e>
+                      <m:sub>
+                        <m:r>
+                          <a:rPr lang="fr-FR" b="0" i="1" smtClean="0">
+                            <a:latin typeface="Cambria Math" panose="02040503050406030204" pitchFamily="18" charset="0"/>
+                          </a:rPr>
+                          <m:t>3</m:t>
+                        </m:r>
+                      </m:sub>
+                    </m:sSub>
+                    <m:d>
+                      <m:dPr>
+                        <m:ctrlPr>
+                          <a:rPr lang="fr-FR" b="0" i="1" smtClean="0">
+                            <a:latin typeface="Cambria Math" panose="02040503050406030204" pitchFamily="18" charset="0"/>
+                          </a:rPr>
+                        </m:ctrlPr>
+                      </m:dPr>
+                      <m:e>
+                        <m:r>
+                          <a:rPr lang="fr-FR" b="0" i="1" smtClean="0">
+                            <a:latin typeface="Cambria Math" panose="02040503050406030204" pitchFamily="18" charset="0"/>
+                          </a:rPr>
+                          <m:t>𝑥</m:t>
+                        </m:r>
+                      </m:e>
+                    </m:d>
+                    <m:r>
+                      <a:rPr lang="fr-FR" b="0" i="1" smtClean="0">
+                        <a:latin typeface="Cambria Math" panose="02040503050406030204" pitchFamily="18" charset="0"/>
+                      </a:rPr>
+                      <m:t>=</m:t>
+                    </m:r>
+                    <m:f>
+                      <m:fPr>
+                        <m:ctrlPr>
+                          <a:rPr lang="fr-FR" b="0" i="1" smtClean="0">
+                            <a:latin typeface="Cambria Math" panose="02040503050406030204" pitchFamily="18" charset="0"/>
+                          </a:rPr>
+                        </m:ctrlPr>
+                      </m:fPr>
+                      <m:num>
+                        <m:r>
+                          <a:rPr lang="fr-FR" b="0" i="1" smtClean="0">
+                            <a:latin typeface="Cambria Math" panose="02040503050406030204" pitchFamily="18" charset="0"/>
+                          </a:rPr>
+                          <m:t>2</m:t>
+                        </m:r>
+                        <m:sSup>
+                          <m:sSupPr>
+                            <m:ctrlPr>
+                              <a:rPr lang="fr-FR" b="0" i="1" smtClean="0">
+                                <a:latin typeface="Cambria Math" panose="02040503050406030204" pitchFamily="18" charset="0"/>
+                              </a:rPr>
+                            </m:ctrlPr>
+                          </m:sSupPr>
+                          <m:e>
+                            <m:r>
+                              <a:rPr lang="fr-FR" b="0" i="1" smtClean="0">
+                                <a:latin typeface="Cambria Math" panose="02040503050406030204" pitchFamily="18" charset="0"/>
+                              </a:rPr>
+                              <m:t>𝑥</m:t>
+                            </m:r>
+                          </m:e>
+                          <m:sup>
+                            <m:r>
+                              <a:rPr lang="fr-FR" b="0" i="1" smtClean="0">
+                                <a:latin typeface="Cambria Math" panose="02040503050406030204" pitchFamily="18" charset="0"/>
+                              </a:rPr>
+                              <m:t>3</m:t>
+                            </m:r>
+                          </m:sup>
+                        </m:sSup>
+                        <m:r>
+                          <a:rPr lang="fr-FR" b="0" i="1" smtClean="0">
+                            <a:latin typeface="Cambria Math" panose="02040503050406030204" pitchFamily="18" charset="0"/>
+                          </a:rPr>
+                          <m:t>−6</m:t>
+                        </m:r>
+                        <m:r>
+                          <a:rPr lang="fr-FR" b="0" i="1" smtClean="0">
+                            <a:latin typeface="Cambria Math" panose="02040503050406030204" pitchFamily="18" charset="0"/>
+                          </a:rPr>
+                          <m:t>𝑥</m:t>
+                        </m:r>
+                        <m:r>
+                          <a:rPr lang="fr-FR" b="0" i="1" smtClean="0">
+                            <a:latin typeface="Cambria Math" panose="02040503050406030204" pitchFamily="18" charset="0"/>
+                          </a:rPr>
+                          <m:t>+4</m:t>
+                        </m:r>
+                        <m:rad>
+                          <m:radPr>
+                            <m:degHide m:val="on"/>
+                            <m:ctrlPr>
+                              <a:rPr lang="fr-FR" b="0" i="1" smtClean="0">
+                                <a:latin typeface="Cambria Math" panose="02040503050406030204" pitchFamily="18" charset="0"/>
+                              </a:rPr>
+                            </m:ctrlPr>
+                          </m:radPr>
+                          <m:deg/>
+                          <m:e>
+                            <m:r>
+                              <a:rPr lang="fr-FR" b="0" i="1" smtClean="0">
+                                <a:latin typeface="Cambria Math" panose="02040503050406030204" pitchFamily="18" charset="0"/>
+                              </a:rPr>
+                              <m:t>𝑥</m:t>
+                            </m:r>
+                          </m:e>
+                        </m:rad>
+                      </m:num>
+                      <m:den>
+                        <m:r>
+                          <a:rPr lang="fr-FR" b="0" i="1" smtClean="0">
+                            <a:latin typeface="Cambria Math" panose="02040503050406030204" pitchFamily="18" charset="0"/>
+                          </a:rPr>
+                          <m:t>2</m:t>
+                        </m:r>
+                        <m:r>
+                          <a:rPr lang="fr-FR" b="0" i="1" smtClean="0">
+                            <a:latin typeface="Cambria Math" panose="02040503050406030204" pitchFamily="18" charset="0"/>
+                          </a:rPr>
+                          <m:t>𝑥</m:t>
+                        </m:r>
+                        <m:r>
+                          <a:rPr lang="fr-FR" b="0" i="1" smtClean="0">
+                            <a:latin typeface="Cambria Math" panose="02040503050406030204" pitchFamily="18" charset="0"/>
+                          </a:rPr>
+                          <m:t>−</m:t>
+                        </m:r>
+                        <m:rad>
+                          <m:radPr>
+                            <m:degHide m:val="on"/>
+                            <m:ctrlPr>
+                              <a:rPr lang="fr-FR" b="0" i="1" smtClean="0">
+                                <a:latin typeface="Cambria Math" panose="02040503050406030204" pitchFamily="18" charset="0"/>
+                              </a:rPr>
+                            </m:ctrlPr>
+                          </m:radPr>
+                          <m:deg/>
+                          <m:e>
+                            <m:r>
+                              <a:rPr lang="fr-FR" b="0" i="1" smtClean="0">
+                                <a:latin typeface="Cambria Math" panose="02040503050406030204" pitchFamily="18" charset="0"/>
+                              </a:rPr>
+                              <m:t>𝑥</m:t>
+                            </m:r>
+                          </m:e>
+                        </m:rad>
+                      </m:den>
+                    </m:f>
+                    <m:r>
+                      <a:rPr lang="fr-FR" b="0" i="1" smtClean="0">
+                        <a:latin typeface="Cambria Math" panose="02040503050406030204" pitchFamily="18" charset="0"/>
+                      </a:rPr>
+                      <m:t>,  </m:t>
+                    </m:r>
+                    <m:r>
+                      <a:rPr lang="fr-FR" b="0" i="1" smtClean="0">
+                        <a:latin typeface="Cambria Math" panose="02040503050406030204" pitchFamily="18" charset="0"/>
+                      </a:rPr>
+                      <m:t>𝑥</m:t>
+                    </m:r>
+                    <m:r>
+                      <a:rPr lang="fr-FR" b="0" i="1" smtClean="0">
+                        <a:latin typeface="Cambria Math" panose="02040503050406030204" pitchFamily="18" charset="0"/>
+                      </a:rPr>
+                      <m:t>&gt;0</m:t>
+                    </m:r>
+                  </m:oMath>
+                </a14:m>
+                <a:r>
+                  <a:rPr lang="fr-FR" dirty="0" smtClean="0"/>
+                  <a:t> </a:t>
+                </a:r>
+                <a:endParaRPr lang="fr-FR" dirty="0"/>
+              </a:p>
+              <a:p>
+                <a:pPr lvl="1"/>
+                <a:endParaRPr lang="fr-FR" dirty="0"/>
+              </a:p>
+            </p:txBody>
+          </p:sp>
+        </mc:Choice>
+        <mc:Fallback xmlns="">
+          <p:sp>
+            <p:nvSpPr>
+              <p:cNvPr id="5" name="Content Placeholder 4">
+                <a:extLst>
+                  <a:ext uri="{FF2B5EF4-FFF2-40B4-BE49-F238E27FC236}">
+                    <a16:creationId xmlns:a16="http://schemas.microsoft.com/office/drawing/2014/main" id="{85B949DE-4768-7144-9464-E25DC45F3FAF}"/>
+                  </a:ext>
+                </a:extLst>
+              </p:cNvPr>
+              <p:cNvSpPr>
+                <a:spLocks noGrp="1" noRot="1" noChangeAspect="1" noMove="1" noResize="1" noEditPoints="1" noAdjustHandles="1" noChangeArrowheads="1" noChangeShapeType="1" noTextEdit="1"/>
+              </p:cNvSpPr>
+              <p:nvPr>
+                <p:ph idx="1"/>
+              </p:nvPr>
+            </p:nvSpPr>
+            <p:spPr>
+              <a:xfrm>
+                <a:off x="623392" y="1556793"/>
+                <a:ext cx="10565307" cy="4366930"/>
+              </a:xfrm>
+              <a:blipFill>
+                <a:blip r:embed="rId3"/>
+                <a:stretch>
+                  <a:fillRect l="-1039" t="-2371"/>
+                </a:stretch>
+              </a:blipFill>
+            </p:spPr>
+            <p:txBody>
+              <a:bodyPr/>
+              <a:lstStyle/>
+              <a:p>
+                <a:r>
+                  <a:rPr lang="fr-FR">
+                    <a:noFill/>
+                  </a:rPr>
+                  <a:t> </a:t>
+                </a:r>
+              </a:p>
+            </p:txBody>
+          </p:sp>
+        </mc:Fallback>
+      </mc:AlternateContent>
+      <mc:AlternateContent xmlns:mc="http://schemas.openxmlformats.org/markup-compatibility/2006">
+        <mc:Choice xmlns:a14="http://schemas.microsoft.com/office/drawing/2010/main" Requires="a14">
+          <p:sp>
+            <p:nvSpPr>
+              <p:cNvPr id="2" name="ZoneTexte 1"/>
+              <p:cNvSpPr txBox="1"/>
+              <p:nvPr/>
+            </p:nvSpPr>
+            <p:spPr>
+              <a:xfrm>
+                <a:off x="6601417" y="2316291"/>
+                <a:ext cx="4000500" cy="4317016"/>
+              </a:xfrm>
+              <a:prstGeom prst="rect">
+                <a:avLst/>
+              </a:prstGeom>
+              <a:noFill/>
+            </p:spPr>
+            <p:txBody>
+              <a:bodyPr wrap="square" rtlCol="0">
+                <a:spAutoFit/>
+              </a:bodyPr>
+              <a:lstStyle/>
+              <a:p>
+                <a14:m>
+                  <m:oMathPara xmlns:m="http://schemas.openxmlformats.org/officeDocument/2006/math">
+                    <m:oMathParaPr>
+                      <m:jc m:val="centerGroup"/>
+                    </m:oMathParaPr>
+                    <m:oMath xmlns:m="http://schemas.openxmlformats.org/officeDocument/2006/math">
+                      <m:sSup>
+                        <m:sSupPr>
+                          <m:ctrlPr>
+                            <a:rPr lang="fr-FR" sz="2400" b="0" i="1" smtClean="0">
+                              <a:solidFill>
+                                <a:srgbClr val="FF0000"/>
+                              </a:solidFill>
+                              <a:latin typeface="Cambria Math" panose="02040503050406030204" pitchFamily="18" charset="0"/>
+                            </a:rPr>
+                          </m:ctrlPr>
+                        </m:sSupPr>
+                        <m:e>
+                          <m:r>
+                            <a:rPr lang="fr-FR" sz="2400" b="0" i="1" smtClean="0">
+                              <a:solidFill>
+                                <a:srgbClr val="FF0000"/>
+                              </a:solidFill>
+                              <a:latin typeface="Cambria Math" panose="02040503050406030204" pitchFamily="18" charset="0"/>
+                            </a:rPr>
+                            <m:t>𝑓</m:t>
+                          </m:r>
+                        </m:e>
+                        <m:sup>
+                          <m:r>
+                            <a:rPr lang="fr-FR" sz="2400" b="0" i="1" smtClean="0">
+                              <a:solidFill>
+                                <a:srgbClr val="FF0000"/>
+                              </a:solidFill>
+                              <a:latin typeface="Cambria Math" panose="02040503050406030204" pitchFamily="18" charset="0"/>
+                            </a:rPr>
+                            <m:t>′</m:t>
+                          </m:r>
+                        </m:sup>
+                      </m:sSup>
+                      <m:d>
+                        <m:dPr>
+                          <m:ctrlPr>
+                            <a:rPr lang="fr-FR" sz="2400" b="0" i="1" smtClean="0">
+                              <a:solidFill>
+                                <a:srgbClr val="FF0000"/>
+                              </a:solidFill>
+                              <a:latin typeface="Cambria Math" panose="02040503050406030204" pitchFamily="18" charset="0"/>
+                            </a:rPr>
+                          </m:ctrlPr>
+                        </m:dPr>
+                        <m:e>
+                          <m:r>
+                            <a:rPr lang="fr-FR" sz="2400" b="0" i="1" smtClean="0">
+                              <a:solidFill>
+                                <a:srgbClr val="FF0000"/>
+                              </a:solidFill>
+                              <a:latin typeface="Cambria Math" panose="02040503050406030204" pitchFamily="18" charset="0"/>
+                            </a:rPr>
+                            <m:t>𝑥</m:t>
+                          </m:r>
+                        </m:e>
+                      </m:d>
+                      <m:r>
+                        <a:rPr lang="fr-FR" sz="2400" b="0" i="1" smtClean="0">
+                          <a:solidFill>
+                            <a:srgbClr val="FF0000"/>
+                          </a:solidFill>
+                          <a:latin typeface="Cambria Math" panose="02040503050406030204" pitchFamily="18" charset="0"/>
+                        </a:rPr>
+                        <m:t>=12</m:t>
+                      </m:r>
+                      <m:r>
+                        <a:rPr lang="fr-FR" sz="2400" b="0" i="1" smtClean="0">
+                          <a:solidFill>
+                            <a:srgbClr val="FF0000"/>
+                          </a:solidFill>
+                          <a:latin typeface="Cambria Math" panose="02040503050406030204" pitchFamily="18" charset="0"/>
+                        </a:rPr>
+                        <m:t>𝑥</m:t>
+                      </m:r>
+                    </m:oMath>
+                  </m:oMathPara>
+                </a14:m>
+                <a:endParaRPr lang="fr-FR" sz="2400" b="0" dirty="0" smtClean="0">
+                  <a:solidFill>
+                    <a:srgbClr val="FF0000"/>
+                  </a:solidFill>
+                </a:endParaRPr>
+              </a:p>
+              <a:p>
+                <a14:m>
+                  <m:oMathPara xmlns:m="http://schemas.openxmlformats.org/officeDocument/2006/math">
+                    <m:oMathParaPr>
+                      <m:jc m:val="centerGroup"/>
+                    </m:oMathParaPr>
+                    <m:oMath xmlns:m="http://schemas.openxmlformats.org/officeDocument/2006/math">
+                      <m:sSup>
+                        <m:sSupPr>
+                          <m:ctrlPr>
+                            <a:rPr lang="fr-FR" sz="2400" b="0" i="1" smtClean="0">
+                              <a:solidFill>
+                                <a:srgbClr val="FF0000"/>
+                              </a:solidFill>
+                              <a:latin typeface="Cambria Math" panose="02040503050406030204" pitchFamily="18" charset="0"/>
+                            </a:rPr>
+                          </m:ctrlPr>
+                        </m:sSupPr>
+                        <m:e>
+                          <m:r>
+                            <a:rPr lang="fr-FR" sz="2400" b="0" i="1" smtClean="0">
+                              <a:solidFill>
+                                <a:srgbClr val="FF0000"/>
+                              </a:solidFill>
+                              <a:latin typeface="Cambria Math" panose="02040503050406030204" pitchFamily="18" charset="0"/>
+                            </a:rPr>
+                            <m:t>𝑔</m:t>
+                          </m:r>
+                        </m:e>
+                        <m:sup>
+                          <m:r>
+                            <a:rPr lang="fr-FR" sz="2400" b="0" i="1" smtClean="0">
+                              <a:solidFill>
+                                <a:srgbClr val="FF0000"/>
+                              </a:solidFill>
+                              <a:latin typeface="Cambria Math" panose="02040503050406030204" pitchFamily="18" charset="0"/>
+                            </a:rPr>
+                            <m:t>′</m:t>
+                          </m:r>
+                        </m:sup>
+                      </m:sSup>
+                      <m:d>
+                        <m:dPr>
+                          <m:ctrlPr>
+                            <a:rPr lang="fr-FR" sz="2400" b="0" i="1" smtClean="0">
+                              <a:solidFill>
+                                <a:srgbClr val="FF0000"/>
+                              </a:solidFill>
+                              <a:latin typeface="Cambria Math" panose="02040503050406030204" pitchFamily="18" charset="0"/>
+                            </a:rPr>
+                          </m:ctrlPr>
+                        </m:dPr>
+                        <m:e>
+                          <m:r>
+                            <a:rPr lang="fr-FR" sz="2400" b="0" i="1" smtClean="0">
+                              <a:solidFill>
+                                <a:srgbClr val="FF0000"/>
+                              </a:solidFill>
+                              <a:latin typeface="Cambria Math" panose="02040503050406030204" pitchFamily="18" charset="0"/>
+                            </a:rPr>
+                            <m:t>𝑥</m:t>
+                          </m:r>
+                        </m:e>
+                      </m:d>
+                      <m:r>
+                        <a:rPr lang="fr-FR" sz="2400" b="0" i="1" smtClean="0">
+                          <a:solidFill>
+                            <a:srgbClr val="FF0000"/>
+                          </a:solidFill>
+                          <a:latin typeface="Cambria Math" panose="02040503050406030204" pitchFamily="18" charset="0"/>
+                        </a:rPr>
+                        <m:t>=6</m:t>
+                      </m:r>
+                      <m:r>
+                        <a:rPr lang="fr-FR" sz="2400" b="0" i="1" smtClean="0">
+                          <a:solidFill>
+                            <a:srgbClr val="FF0000"/>
+                          </a:solidFill>
+                          <a:latin typeface="Cambria Math" panose="02040503050406030204" pitchFamily="18" charset="0"/>
+                        </a:rPr>
+                        <m:t>𝑥</m:t>
+                      </m:r>
+                      <m:r>
+                        <a:rPr lang="fr-FR" sz="2400" b="0" i="1" smtClean="0">
+                          <a:solidFill>
+                            <a:srgbClr val="FF0000"/>
+                          </a:solidFill>
+                          <a:latin typeface="Cambria Math" panose="02040503050406030204" pitchFamily="18" charset="0"/>
+                        </a:rPr>
+                        <m:t>+5</m:t>
+                      </m:r>
+                    </m:oMath>
+                  </m:oMathPara>
+                </a14:m>
+                <a:endParaRPr lang="fr-FR" sz="2400" b="0" dirty="0" smtClean="0">
+                  <a:solidFill>
+                    <a:srgbClr val="FF0000"/>
+                  </a:solidFill>
+                </a:endParaRPr>
+              </a:p>
+              <a:p>
+                <a14:m>
+                  <m:oMathPara xmlns:m="http://schemas.openxmlformats.org/officeDocument/2006/math">
+                    <m:oMathParaPr>
+                      <m:jc m:val="centerGroup"/>
+                    </m:oMathParaPr>
+                    <m:oMath xmlns:m="http://schemas.openxmlformats.org/officeDocument/2006/math">
+                      <m:sSup>
+                        <m:sSupPr>
+                          <m:ctrlPr>
+                            <a:rPr lang="fr-FR" sz="2400" b="0" i="1" smtClean="0">
+                              <a:solidFill>
+                                <a:srgbClr val="FF0000"/>
+                              </a:solidFill>
+                              <a:latin typeface="Cambria Math" panose="02040503050406030204" pitchFamily="18" charset="0"/>
+                            </a:rPr>
+                          </m:ctrlPr>
+                        </m:sSupPr>
+                        <m:e>
+                          <m:r>
+                            <a:rPr lang="fr-FR" sz="2400" b="0" i="1" smtClean="0">
+                              <a:solidFill>
+                                <a:srgbClr val="FF0000"/>
+                              </a:solidFill>
+                              <a:latin typeface="Cambria Math" panose="02040503050406030204" pitchFamily="18" charset="0"/>
+                            </a:rPr>
+                            <m:t>h</m:t>
+                          </m:r>
+                        </m:e>
+                        <m:sup>
+                          <m:r>
+                            <a:rPr lang="fr-FR" sz="2400" b="0" i="1" smtClean="0">
+                              <a:solidFill>
+                                <a:srgbClr val="FF0000"/>
+                              </a:solidFill>
+                              <a:latin typeface="Cambria Math" panose="02040503050406030204" pitchFamily="18" charset="0"/>
+                            </a:rPr>
+                            <m:t>′</m:t>
+                          </m:r>
+                        </m:sup>
+                      </m:sSup>
+                      <m:d>
+                        <m:dPr>
+                          <m:ctrlPr>
+                            <a:rPr lang="fr-FR" sz="2400" b="0" i="1" smtClean="0">
+                              <a:solidFill>
+                                <a:srgbClr val="FF0000"/>
+                              </a:solidFill>
+                              <a:latin typeface="Cambria Math" panose="02040503050406030204" pitchFamily="18" charset="0"/>
+                            </a:rPr>
+                          </m:ctrlPr>
+                        </m:dPr>
+                        <m:e>
+                          <m:r>
+                            <a:rPr lang="fr-FR" sz="2400" b="0" i="1" smtClean="0">
+                              <a:solidFill>
+                                <a:srgbClr val="FF0000"/>
+                              </a:solidFill>
+                              <a:latin typeface="Cambria Math" panose="02040503050406030204" pitchFamily="18" charset="0"/>
+                            </a:rPr>
+                            <m:t>𝑥</m:t>
+                          </m:r>
+                        </m:e>
+                      </m:d>
+                      <m:r>
+                        <a:rPr lang="fr-FR" sz="2400" b="0" i="1" smtClean="0">
+                          <a:solidFill>
+                            <a:srgbClr val="FF0000"/>
+                          </a:solidFill>
+                          <a:latin typeface="Cambria Math" panose="02040503050406030204" pitchFamily="18" charset="0"/>
+                        </a:rPr>
+                        <m:t>=2</m:t>
+                      </m:r>
+                      <m:r>
+                        <a:rPr lang="fr-FR" sz="2400" b="0" i="1" smtClean="0">
+                          <a:solidFill>
+                            <a:srgbClr val="FF0000"/>
+                          </a:solidFill>
+                          <a:latin typeface="Cambria Math" panose="02040503050406030204" pitchFamily="18" charset="0"/>
+                        </a:rPr>
+                        <m:t>𝑎𝑥</m:t>
+                      </m:r>
+                      <m:r>
+                        <a:rPr lang="fr-FR" sz="2400" b="0" i="1" smtClean="0">
+                          <a:solidFill>
+                            <a:srgbClr val="FF0000"/>
+                          </a:solidFill>
+                          <a:latin typeface="Cambria Math" panose="02040503050406030204" pitchFamily="18" charset="0"/>
+                        </a:rPr>
+                        <m:t>+</m:t>
+                      </m:r>
+                      <m:r>
+                        <a:rPr lang="fr-FR" sz="2400" b="0" i="1" smtClean="0">
+                          <a:solidFill>
+                            <a:srgbClr val="FF0000"/>
+                          </a:solidFill>
+                          <a:latin typeface="Cambria Math" panose="02040503050406030204" pitchFamily="18" charset="0"/>
+                        </a:rPr>
+                        <m:t>𝑏</m:t>
+                      </m:r>
+                    </m:oMath>
+                  </m:oMathPara>
+                </a14:m>
+                <a:endParaRPr lang="fr-FR" sz="2400" b="0" dirty="0" smtClean="0">
+                  <a:solidFill>
+                    <a:srgbClr val="FF0000"/>
+                  </a:solidFill>
+                </a:endParaRPr>
+              </a:p>
+              <a:p>
+                <a:endParaRPr lang="fr-FR" sz="2400" b="0" dirty="0" smtClean="0">
+                  <a:solidFill>
+                    <a:srgbClr val="FF0000"/>
+                  </a:solidFill>
+                </a:endParaRPr>
+              </a:p>
+              <a:p>
+                <a14:m>
+                  <m:oMathPara xmlns:m="http://schemas.openxmlformats.org/officeDocument/2006/math">
+                    <m:oMathParaPr>
+                      <m:jc m:val="centerGroup"/>
+                    </m:oMathParaPr>
+                    <m:oMath xmlns:m="http://schemas.openxmlformats.org/officeDocument/2006/math">
+                      <m:sSubSup>
+                        <m:sSubSupPr>
+                          <m:ctrlPr>
+                            <a:rPr lang="fr-FR" sz="2400" b="0" i="1" smtClean="0">
+                              <a:solidFill>
+                                <a:srgbClr val="FF0000"/>
+                              </a:solidFill>
+                              <a:latin typeface="Cambria Math" panose="02040503050406030204" pitchFamily="18" charset="0"/>
+                            </a:rPr>
+                          </m:ctrlPr>
+                        </m:sSubSupPr>
+                        <m:e>
+                          <m:r>
+                            <a:rPr lang="fr-FR" sz="2400" b="0" i="1" smtClean="0">
+                              <a:solidFill>
+                                <a:srgbClr val="FF0000"/>
+                              </a:solidFill>
+                              <a:latin typeface="Cambria Math" panose="02040503050406030204" pitchFamily="18" charset="0"/>
+                            </a:rPr>
+                            <m:t>𝑓</m:t>
+                          </m:r>
+                        </m:e>
+                        <m:sub>
+                          <m:r>
+                            <a:rPr lang="fr-FR" sz="2400" b="0" i="1" smtClean="0">
+                              <a:solidFill>
+                                <a:srgbClr val="FF0000"/>
+                              </a:solidFill>
+                              <a:latin typeface="Cambria Math" panose="02040503050406030204" pitchFamily="18" charset="0"/>
+                            </a:rPr>
+                            <m:t>1</m:t>
+                          </m:r>
+                        </m:sub>
+                        <m:sup>
+                          <m:r>
+                            <a:rPr lang="fr-FR" sz="2400" b="0" i="1" smtClean="0">
+                              <a:solidFill>
+                                <a:srgbClr val="FF0000"/>
+                              </a:solidFill>
+                              <a:latin typeface="Cambria Math" panose="02040503050406030204" pitchFamily="18" charset="0"/>
+                            </a:rPr>
+                            <m:t>′</m:t>
+                          </m:r>
+                        </m:sup>
+                      </m:sSubSup>
+                      <m:d>
+                        <m:dPr>
+                          <m:ctrlPr>
+                            <a:rPr lang="fr-FR" sz="2400" b="0" i="1" smtClean="0">
+                              <a:solidFill>
+                                <a:srgbClr val="FF0000"/>
+                              </a:solidFill>
+                              <a:latin typeface="Cambria Math" panose="02040503050406030204" pitchFamily="18" charset="0"/>
+                            </a:rPr>
+                          </m:ctrlPr>
+                        </m:dPr>
+                        <m:e>
+                          <m:r>
+                            <a:rPr lang="fr-FR" sz="2400" b="0" i="1" smtClean="0">
+                              <a:solidFill>
+                                <a:srgbClr val="FF0000"/>
+                              </a:solidFill>
+                              <a:latin typeface="Cambria Math" panose="02040503050406030204" pitchFamily="18" charset="0"/>
+                            </a:rPr>
+                            <m:t>𝑥</m:t>
+                          </m:r>
+                        </m:e>
+                      </m:d>
+                      <m:r>
+                        <a:rPr lang="fr-FR" sz="2400" b="0" i="1" smtClean="0">
+                          <a:solidFill>
+                            <a:srgbClr val="FF0000"/>
+                          </a:solidFill>
+                          <a:latin typeface="Cambria Math" panose="02040503050406030204" pitchFamily="18" charset="0"/>
+                        </a:rPr>
+                        <m:t>=</m:t>
+                      </m:r>
+                      <m:f>
+                        <m:fPr>
+                          <m:ctrlPr>
+                            <a:rPr lang="fr-FR" sz="2400" b="0" i="1" smtClean="0">
+                              <a:solidFill>
+                                <a:srgbClr val="FF0000"/>
+                              </a:solidFill>
+                              <a:latin typeface="Cambria Math" panose="02040503050406030204" pitchFamily="18" charset="0"/>
+                            </a:rPr>
+                          </m:ctrlPr>
+                        </m:fPr>
+                        <m:num>
+                          <m:r>
+                            <a:rPr lang="fr-FR" sz="2400" b="0" i="1" smtClean="0">
+                              <a:solidFill>
+                                <a:srgbClr val="FF0000"/>
+                              </a:solidFill>
+                              <a:latin typeface="Cambria Math" panose="02040503050406030204" pitchFamily="18" charset="0"/>
+                            </a:rPr>
+                            <m:t>6</m:t>
+                          </m:r>
+                          <m:sSup>
+                            <m:sSupPr>
+                              <m:ctrlPr>
+                                <a:rPr lang="fr-FR" sz="2400" b="0" i="1" smtClean="0">
+                                  <a:solidFill>
+                                    <a:srgbClr val="FF0000"/>
+                                  </a:solidFill>
+                                  <a:latin typeface="Cambria Math" panose="02040503050406030204" pitchFamily="18" charset="0"/>
+                                </a:rPr>
+                              </m:ctrlPr>
+                            </m:sSupPr>
+                            <m:e>
+                              <m:r>
+                                <a:rPr lang="fr-FR" sz="2400" b="0" i="1" smtClean="0">
+                                  <a:solidFill>
+                                    <a:srgbClr val="FF0000"/>
+                                  </a:solidFill>
+                                  <a:latin typeface="Cambria Math" panose="02040503050406030204" pitchFamily="18" charset="0"/>
+                                </a:rPr>
+                                <m:t>𝑥</m:t>
+                              </m:r>
+                            </m:e>
+                            <m:sup>
+                              <m:r>
+                                <a:rPr lang="fr-FR" sz="2400" b="0" i="1" smtClean="0">
+                                  <a:solidFill>
+                                    <a:srgbClr val="FF0000"/>
+                                  </a:solidFill>
+                                  <a:latin typeface="Cambria Math" panose="02040503050406030204" pitchFamily="18" charset="0"/>
+                                </a:rPr>
+                                <m:t>2</m:t>
+                              </m:r>
+                            </m:sup>
+                          </m:sSup>
+                          <m:r>
+                            <a:rPr lang="fr-FR" sz="2400" b="0" i="1" smtClean="0">
+                              <a:solidFill>
+                                <a:srgbClr val="FF0000"/>
+                              </a:solidFill>
+                              <a:latin typeface="Cambria Math" panose="02040503050406030204" pitchFamily="18" charset="0"/>
+                            </a:rPr>
+                            <m:t>+8</m:t>
+                          </m:r>
+                          <m:r>
+                            <a:rPr lang="fr-FR" sz="2400" b="0" i="1" smtClean="0">
+                              <a:solidFill>
+                                <a:srgbClr val="FF0000"/>
+                              </a:solidFill>
+                              <a:latin typeface="Cambria Math" panose="02040503050406030204" pitchFamily="18" charset="0"/>
+                            </a:rPr>
+                            <m:t>𝑥</m:t>
+                          </m:r>
+                          <m:r>
+                            <a:rPr lang="fr-FR" sz="2400" b="0" i="1" smtClean="0">
+                              <a:solidFill>
+                                <a:srgbClr val="FF0000"/>
+                              </a:solidFill>
+                              <a:latin typeface="Cambria Math" panose="02040503050406030204" pitchFamily="18" charset="0"/>
+                            </a:rPr>
+                            <m:t>−31</m:t>
+                          </m:r>
+                        </m:num>
+                        <m:den>
+                          <m:sSup>
+                            <m:sSupPr>
+                              <m:ctrlPr>
+                                <a:rPr lang="fr-FR" sz="2400" b="0" i="1" smtClean="0">
+                                  <a:solidFill>
+                                    <a:srgbClr val="FF0000"/>
+                                  </a:solidFill>
+                                  <a:latin typeface="Cambria Math" panose="02040503050406030204" pitchFamily="18" charset="0"/>
+                                </a:rPr>
+                              </m:ctrlPr>
+                            </m:sSupPr>
+                            <m:e>
+                              <m:d>
+                                <m:dPr>
+                                  <m:ctrlPr>
+                                    <a:rPr lang="fr-FR" sz="2400" b="0" i="1" smtClean="0">
+                                      <a:solidFill>
+                                        <a:srgbClr val="FF0000"/>
+                                      </a:solidFill>
+                                      <a:latin typeface="Cambria Math" panose="02040503050406030204" pitchFamily="18" charset="0"/>
+                                    </a:rPr>
+                                  </m:ctrlPr>
+                                </m:dPr>
+                                <m:e>
+                                  <m:r>
+                                    <a:rPr lang="fr-FR" sz="2400" b="0" i="1" smtClean="0">
+                                      <a:solidFill>
+                                        <a:srgbClr val="FF0000"/>
+                                      </a:solidFill>
+                                      <a:latin typeface="Cambria Math" panose="02040503050406030204" pitchFamily="18" charset="0"/>
+                                    </a:rPr>
+                                    <m:t>3</m:t>
+                                  </m:r>
+                                  <m:r>
+                                    <a:rPr lang="fr-FR" sz="2400" b="0" i="1" smtClean="0">
+                                      <a:solidFill>
+                                        <a:srgbClr val="FF0000"/>
+                                      </a:solidFill>
+                                      <a:latin typeface="Cambria Math" panose="02040503050406030204" pitchFamily="18" charset="0"/>
+                                    </a:rPr>
+                                    <m:t>𝑥</m:t>
+                                  </m:r>
+                                  <m:r>
+                                    <a:rPr lang="fr-FR" sz="2400" b="0" i="1" smtClean="0">
+                                      <a:solidFill>
+                                        <a:srgbClr val="FF0000"/>
+                                      </a:solidFill>
+                                      <a:latin typeface="Cambria Math" panose="02040503050406030204" pitchFamily="18" charset="0"/>
+                                    </a:rPr>
+                                    <m:t>+2</m:t>
+                                  </m:r>
+                                </m:e>
+                              </m:d>
+                            </m:e>
+                            <m:sup>
+                              <m:r>
+                                <a:rPr lang="fr-FR" sz="2400" b="0" i="1" smtClean="0">
+                                  <a:solidFill>
+                                    <a:srgbClr val="FF0000"/>
+                                  </a:solidFill>
+                                  <a:latin typeface="Cambria Math" panose="02040503050406030204" pitchFamily="18" charset="0"/>
+                                </a:rPr>
+                                <m:t>2</m:t>
+                              </m:r>
+                            </m:sup>
+                          </m:sSup>
+                        </m:den>
+                      </m:f>
+                    </m:oMath>
+                  </m:oMathPara>
+                </a14:m>
+                <a:endParaRPr lang="fr-FR" sz="2400" dirty="0" smtClean="0">
+                  <a:solidFill>
+                    <a:srgbClr val="FF0000"/>
+                  </a:solidFill>
+                </a:endParaRPr>
+              </a:p>
+              <a:p>
+                <a:endParaRPr lang="fr-FR" sz="2400" dirty="0" smtClean="0">
+                  <a:solidFill>
+                    <a:srgbClr val="FF0000"/>
+                  </a:solidFill>
+                </a:endParaRPr>
+              </a:p>
+              <a:p>
+                <a14:m>
+                  <m:oMathPara xmlns:m="http://schemas.openxmlformats.org/officeDocument/2006/math">
+                    <m:oMathParaPr>
+                      <m:jc m:val="centerGroup"/>
+                    </m:oMathParaPr>
+                    <m:oMath xmlns:m="http://schemas.openxmlformats.org/officeDocument/2006/math">
+                      <m:sSubSup>
+                        <m:sSubSupPr>
+                          <m:ctrlPr>
+                            <a:rPr lang="fr-FR" sz="2400" b="0" i="1" smtClean="0">
+                              <a:solidFill>
+                                <a:srgbClr val="FF0000"/>
+                              </a:solidFill>
+                              <a:latin typeface="Cambria Math" panose="02040503050406030204" pitchFamily="18" charset="0"/>
+                            </a:rPr>
+                          </m:ctrlPr>
+                        </m:sSubSupPr>
+                        <m:e>
+                          <m:r>
+                            <a:rPr lang="fr-FR" sz="2400" b="0" i="1" smtClean="0">
+                              <a:solidFill>
+                                <a:srgbClr val="FF0000"/>
+                              </a:solidFill>
+                              <a:latin typeface="Cambria Math" panose="02040503050406030204" pitchFamily="18" charset="0"/>
+                            </a:rPr>
+                            <m:t>𝑓</m:t>
+                          </m:r>
+                        </m:e>
+                        <m:sub>
+                          <m:r>
+                            <a:rPr lang="fr-FR" sz="2400" b="0" i="1" smtClean="0">
+                              <a:solidFill>
+                                <a:srgbClr val="FF0000"/>
+                              </a:solidFill>
+                              <a:latin typeface="Cambria Math" panose="02040503050406030204" pitchFamily="18" charset="0"/>
+                            </a:rPr>
+                            <m:t>2</m:t>
+                          </m:r>
+                        </m:sub>
+                        <m:sup>
+                          <m:r>
+                            <a:rPr lang="fr-FR" sz="2400" b="0" i="1" smtClean="0">
+                              <a:solidFill>
+                                <a:srgbClr val="FF0000"/>
+                              </a:solidFill>
+                              <a:latin typeface="Cambria Math" panose="02040503050406030204" pitchFamily="18" charset="0"/>
+                            </a:rPr>
+                            <m:t>′</m:t>
+                          </m:r>
+                        </m:sup>
+                      </m:sSubSup>
+                      <m:r>
+                        <a:rPr lang="fr-FR" sz="2400" b="0" i="1" smtClean="0">
+                          <a:solidFill>
+                            <a:srgbClr val="FF0000"/>
+                          </a:solidFill>
+                          <a:latin typeface="Cambria Math" panose="02040503050406030204" pitchFamily="18" charset="0"/>
+                        </a:rPr>
+                        <m:t>=18</m:t>
+                      </m:r>
+                      <m:sSup>
+                        <m:sSupPr>
+                          <m:ctrlPr>
+                            <a:rPr lang="fr-FR" sz="2400" b="0" i="1" smtClean="0">
+                              <a:solidFill>
+                                <a:srgbClr val="FF0000"/>
+                              </a:solidFill>
+                              <a:latin typeface="Cambria Math" panose="02040503050406030204" pitchFamily="18" charset="0"/>
+                            </a:rPr>
+                          </m:ctrlPr>
+                        </m:sSupPr>
+                        <m:e>
+                          <m:r>
+                            <a:rPr lang="fr-FR" sz="2400" b="0" i="1" smtClean="0">
+                              <a:solidFill>
+                                <a:srgbClr val="FF0000"/>
+                              </a:solidFill>
+                              <a:latin typeface="Cambria Math" panose="02040503050406030204" pitchFamily="18" charset="0"/>
+                            </a:rPr>
+                            <m:t>(6</m:t>
+                          </m:r>
+                          <m:r>
+                            <a:rPr lang="fr-FR" sz="2400" b="0" i="1" smtClean="0">
+                              <a:solidFill>
+                                <a:srgbClr val="FF0000"/>
+                              </a:solidFill>
+                              <a:latin typeface="Cambria Math" panose="02040503050406030204" pitchFamily="18" charset="0"/>
+                            </a:rPr>
+                            <m:t>𝑥</m:t>
+                          </m:r>
+                          <m:r>
+                            <a:rPr lang="fr-FR" sz="2400" b="0" i="1" smtClean="0">
+                              <a:solidFill>
+                                <a:srgbClr val="FF0000"/>
+                              </a:solidFill>
+                              <a:latin typeface="Cambria Math" panose="02040503050406030204" pitchFamily="18" charset="0"/>
+                            </a:rPr>
+                            <m:t>+8)</m:t>
+                          </m:r>
+                        </m:e>
+                        <m:sup>
+                          <m:r>
+                            <a:rPr lang="fr-FR" sz="2400" b="0" i="1" smtClean="0">
+                              <a:solidFill>
+                                <a:srgbClr val="FF0000"/>
+                              </a:solidFill>
+                              <a:latin typeface="Cambria Math" panose="02040503050406030204" pitchFamily="18" charset="0"/>
+                            </a:rPr>
+                            <m:t>2</m:t>
+                          </m:r>
+                        </m:sup>
+                      </m:sSup>
+                    </m:oMath>
+                  </m:oMathPara>
+                </a14:m>
+                <a:endParaRPr lang="fr-FR" sz="2400" b="0" dirty="0" smtClean="0">
+                  <a:solidFill>
+                    <a:srgbClr val="FF0000"/>
+                  </a:solidFill>
+                </a:endParaRPr>
+              </a:p>
+              <a:p>
+                <a:endParaRPr lang="fr-FR" sz="2400" b="0" dirty="0" smtClean="0">
+                  <a:solidFill>
+                    <a:srgbClr val="FF0000"/>
+                  </a:solidFill>
+                </a:endParaRPr>
+              </a:p>
+              <a:p>
+                <a14:m>
+                  <m:oMathPara xmlns:m="http://schemas.openxmlformats.org/officeDocument/2006/math">
+                    <m:oMathParaPr>
+                      <m:jc m:val="centerGroup"/>
+                    </m:oMathParaPr>
+                    <m:oMath xmlns:m="http://schemas.openxmlformats.org/officeDocument/2006/math">
+                      <m:sSubSup>
+                        <m:sSubSupPr>
+                          <m:ctrlPr>
+                            <a:rPr lang="fr-FR" sz="2400" b="0" i="1" smtClean="0">
+                              <a:solidFill>
+                                <a:srgbClr val="FF0000"/>
+                              </a:solidFill>
+                              <a:latin typeface="Cambria Math" panose="02040503050406030204" pitchFamily="18" charset="0"/>
+                            </a:rPr>
+                          </m:ctrlPr>
+                        </m:sSubSupPr>
+                        <m:e>
+                          <m:r>
+                            <a:rPr lang="fr-FR" sz="2400" b="0" i="1" smtClean="0">
+                              <a:solidFill>
+                                <a:srgbClr val="FF0000"/>
+                              </a:solidFill>
+                              <a:latin typeface="Cambria Math" panose="02040503050406030204" pitchFamily="18" charset="0"/>
+                            </a:rPr>
+                            <m:t>𝑓</m:t>
+                          </m:r>
+                        </m:e>
+                        <m:sub>
+                          <m:r>
+                            <a:rPr lang="fr-FR" sz="2400" b="0" i="1" smtClean="0">
+                              <a:solidFill>
+                                <a:srgbClr val="FF0000"/>
+                              </a:solidFill>
+                              <a:latin typeface="Cambria Math" panose="02040503050406030204" pitchFamily="18" charset="0"/>
+                            </a:rPr>
+                            <m:t>3</m:t>
+                          </m:r>
+                        </m:sub>
+                        <m:sup>
+                          <m:r>
+                            <a:rPr lang="fr-FR" sz="2400" b="0" i="1" smtClean="0">
+                              <a:solidFill>
+                                <a:srgbClr val="FF0000"/>
+                              </a:solidFill>
+                              <a:latin typeface="Cambria Math" panose="02040503050406030204" pitchFamily="18" charset="0"/>
+                            </a:rPr>
+                            <m:t>′</m:t>
+                          </m:r>
+                        </m:sup>
+                      </m:sSubSup>
+                      <m:d>
+                        <m:dPr>
+                          <m:ctrlPr>
+                            <a:rPr lang="fr-FR" sz="2400" b="0" i="1" smtClean="0">
+                              <a:solidFill>
+                                <a:srgbClr val="FF0000"/>
+                              </a:solidFill>
+                              <a:latin typeface="Cambria Math" panose="02040503050406030204" pitchFamily="18" charset="0"/>
+                            </a:rPr>
+                          </m:ctrlPr>
+                        </m:dPr>
+                        <m:e>
+                          <m:r>
+                            <a:rPr lang="fr-FR" sz="2400" b="0" i="1" smtClean="0">
+                              <a:solidFill>
+                                <a:srgbClr val="FF0000"/>
+                              </a:solidFill>
+                              <a:latin typeface="Cambria Math" panose="02040503050406030204" pitchFamily="18" charset="0"/>
+                            </a:rPr>
+                            <m:t>𝑥</m:t>
+                          </m:r>
+                        </m:e>
+                      </m:d>
+                      <m:r>
+                        <a:rPr lang="fr-FR" sz="2400" b="0" i="1" smtClean="0">
+                          <a:solidFill>
+                            <a:srgbClr val="FF0000"/>
+                          </a:solidFill>
+                          <a:latin typeface="Cambria Math" panose="02040503050406030204" pitchFamily="18" charset="0"/>
+                        </a:rPr>
+                        <m:t>=</m:t>
+                      </m:r>
+                      <m:f>
+                        <m:fPr>
+                          <m:ctrlPr>
+                            <a:rPr lang="fr-FR" sz="2400" b="0" i="1" smtClean="0">
+                              <a:solidFill>
+                                <a:srgbClr val="FF0000"/>
+                              </a:solidFill>
+                              <a:latin typeface="Cambria Math" panose="02040503050406030204" pitchFamily="18" charset="0"/>
+                            </a:rPr>
+                          </m:ctrlPr>
+                        </m:fPr>
+                        <m:num>
+                          <m:r>
+                            <a:rPr lang="fr-FR" sz="2400" b="0" i="1" smtClean="0">
+                              <a:solidFill>
+                                <a:srgbClr val="FF0000"/>
+                              </a:solidFill>
+                              <a:latin typeface="Cambria Math" panose="02040503050406030204" pitchFamily="18" charset="0"/>
+                            </a:rPr>
+                            <m:t>8</m:t>
+                          </m:r>
+                          <m:sSup>
+                            <m:sSupPr>
+                              <m:ctrlPr>
+                                <a:rPr lang="fr-FR" sz="2400" b="0" i="1" smtClean="0">
+                                  <a:solidFill>
+                                    <a:srgbClr val="FF0000"/>
+                                  </a:solidFill>
+                                  <a:latin typeface="Cambria Math" panose="02040503050406030204" pitchFamily="18" charset="0"/>
+                                </a:rPr>
+                              </m:ctrlPr>
+                            </m:sSupPr>
+                            <m:e>
+                              <m:r>
+                                <a:rPr lang="fr-FR" sz="2400" b="0" i="1" smtClean="0">
+                                  <a:solidFill>
+                                    <a:srgbClr val="FF0000"/>
+                                  </a:solidFill>
+                                  <a:latin typeface="Cambria Math" panose="02040503050406030204" pitchFamily="18" charset="0"/>
+                                </a:rPr>
+                                <m:t>𝑥</m:t>
+                              </m:r>
+                            </m:e>
+                            <m:sup>
+                              <m:r>
+                                <a:rPr lang="fr-FR" sz="2400" b="0" i="1" smtClean="0">
+                                  <a:solidFill>
+                                    <a:srgbClr val="FF0000"/>
+                                  </a:solidFill>
+                                  <a:latin typeface="Cambria Math" panose="02040503050406030204" pitchFamily="18" charset="0"/>
+                                </a:rPr>
+                                <m:t>3</m:t>
+                              </m:r>
+                            </m:sup>
+                          </m:sSup>
+                          <m:r>
+                            <a:rPr lang="fr-FR" sz="2400" b="0" i="1" smtClean="0">
+                              <a:solidFill>
+                                <a:srgbClr val="FF0000"/>
+                              </a:solidFill>
+                              <a:latin typeface="Cambria Math" panose="02040503050406030204" pitchFamily="18" charset="0"/>
+                            </a:rPr>
+                            <m:t>−5</m:t>
+                          </m:r>
+                          <m:sSup>
+                            <m:sSupPr>
+                              <m:ctrlPr>
+                                <a:rPr lang="fr-FR" sz="2400" b="0" i="1" smtClean="0">
+                                  <a:solidFill>
+                                    <a:srgbClr val="FF0000"/>
+                                  </a:solidFill>
+                                  <a:latin typeface="Cambria Math" panose="02040503050406030204" pitchFamily="18" charset="0"/>
+                                </a:rPr>
+                              </m:ctrlPr>
+                            </m:sSupPr>
+                            <m:e>
+                              <m:r>
+                                <a:rPr lang="fr-FR" sz="2400" b="0" i="1" smtClean="0">
+                                  <a:solidFill>
+                                    <a:srgbClr val="FF0000"/>
+                                  </a:solidFill>
+                                  <a:latin typeface="Cambria Math" panose="02040503050406030204" pitchFamily="18" charset="0"/>
+                                </a:rPr>
+                                <m:t>𝑥</m:t>
+                              </m:r>
+                            </m:e>
+                            <m:sup>
+                              <m:f>
+                                <m:fPr>
+                                  <m:type m:val="lin"/>
+                                  <m:ctrlPr>
+                                    <a:rPr lang="fr-FR" sz="2400" b="0" i="1" smtClean="0">
+                                      <a:solidFill>
+                                        <a:srgbClr val="FF0000"/>
+                                      </a:solidFill>
+                                      <a:latin typeface="Cambria Math" panose="02040503050406030204" pitchFamily="18" charset="0"/>
+                                    </a:rPr>
+                                  </m:ctrlPr>
+                                </m:fPr>
+                                <m:num>
+                                  <m:r>
+                                    <a:rPr lang="fr-FR" sz="2400" b="0" i="1" smtClean="0">
+                                      <a:solidFill>
+                                        <a:srgbClr val="FF0000"/>
+                                      </a:solidFill>
+                                      <a:latin typeface="Cambria Math" panose="02040503050406030204" pitchFamily="18" charset="0"/>
+                                    </a:rPr>
+                                    <m:t>5</m:t>
+                                  </m:r>
+                                </m:num>
+                                <m:den>
+                                  <m:r>
+                                    <a:rPr lang="fr-FR" sz="2400" b="0" i="1" smtClean="0">
+                                      <a:solidFill>
+                                        <a:srgbClr val="FF0000"/>
+                                      </a:solidFill>
+                                      <a:latin typeface="Cambria Math" panose="02040503050406030204" pitchFamily="18" charset="0"/>
+                                    </a:rPr>
+                                    <m:t>2</m:t>
+                                  </m:r>
+                                </m:den>
+                              </m:f>
+                            </m:sup>
+                          </m:sSup>
+                          <m:r>
+                            <a:rPr lang="fr-FR" sz="2400" b="0" i="1" smtClean="0">
+                              <a:solidFill>
+                                <a:srgbClr val="FF0000"/>
+                              </a:solidFill>
+                              <a:latin typeface="Cambria Math" panose="02040503050406030204" pitchFamily="18" charset="0"/>
+                            </a:rPr>
+                            <m:t>−</m:t>
+                          </m:r>
+                          <m:rad>
+                            <m:radPr>
+                              <m:degHide m:val="on"/>
+                              <m:ctrlPr>
+                                <a:rPr lang="fr-FR" sz="2400" b="0" i="1" smtClean="0">
+                                  <a:solidFill>
+                                    <a:srgbClr val="FF0000"/>
+                                  </a:solidFill>
+                                  <a:latin typeface="Cambria Math" panose="02040503050406030204" pitchFamily="18" charset="0"/>
+                                </a:rPr>
+                              </m:ctrlPr>
+                            </m:radPr>
+                            <m:deg/>
+                            <m:e>
+                              <m:r>
+                                <a:rPr lang="fr-FR" sz="2400" b="0" i="1" smtClean="0">
+                                  <a:solidFill>
+                                    <a:srgbClr val="FF0000"/>
+                                  </a:solidFill>
+                                  <a:latin typeface="Cambria Math" panose="02040503050406030204" pitchFamily="18" charset="0"/>
+                                </a:rPr>
+                                <m:t>𝑥</m:t>
+                              </m:r>
+                            </m:e>
+                          </m:rad>
+                        </m:num>
+                        <m:den>
+                          <m:sSup>
+                            <m:sSupPr>
+                              <m:ctrlPr>
+                                <a:rPr lang="fr-FR" sz="2400" b="0" i="1" smtClean="0">
+                                  <a:solidFill>
+                                    <a:srgbClr val="FF0000"/>
+                                  </a:solidFill>
+                                  <a:latin typeface="Cambria Math" panose="02040503050406030204" pitchFamily="18" charset="0"/>
+                                </a:rPr>
+                              </m:ctrlPr>
+                            </m:sSupPr>
+                            <m:e>
+                              <m:r>
+                                <a:rPr lang="fr-FR" sz="2400" b="0" i="1" smtClean="0">
+                                  <a:solidFill>
+                                    <a:srgbClr val="FF0000"/>
+                                  </a:solidFill>
+                                  <a:latin typeface="Cambria Math" panose="02040503050406030204" pitchFamily="18" charset="0"/>
+                                </a:rPr>
+                                <m:t>(2</m:t>
+                              </m:r>
+                              <m:r>
+                                <a:rPr lang="fr-FR" sz="2400" b="0" i="1" smtClean="0">
+                                  <a:solidFill>
+                                    <a:srgbClr val="FF0000"/>
+                                  </a:solidFill>
+                                  <a:latin typeface="Cambria Math" panose="02040503050406030204" pitchFamily="18" charset="0"/>
+                                </a:rPr>
+                                <m:t>𝑥</m:t>
+                              </m:r>
+                              <m:r>
+                                <a:rPr lang="fr-FR" sz="2400" b="0" i="1" smtClean="0">
+                                  <a:solidFill>
+                                    <a:srgbClr val="FF0000"/>
+                                  </a:solidFill>
+                                  <a:latin typeface="Cambria Math" panose="02040503050406030204" pitchFamily="18" charset="0"/>
+                                </a:rPr>
+                                <m:t>−</m:t>
+                              </m:r>
+                              <m:rad>
+                                <m:radPr>
+                                  <m:degHide m:val="on"/>
+                                  <m:ctrlPr>
+                                    <a:rPr lang="fr-FR" sz="2400" b="0" i="1" smtClean="0">
+                                      <a:solidFill>
+                                        <a:srgbClr val="FF0000"/>
+                                      </a:solidFill>
+                                      <a:latin typeface="Cambria Math" panose="02040503050406030204" pitchFamily="18" charset="0"/>
+                                    </a:rPr>
+                                  </m:ctrlPr>
+                                </m:radPr>
+                                <m:deg/>
+                                <m:e>
+                                  <m:r>
+                                    <a:rPr lang="fr-FR" sz="2400" b="0" i="1" smtClean="0">
+                                      <a:solidFill>
+                                        <a:srgbClr val="FF0000"/>
+                                      </a:solidFill>
+                                      <a:latin typeface="Cambria Math" panose="02040503050406030204" pitchFamily="18" charset="0"/>
+                                    </a:rPr>
+                                    <m:t>𝑥</m:t>
+                                  </m:r>
+                                </m:e>
+                              </m:rad>
+                              <m:r>
+                                <a:rPr lang="fr-FR" sz="2400" b="0" i="1" smtClean="0">
+                                  <a:solidFill>
+                                    <a:srgbClr val="FF0000"/>
+                                  </a:solidFill>
+                                  <a:latin typeface="Cambria Math" panose="02040503050406030204" pitchFamily="18" charset="0"/>
+                                </a:rPr>
+                                <m:t>)</m:t>
+                              </m:r>
+                            </m:e>
+                            <m:sup>
+                              <m:r>
+                                <a:rPr lang="fr-FR" sz="2400" b="0" i="1" smtClean="0">
+                                  <a:solidFill>
+                                    <a:srgbClr val="FF0000"/>
+                                  </a:solidFill>
+                                  <a:latin typeface="Cambria Math" panose="02040503050406030204" pitchFamily="18" charset="0"/>
+                                </a:rPr>
+                                <m:t>2</m:t>
+                              </m:r>
+                            </m:sup>
+                          </m:sSup>
+                        </m:den>
+                      </m:f>
+                    </m:oMath>
+                  </m:oMathPara>
+                </a14:m>
+                <a:endParaRPr lang="fr-FR" sz="2400" dirty="0"/>
+              </a:p>
+            </p:txBody>
+          </p:sp>
+        </mc:Choice>
+        <mc:Fallback>
+          <p:sp>
+            <p:nvSpPr>
+              <p:cNvPr id="2" name="ZoneTexte 1"/>
+              <p:cNvSpPr txBox="1">
+                <a:spLocks noRot="1" noChangeAspect="1" noMove="1" noResize="1" noEditPoints="1" noAdjustHandles="1" noChangeArrowheads="1" noChangeShapeType="1" noTextEdit="1"/>
+              </p:cNvSpPr>
+              <p:nvPr/>
+            </p:nvSpPr>
+            <p:spPr>
+              <a:xfrm>
+                <a:off x="6601417" y="2316291"/>
+                <a:ext cx="4000500" cy="4317016"/>
+              </a:xfrm>
+              <a:prstGeom prst="rect">
+                <a:avLst/>
+              </a:prstGeom>
+              <a:blipFill>
+                <a:blip r:embed="rId4"/>
+                <a:stretch>
+                  <a:fillRect/>
+                </a:stretch>
+              </a:blipFill>
+            </p:spPr>
+            <p:txBody>
+              <a:bodyPr/>
+              <a:lstStyle/>
+              <a:p>
+                <a:r>
+                  <a:rPr lang="fr-FR">
+                    <a:noFill/>
+                  </a:rPr>
+                  <a:t> </a:t>
+                </a:r>
+              </a:p>
+            </p:txBody>
+          </p:sp>
+        </mc:Fallback>
+      </mc:AlternateContent>
+    </p:spTree>
+    <p:extLst>
+      <p:ext uri="{BB962C8B-B14F-4D97-AF65-F5344CB8AC3E}">
+        <p14:creationId xmlns:p14="http://schemas.microsoft.com/office/powerpoint/2010/main" val="3949459379"/>
+      </p:ext>
+    </p:extLst>
+  </p:cSld>
+  <p:clrMapOvr>
+    <a:masterClrMapping/>
+  </p:clrMapOvr>
+  <p:timing>
+    <p:tnLst>
+      <p:par>
+        <p:cTn id="1" dur="indefinite" restart="never" nodeType="tmRoot">
+          <p:childTnLst>
+            <p:seq concurrent="1" nextAc="seek">
+              <p:cTn id="2" dur="indefinite" nodeType="mainSeq">
+                <p:childTnLst>
+                  <p:par>
+                    <p:cTn id="3" fill="hold">
+                      <p:stCondLst>
+                        <p:cond delay="indefinite"/>
+                      </p:stCondLst>
+                      <p:childTnLst>
+                        <p:par>
+                          <p:cTn id="4" fill="hold">
+                            <p:stCondLst>
+                              <p:cond delay="0"/>
+                            </p:stCondLst>
+                            <p:childTnLst>
+                              <p:par>
+                                <p:cTn id="5" presetID="1" presetClass="entr" presetSubtype="0" fill="hold" nodeType="clickEffect">
+                                  <p:stCondLst>
+                                    <p:cond delay="0"/>
+                                  </p:stCondLst>
+                                  <p:childTnLst>
+                                    <p:set>
+                                      <p:cBhvr>
+                                        <p:cTn id="6" dur="1" fill="hold">
+                                          <p:stCondLst>
+                                            <p:cond delay="0"/>
+                                          </p:stCondLst>
+                                        </p:cTn>
+                                        <p:tgtEl>
+                                          <p:spTgt spid="2">
+                                            <p:txEl>
+                                              <p:pRg st="0" end="0"/>
+                                            </p:txEl>
+                                          </p:spTgt>
+                                        </p:tgtEl>
+                                        <p:attrNameLst>
+                                          <p:attrName>style.visibility</p:attrName>
+                                        </p:attrNameLst>
+                                      </p:cBhvr>
+                                      <p:to>
+                                        <p:strVal val="visible"/>
+                                      </p:to>
+                                    </p:set>
+                                  </p:childTnLst>
+                                </p:cTn>
+                              </p:par>
+                            </p:childTnLst>
+                          </p:cTn>
+                        </p:par>
+                      </p:childTnLst>
+                    </p:cTn>
+                  </p:par>
+                  <p:par>
+                    <p:cTn id="7" fill="hold">
+                      <p:stCondLst>
+                        <p:cond delay="indefinite"/>
+                      </p:stCondLst>
+                      <p:childTnLst>
+                        <p:par>
+                          <p:cTn id="8" fill="hold">
+                            <p:stCondLst>
+                              <p:cond delay="0"/>
+                            </p:stCondLst>
+                            <p:childTnLst>
+                              <p:par>
+                                <p:cTn id="9" presetID="1" presetClass="entr" presetSubtype="0" fill="hold" nodeType="clickEffect">
+                                  <p:stCondLst>
+                                    <p:cond delay="0"/>
+                                  </p:stCondLst>
+                                  <p:childTnLst>
+                                    <p:set>
+                                      <p:cBhvr>
+                                        <p:cTn id="10" dur="1" fill="hold">
+                                          <p:stCondLst>
+                                            <p:cond delay="0"/>
+                                          </p:stCondLst>
+                                        </p:cTn>
+                                        <p:tgtEl>
+                                          <p:spTgt spid="2">
+                                            <p:txEl>
+                                              <p:pRg st="1" end="1"/>
+                                            </p:txEl>
+                                          </p:spTgt>
+                                        </p:tgtEl>
+                                        <p:attrNameLst>
+                                          <p:attrName>style.visibility</p:attrName>
+                                        </p:attrNameLst>
+                                      </p:cBhvr>
+                                      <p:to>
+                                        <p:strVal val="visible"/>
+                                      </p:to>
+                                    </p:set>
+                                  </p:childTnLst>
+                                </p:cTn>
+                              </p:par>
+                            </p:childTnLst>
+                          </p:cTn>
+                        </p:par>
+                      </p:childTnLst>
+                    </p:cTn>
+                  </p:par>
+                  <p:par>
+                    <p:cTn id="11" fill="hold">
+                      <p:stCondLst>
+                        <p:cond delay="indefinite"/>
+                      </p:stCondLst>
+                      <p:childTnLst>
+                        <p:par>
+                          <p:cTn id="12" fill="hold">
+                            <p:stCondLst>
+                              <p:cond delay="0"/>
+                            </p:stCondLst>
+                            <p:childTnLst>
+                              <p:par>
+                                <p:cTn id="13" presetID="1" presetClass="entr" presetSubtype="0" fill="hold" nodeType="clickEffect">
+                                  <p:stCondLst>
+                                    <p:cond delay="0"/>
+                                  </p:stCondLst>
+                                  <p:childTnLst>
+                                    <p:set>
+                                      <p:cBhvr>
+                                        <p:cTn id="14" dur="1" fill="hold">
+                                          <p:stCondLst>
+                                            <p:cond delay="0"/>
+                                          </p:stCondLst>
+                                        </p:cTn>
+                                        <p:tgtEl>
+                                          <p:spTgt spid="2">
+                                            <p:txEl>
+                                              <p:pRg st="2" end="2"/>
+                                            </p:txEl>
+                                          </p:spTgt>
+                                        </p:tgtEl>
+                                        <p:attrNameLst>
+                                          <p:attrName>style.visibility</p:attrName>
+                                        </p:attrNameLst>
+                                      </p:cBhvr>
+                                      <p:to>
+                                        <p:strVal val="visible"/>
+                                      </p:to>
+                                    </p:set>
+                                  </p:childTnLst>
+                                </p:cTn>
+                              </p:par>
+                            </p:childTnLst>
+                          </p:cTn>
+                        </p:par>
+                      </p:childTnLst>
+                    </p:cTn>
+                  </p:par>
+                  <p:par>
+                    <p:cTn id="15" fill="hold">
+                      <p:stCondLst>
+                        <p:cond delay="indefinite"/>
+                      </p:stCondLst>
+                      <p:childTnLst>
+                        <p:par>
+                          <p:cTn id="16" fill="hold">
+                            <p:stCondLst>
+                              <p:cond delay="0"/>
+                            </p:stCondLst>
+                            <p:childTnLst>
+                              <p:par>
+                                <p:cTn id="17" presetID="1" presetClass="entr" presetSubtype="0" fill="hold" nodeType="clickEffect">
+                                  <p:stCondLst>
+                                    <p:cond delay="0"/>
+                                  </p:stCondLst>
+                                  <p:childTnLst>
+                                    <p:set>
+                                      <p:cBhvr>
+                                        <p:cTn id="18" dur="1" fill="hold">
+                                          <p:stCondLst>
+                                            <p:cond delay="0"/>
+                                          </p:stCondLst>
+                                        </p:cTn>
+                                        <p:tgtEl>
+                                          <p:spTgt spid="2">
+                                            <p:txEl>
+                                              <p:pRg st="4" end="4"/>
+                                            </p:txEl>
+                                          </p:spTgt>
+                                        </p:tgtEl>
+                                        <p:attrNameLst>
+                                          <p:attrName>style.visibility</p:attrName>
+                                        </p:attrNameLst>
+                                      </p:cBhvr>
+                                      <p:to>
+                                        <p:strVal val="visible"/>
+                                      </p:to>
+                                    </p:set>
+                                  </p:childTnLst>
+                                </p:cTn>
+                              </p:par>
+                            </p:childTnLst>
+                          </p:cTn>
+                        </p:par>
+                      </p:childTnLst>
+                    </p:cTn>
+                  </p:par>
+                  <p:par>
+                    <p:cTn id="19" fill="hold">
+                      <p:stCondLst>
+                        <p:cond delay="indefinite"/>
+                      </p:stCondLst>
+                      <p:childTnLst>
+                        <p:par>
+                          <p:cTn id="20" fill="hold">
+                            <p:stCondLst>
+                              <p:cond delay="0"/>
+                            </p:stCondLst>
+                            <p:childTnLst>
+                              <p:par>
+                                <p:cTn id="21" presetID="1" presetClass="entr" presetSubtype="0" fill="hold" nodeType="clickEffect">
+                                  <p:stCondLst>
+                                    <p:cond delay="0"/>
+                                  </p:stCondLst>
+                                  <p:childTnLst>
+                                    <p:set>
+                                      <p:cBhvr>
+                                        <p:cTn id="22" dur="1" fill="hold">
+                                          <p:stCondLst>
+                                            <p:cond delay="0"/>
+                                          </p:stCondLst>
+                                        </p:cTn>
+                                        <p:tgtEl>
+                                          <p:spTgt spid="2">
+                                            <p:txEl>
+                                              <p:pRg st="6" end="6"/>
+                                            </p:txEl>
+                                          </p:spTgt>
+                                        </p:tgtEl>
+                                        <p:attrNameLst>
+                                          <p:attrName>style.visibility</p:attrName>
+                                        </p:attrNameLst>
+                                      </p:cBhvr>
+                                      <p:to>
+                                        <p:strVal val="visible"/>
+                                      </p:to>
+                                    </p:set>
+                                  </p:childTnLst>
+                                </p:cTn>
+                              </p:par>
+                            </p:childTnLst>
+                          </p:cTn>
+                        </p:par>
+                      </p:childTnLst>
+                    </p:cTn>
+                  </p:par>
+                  <p:par>
+                    <p:cTn id="23" fill="hold">
+                      <p:stCondLst>
+                        <p:cond delay="indefinite"/>
+                      </p:stCondLst>
+                      <p:childTnLst>
+                        <p:par>
+                          <p:cTn id="24" fill="hold">
+                            <p:stCondLst>
+                              <p:cond delay="0"/>
+                            </p:stCondLst>
+                            <p:childTnLst>
+                              <p:par>
+                                <p:cTn id="25" presetID="1" presetClass="entr" presetSubtype="0" fill="hold" nodeType="clickEffect">
+                                  <p:stCondLst>
+                                    <p:cond delay="0"/>
+                                  </p:stCondLst>
+                                  <p:childTnLst>
+                                    <p:set>
+                                      <p:cBhvr>
+                                        <p:cTn id="26" dur="1" fill="hold">
+                                          <p:stCondLst>
+                                            <p:cond delay="0"/>
+                                          </p:stCondLst>
+                                        </p:cTn>
+                                        <p:tgtEl>
+                                          <p:spTgt spid="2">
+                                            <p:txEl>
+                                              <p:pRg st="8" end="8"/>
+                                            </p:txEl>
+                                          </p:spTgt>
+                                        </p:tgtEl>
+                                        <p:attrNameLst>
+                                          <p:attrName>style.visibility</p:attrName>
+                                        </p:attrNameLst>
+                                      </p:cBhvr>
+                                      <p:to>
+                                        <p:strVal val="visible"/>
+                                      </p:to>
+                                    </p:set>
+                                  </p:childTnLst>
+                                </p:cTn>
+                              </p:par>
+                            </p:childTnLst>
+                          </p:cTn>
+                        </p:par>
+                      </p:childTnLst>
+                    </p:cTn>
+                  </p:par>
+                </p:childTnLst>
+              </p:cTn>
+              <p:prevCondLst>
+                <p:cond evt="onPrev" delay="0">
+                  <p:tgtEl>
+                    <p:sldTgt/>
+                  </p:tgtEl>
+                </p:cond>
+              </p:prevCondLst>
+              <p:nextCondLst>
+                <p:cond evt="onNext" delay="0">
+                  <p:tgtEl>
+                    <p:sldTgt/>
+                  </p:tgtEl>
+                </p:cond>
+              </p:nextCondLst>
+            </p:seq>
+          </p:childTnLst>
+        </p:cTn>
+      </p:par>
+    </p:tnLst>
+  </p:timing>
+</p:sld>
+</file>
+
+<file path=ppt/slides/slide16.xml><?xml version="1.0" encoding="utf-8"?>
 <p:sld xmlns:a="http://schemas.openxmlformats.org/drawingml/2006/main" xmlns:r="http://schemas.openxmlformats.org/officeDocument/2006/relationships" xmlns:p="http://schemas.openxmlformats.org/presentationml/2006/main">
   <p:cSld>
     <p:spTree>
@@ -4227,7 +10853,7 @@
 </p:sld>
 </file>
 
-<file path=ppt/slides/slide13.xml><?xml version="1.0" encoding="utf-8"?>
+<file path=ppt/slides/slide17.xml><?xml version="1.0" encoding="utf-8"?>
 <p:sld xmlns:a="http://schemas.openxmlformats.org/drawingml/2006/main" xmlns:r="http://schemas.openxmlformats.org/officeDocument/2006/relationships" xmlns:p="http://schemas.openxmlformats.org/presentationml/2006/main">
   <p:cSld>
     <p:spTree>
@@ -4725,10 +11351,17 @@
   <p:clrMapOvr>
     <a:masterClrMapping/>
   </p:clrMapOvr>
+  <p:timing>
+    <p:tnLst>
+      <p:par>
+        <p:cTn id="1" dur="indefinite" restart="never" nodeType="tmRoot"/>
+      </p:par>
+    </p:tnLst>
+  </p:timing>
 </p:sld>
 </file>
 
-<file path=ppt/slides/slide14.xml><?xml version="1.0" encoding="utf-8"?>
+<file path=ppt/slides/slide18.xml><?xml version="1.0" encoding="utf-8"?>
 <p:sld xmlns:a="http://schemas.openxmlformats.org/drawingml/2006/main" xmlns:r="http://schemas.openxmlformats.org/officeDocument/2006/relationships" xmlns:p="http://schemas.openxmlformats.org/presentationml/2006/main">
   <p:cSld>
     <p:spTree>
@@ -5059,10 +11692,17 @@
   <p:clrMapOvr>
     <a:masterClrMapping/>
   </p:clrMapOvr>
+  <p:timing>
+    <p:tnLst>
+      <p:par>
+        <p:cTn id="1" dur="indefinite" restart="never" nodeType="tmRoot"/>
+      </p:par>
+    </p:tnLst>
+  </p:timing>
 </p:sld>
 </file>
 
-<file path=ppt/slides/slide15.xml><?xml version="1.0" encoding="utf-8"?>
+<file path=ppt/slides/slide19.xml><?xml version="1.0" encoding="utf-8"?>
 <p:sld xmlns:a="http://schemas.openxmlformats.org/drawingml/2006/main" xmlns:r="http://schemas.openxmlformats.org/officeDocument/2006/relationships" xmlns:p="http://schemas.openxmlformats.org/presentationml/2006/main">
   <p:cSld>
     <p:spTree>
@@ -5184,8 +11824,8 @@
           </a:prstGeom>
         </p:spPr>
       </p:pic>
-      <mc:AlternateContent xmlns:mc="http://schemas.openxmlformats.org/markup-compatibility/2006" xmlns:a14="http://schemas.microsoft.com/office/drawing/2010/main">
-        <mc:Choice Requires="a14">
+      <mc:AlternateContent xmlns:mc="http://schemas.openxmlformats.org/markup-compatibility/2006">
+        <mc:Choice xmlns:a14="http://schemas.microsoft.com/office/drawing/2010/main" Requires="a14">
           <p:sp>
             <p:nvSpPr>
               <p:cNvPr id="5" name="ZoneTexte 4"/>
@@ -5304,6 +11944,18 @@
                         </m:r>
                       </m:sup>
                     </m:sSup>
+                    <m:r>
+                      <a:rPr lang="fr-FR" sz="2800" b="0" i="1" smtClean="0">
+                        <a:latin typeface="Cambria Math" panose="02040503050406030204" pitchFamily="18" charset="0"/>
+                      </a:rPr>
+                      <m:t>−5</m:t>
+                    </m:r>
+                    <m:r>
+                      <a:rPr lang="fr-FR" sz="2800" b="0" i="1" smtClean="0">
+                        <a:latin typeface="Cambria Math" panose="02040503050406030204" pitchFamily="18" charset="0"/>
+                      </a:rPr>
+                      <m:t>𝑥</m:t>
+                    </m:r>
                   </m:oMath>
                 </a14:m>
                 <a:endParaRPr lang="fr-FR" sz="2800" dirty="0" smtClean="0"/>
@@ -5383,7 +12035,7 @@
             </p:txBody>
           </p:sp>
         </mc:Choice>
-        <mc:Fallback xmlns="">
+        <mc:Fallback>
           <p:sp>
             <p:nvSpPr>
               <p:cNvPr id="5" name="ZoneTexte 4"/>
@@ -5483,15 +12135,33 @@
                                   </p:childTnLst>
                                 </p:cTn>
                               </p:par>
+                            </p:childTnLst>
+                          </p:cTn>
+                        </p:par>
+                      </p:childTnLst>
+                    </p:cTn>
+                  </p:par>
+                  <p:par>
+                    <p:cTn id="7" fill="hold">
+                      <p:stCondLst>
+                        <p:cond delay="indefinite"/>
+                      </p:stCondLst>
+                      <p:childTnLst>
+                        <p:par>
+                          <p:cTn id="8" fill="hold">
+                            <p:stCondLst>
+                              <p:cond delay="0"/>
+                            </p:stCondLst>
+                            <p:childTnLst>
                               <p:par>
-                                <p:cTn id="7" presetID="1" presetClass="entr" presetSubtype="0" fill="hold" nodeType="withEffect">
+                                <p:cTn id="9" presetID="1" presetClass="entr" presetSubtype="0" fill="hold" nodeType="clickEffect">
                                   <p:stCondLst>
                                     <p:cond delay="0"/>
                                   </p:stCondLst>
                                   <p:childTnLst>
                                     <p:set>
                                       <p:cBhvr>
-                                        <p:cTn id="8" dur="1" fill="hold">
+                                        <p:cTn id="10" dur="1" fill="hold">
                                           <p:stCondLst>
                                             <p:cond delay="0"/>
                                           </p:stCondLst>
@@ -5514,15 +12184,33 @@
                                   </p:childTnLst>
                                 </p:cTn>
                               </p:par>
+                            </p:childTnLst>
+                          </p:cTn>
+                        </p:par>
+                      </p:childTnLst>
+                    </p:cTn>
+                  </p:par>
+                  <p:par>
+                    <p:cTn id="11" fill="hold">
+                      <p:stCondLst>
+                        <p:cond delay="indefinite"/>
+                      </p:stCondLst>
+                      <p:childTnLst>
+                        <p:par>
+                          <p:cTn id="12" fill="hold">
+                            <p:stCondLst>
+                              <p:cond delay="0"/>
+                            </p:stCondLst>
+                            <p:childTnLst>
                               <p:par>
-                                <p:cTn id="9" presetID="1" presetClass="entr" presetSubtype="0" fill="hold" nodeType="withEffect">
+                                <p:cTn id="13" presetID="1" presetClass="entr" presetSubtype="0" fill="hold" nodeType="clickEffect">
                                   <p:stCondLst>
                                     <p:cond delay="0"/>
                                   </p:stCondLst>
                                   <p:childTnLst>
                                     <p:set>
                                       <p:cBhvr>
-                                        <p:cTn id="10" dur="1" fill="hold">
+                                        <p:cTn id="14" dur="1" fill="hold">
                                           <p:stCondLst>
                                             <p:cond delay="0"/>
                                           </p:stCondLst>
@@ -5570,72 +12258,6 @@
             </p:seq>
           </p:childTnLst>
         </p:cTn>
-      </p:par>
-    </p:tnLst>
-  </p:timing>
-</p:sld>
-</file>
-
-<file path=ppt/slides/slide16.xml><?xml version="1.0" encoding="utf-8"?>
-<p:sld xmlns:a="http://schemas.openxmlformats.org/drawingml/2006/main" xmlns:r="http://schemas.openxmlformats.org/officeDocument/2006/relationships" xmlns:p="http://schemas.openxmlformats.org/presentationml/2006/main">
-  <p:cSld>
-    <p:spTree>
-      <p:nvGrpSpPr>
-        <p:cNvPr id="1" name=""/>
-        <p:cNvGrpSpPr/>
-        <p:nvPr/>
-      </p:nvGrpSpPr>
-      <p:grpSpPr>
-        <a:xfrm>
-          <a:off x="0" y="0"/>
-          <a:ext cx="0" cy="0"/>
-          <a:chOff x="0" y="0"/>
-          <a:chExt cx="0" cy="0"/>
-        </a:xfrm>
-      </p:grpSpPr>
-      <p:sp>
-        <p:nvSpPr>
-          <p:cNvPr id="2" name="Title 1">
-            <a:extLst>
-              <a:ext uri="{FF2B5EF4-FFF2-40B4-BE49-F238E27FC236}">
-                <a16:creationId xmlns:a16="http://schemas.microsoft.com/office/drawing/2014/main" id="{09270E71-5B83-3846-A3BA-B00FF702AFA4}"/>
-              </a:ext>
-            </a:extLst>
-          </p:cNvPr>
-          <p:cNvSpPr>
-            <a:spLocks noGrp="1"/>
-          </p:cNvSpPr>
-          <p:nvPr>
-            <p:ph type="ctrTitle"/>
-          </p:nvPr>
-        </p:nvSpPr>
-        <p:spPr/>
-        <p:txBody>
-          <a:bodyPr/>
-          <a:lstStyle/>
-          <a:p>
-            <a:r>
-              <a:rPr lang="fr-FR" dirty="0" smtClean="0"/>
-              <a:t>Questions ?</a:t>
-            </a:r>
-            <a:endParaRPr lang="fr-FR" dirty="0"/>
-          </a:p>
-        </p:txBody>
-      </p:sp>
-    </p:spTree>
-    <p:extLst>
-      <p:ext uri="{BB962C8B-B14F-4D97-AF65-F5344CB8AC3E}">
-        <p14:creationId xmlns:p14="http://schemas.microsoft.com/office/powerpoint/2010/main" val="171083929"/>
-      </p:ext>
-    </p:extLst>
-  </p:cSld>
-  <p:clrMapOvr>
-    <a:masterClrMapping/>
-  </p:clrMapOvr>
-  <p:timing>
-    <p:tnLst>
-      <p:par>
-        <p:cTn id="1" dur="indefinite" restart="never" nodeType="tmRoot"/>
       </p:par>
     </p:tnLst>
   </p:timing>
@@ -5976,6 +12598,244 @@
   <p:clrMapOvr>
     <a:masterClrMapping/>
   </p:clrMapOvr>
+  <p:timing>
+    <p:tnLst>
+      <p:par>
+        <p:cTn id="1" dur="indefinite" restart="never" nodeType="tmRoot">
+          <p:childTnLst>
+            <p:seq concurrent="1" nextAc="seek">
+              <p:cTn id="2" dur="indefinite" nodeType="mainSeq">
+                <p:childTnLst>
+                  <p:par>
+                    <p:cTn id="3" fill="hold">
+                      <p:stCondLst>
+                        <p:cond delay="indefinite"/>
+                      </p:stCondLst>
+                      <p:childTnLst>
+                        <p:par>
+                          <p:cTn id="4" fill="hold">
+                            <p:stCondLst>
+                              <p:cond delay="0"/>
+                            </p:stCondLst>
+                            <p:childTnLst>
+                              <p:par>
+                                <p:cTn id="5" presetID="1" presetClass="entr" presetSubtype="0" fill="hold" nodeType="clickEffect">
+                                  <p:stCondLst>
+                                    <p:cond delay="0"/>
+                                  </p:stCondLst>
+                                  <p:childTnLst>
+                                    <p:set>
+                                      <p:cBhvr>
+                                        <p:cTn id="6" dur="1" fill="hold">
+                                          <p:stCondLst>
+                                            <p:cond delay="0"/>
+                                          </p:stCondLst>
+                                        </p:cTn>
+                                        <p:tgtEl>
+                                          <p:spTgt spid="5">
+                                            <p:txEl>
+                                              <p:pRg st="5" end="5"/>
+                                            </p:txEl>
+                                          </p:spTgt>
+                                        </p:tgtEl>
+                                        <p:attrNameLst>
+                                          <p:attrName>style.visibility</p:attrName>
+                                        </p:attrNameLst>
+                                      </p:cBhvr>
+                                      <p:to>
+                                        <p:strVal val="visible"/>
+                                      </p:to>
+                                    </p:set>
+                                  </p:childTnLst>
+                                </p:cTn>
+                              </p:par>
+                              <p:par>
+                                <p:cTn id="7" presetID="1" presetClass="entr" presetSubtype="0" fill="hold" nodeType="withEffect">
+                                  <p:stCondLst>
+                                    <p:cond delay="0"/>
+                                  </p:stCondLst>
+                                  <p:childTnLst>
+                                    <p:set>
+                                      <p:cBhvr>
+                                        <p:cTn id="8" dur="1" fill="hold">
+                                          <p:stCondLst>
+                                            <p:cond delay="0"/>
+                                          </p:stCondLst>
+                                        </p:cTn>
+                                        <p:tgtEl>
+                                          <p:spTgt spid="5">
+                                            <p:txEl>
+                                              <p:pRg st="6" end="6"/>
+                                            </p:txEl>
+                                          </p:spTgt>
+                                        </p:tgtEl>
+                                        <p:attrNameLst>
+                                          <p:attrName>style.visibility</p:attrName>
+                                        </p:attrNameLst>
+                                      </p:cBhvr>
+                                      <p:to>
+                                        <p:strVal val="visible"/>
+                                      </p:to>
+                                    </p:set>
+                                  </p:childTnLst>
+                                </p:cTn>
+                              </p:par>
+                              <p:par>
+                                <p:cTn id="9" presetID="1" presetClass="entr" presetSubtype="0" fill="hold" nodeType="withEffect">
+                                  <p:stCondLst>
+                                    <p:cond delay="0"/>
+                                  </p:stCondLst>
+                                  <p:childTnLst>
+                                    <p:set>
+                                      <p:cBhvr>
+                                        <p:cTn id="10" dur="1" fill="hold">
+                                          <p:stCondLst>
+                                            <p:cond delay="0"/>
+                                          </p:stCondLst>
+                                        </p:cTn>
+                                        <p:tgtEl>
+                                          <p:spTgt spid="5">
+                                            <p:txEl>
+                                              <p:pRg st="7" end="7"/>
+                                            </p:txEl>
+                                          </p:spTgt>
+                                        </p:tgtEl>
+                                        <p:attrNameLst>
+                                          <p:attrName>style.visibility</p:attrName>
+                                        </p:attrNameLst>
+                                      </p:cBhvr>
+                                      <p:to>
+                                        <p:strVal val="visible"/>
+                                      </p:to>
+                                    </p:set>
+                                  </p:childTnLst>
+                                </p:cTn>
+                              </p:par>
+                              <p:par>
+                                <p:cTn id="11" presetID="1" presetClass="entr" presetSubtype="0" fill="hold" nodeType="withEffect">
+                                  <p:stCondLst>
+                                    <p:cond delay="0"/>
+                                  </p:stCondLst>
+                                  <p:childTnLst>
+                                    <p:set>
+                                      <p:cBhvr>
+                                        <p:cTn id="12" dur="1" fill="hold">
+                                          <p:stCondLst>
+                                            <p:cond delay="0"/>
+                                          </p:stCondLst>
+                                        </p:cTn>
+                                        <p:tgtEl>
+                                          <p:spTgt spid="5">
+                                            <p:txEl>
+                                              <p:pRg st="8" end="8"/>
+                                            </p:txEl>
+                                          </p:spTgt>
+                                        </p:tgtEl>
+                                        <p:attrNameLst>
+                                          <p:attrName>style.visibility</p:attrName>
+                                        </p:attrNameLst>
+                                      </p:cBhvr>
+                                      <p:to>
+                                        <p:strVal val="visible"/>
+                                      </p:to>
+                                    </p:set>
+                                  </p:childTnLst>
+                                </p:cTn>
+                              </p:par>
+                            </p:childTnLst>
+                          </p:cTn>
+                        </p:par>
+                      </p:childTnLst>
+                    </p:cTn>
+                  </p:par>
+                </p:childTnLst>
+              </p:cTn>
+              <p:prevCondLst>
+                <p:cond evt="onPrev" delay="0">
+                  <p:tgtEl>
+                    <p:sldTgt/>
+                  </p:tgtEl>
+                </p:cond>
+              </p:prevCondLst>
+              <p:nextCondLst>
+                <p:cond evt="onNext" delay="0">
+                  <p:tgtEl>
+                    <p:sldTgt/>
+                  </p:tgtEl>
+                </p:cond>
+              </p:nextCondLst>
+            </p:seq>
+          </p:childTnLst>
+        </p:cTn>
+      </p:par>
+    </p:tnLst>
+  </p:timing>
+</p:sld>
+</file>
+
+<file path=ppt/slides/slide20.xml><?xml version="1.0" encoding="utf-8"?>
+<p:sld xmlns:a="http://schemas.openxmlformats.org/drawingml/2006/main" xmlns:r="http://schemas.openxmlformats.org/officeDocument/2006/relationships" xmlns:p="http://schemas.openxmlformats.org/presentationml/2006/main">
+  <p:cSld>
+    <p:spTree>
+      <p:nvGrpSpPr>
+        <p:cNvPr id="1" name=""/>
+        <p:cNvGrpSpPr/>
+        <p:nvPr/>
+      </p:nvGrpSpPr>
+      <p:grpSpPr>
+        <a:xfrm>
+          <a:off x="0" y="0"/>
+          <a:ext cx="0" cy="0"/>
+          <a:chOff x="0" y="0"/>
+          <a:chExt cx="0" cy="0"/>
+        </a:xfrm>
+      </p:grpSpPr>
+      <p:sp>
+        <p:nvSpPr>
+          <p:cNvPr id="2" name="Title 1">
+            <a:extLst>
+              <a:ext uri="{FF2B5EF4-FFF2-40B4-BE49-F238E27FC236}">
+                <a16:creationId xmlns:a16="http://schemas.microsoft.com/office/drawing/2014/main" id="{09270E71-5B83-3846-A3BA-B00FF702AFA4}"/>
+              </a:ext>
+            </a:extLst>
+          </p:cNvPr>
+          <p:cNvSpPr>
+            <a:spLocks noGrp="1"/>
+          </p:cNvSpPr>
+          <p:nvPr>
+            <p:ph type="ctrTitle"/>
+          </p:nvPr>
+        </p:nvSpPr>
+        <p:spPr/>
+        <p:txBody>
+          <a:bodyPr/>
+          <a:lstStyle/>
+          <a:p>
+            <a:r>
+              <a:rPr lang="fr-FR" dirty="0" smtClean="0"/>
+              <a:t>Questions ?</a:t>
+            </a:r>
+            <a:endParaRPr lang="fr-FR" dirty="0"/>
+          </a:p>
+        </p:txBody>
+      </p:sp>
+    </p:spTree>
+    <p:extLst>
+      <p:ext uri="{BB962C8B-B14F-4D97-AF65-F5344CB8AC3E}">
+        <p14:creationId xmlns:p14="http://schemas.microsoft.com/office/powerpoint/2010/main" val="171083929"/>
+      </p:ext>
+    </p:extLst>
+  </p:cSld>
+  <p:clrMapOvr>
+    <a:masterClrMapping/>
+  </p:clrMapOvr>
+  <p:timing>
+    <p:tnLst>
+      <p:par>
+        <p:cTn id="1" dur="indefinite" restart="never" nodeType="tmRoot"/>
+      </p:par>
+    </p:tnLst>
+  </p:timing>
 </p:sld>
 </file>
 
@@ -7130,6 +13990,178 @@
   <p:clrMapOvr>
     <a:masterClrMapping/>
   </p:clrMapOvr>
+  <p:timing>
+    <p:tnLst>
+      <p:par>
+        <p:cTn id="1" dur="indefinite" restart="never" nodeType="tmRoot">
+          <p:childTnLst>
+            <p:seq concurrent="1" nextAc="seek">
+              <p:cTn id="2" dur="indefinite" nodeType="mainSeq">
+                <p:childTnLst>
+                  <p:par>
+                    <p:cTn id="3" fill="hold">
+                      <p:stCondLst>
+                        <p:cond delay="indefinite"/>
+                      </p:stCondLst>
+                      <p:childTnLst>
+                        <p:par>
+                          <p:cTn id="4" fill="hold">
+                            <p:stCondLst>
+                              <p:cond delay="0"/>
+                            </p:stCondLst>
+                            <p:childTnLst>
+                              <p:par>
+                                <p:cTn id="5" presetID="1" presetClass="entr" presetSubtype="0" fill="hold" nodeType="clickEffect">
+                                  <p:stCondLst>
+                                    <p:cond delay="0"/>
+                                  </p:stCondLst>
+                                  <p:childTnLst>
+                                    <p:set>
+                                      <p:cBhvr>
+                                        <p:cTn id="6" dur="1" fill="hold">
+                                          <p:stCondLst>
+                                            <p:cond delay="0"/>
+                                          </p:stCondLst>
+                                        </p:cTn>
+                                        <p:tgtEl>
+                                          <p:spTgt spid="5">
+                                            <p:txEl>
+                                              <p:pRg st="5" end="5"/>
+                                            </p:txEl>
+                                          </p:spTgt>
+                                        </p:tgtEl>
+                                        <p:attrNameLst>
+                                          <p:attrName>style.visibility</p:attrName>
+                                        </p:attrNameLst>
+                                      </p:cBhvr>
+                                      <p:to>
+                                        <p:strVal val="visible"/>
+                                      </p:to>
+                                    </p:set>
+                                  </p:childTnLst>
+                                </p:cTn>
+                              </p:par>
+                              <p:par>
+                                <p:cTn id="7" presetID="1" presetClass="entr" presetSubtype="0" fill="hold" nodeType="withEffect">
+                                  <p:stCondLst>
+                                    <p:cond delay="0"/>
+                                  </p:stCondLst>
+                                  <p:childTnLst>
+                                    <p:set>
+                                      <p:cBhvr>
+                                        <p:cTn id="8" dur="1" fill="hold">
+                                          <p:stCondLst>
+                                            <p:cond delay="0"/>
+                                          </p:stCondLst>
+                                        </p:cTn>
+                                        <p:tgtEl>
+                                          <p:spTgt spid="5">
+                                            <p:txEl>
+                                              <p:pRg st="6" end="6"/>
+                                            </p:txEl>
+                                          </p:spTgt>
+                                        </p:tgtEl>
+                                        <p:attrNameLst>
+                                          <p:attrName>style.visibility</p:attrName>
+                                        </p:attrNameLst>
+                                      </p:cBhvr>
+                                      <p:to>
+                                        <p:strVal val="visible"/>
+                                      </p:to>
+                                    </p:set>
+                                  </p:childTnLst>
+                                </p:cTn>
+                              </p:par>
+                              <p:par>
+                                <p:cTn id="9" presetID="1" presetClass="entr" presetSubtype="0" fill="hold" nodeType="withEffect">
+                                  <p:stCondLst>
+                                    <p:cond delay="0"/>
+                                  </p:stCondLst>
+                                  <p:childTnLst>
+                                    <p:set>
+                                      <p:cBhvr>
+                                        <p:cTn id="10" dur="1" fill="hold">
+                                          <p:stCondLst>
+                                            <p:cond delay="0"/>
+                                          </p:stCondLst>
+                                        </p:cTn>
+                                        <p:tgtEl>
+                                          <p:spTgt spid="5">
+                                            <p:txEl>
+                                              <p:pRg st="7" end="7"/>
+                                            </p:txEl>
+                                          </p:spTgt>
+                                        </p:tgtEl>
+                                        <p:attrNameLst>
+                                          <p:attrName>style.visibility</p:attrName>
+                                        </p:attrNameLst>
+                                      </p:cBhvr>
+                                      <p:to>
+                                        <p:strVal val="visible"/>
+                                      </p:to>
+                                    </p:set>
+                                  </p:childTnLst>
+                                </p:cTn>
+                              </p:par>
+                              <p:par>
+                                <p:cTn id="11" presetID="1" presetClass="entr" presetSubtype="0" fill="hold" nodeType="withEffect">
+                                  <p:stCondLst>
+                                    <p:cond delay="0"/>
+                                  </p:stCondLst>
+                                  <p:childTnLst>
+                                    <p:set>
+                                      <p:cBhvr>
+                                        <p:cTn id="12" dur="1" fill="hold">
+                                          <p:stCondLst>
+                                            <p:cond delay="0"/>
+                                          </p:stCondLst>
+                                        </p:cTn>
+                                        <p:tgtEl>
+                                          <p:spTgt spid="5">
+                                            <p:txEl>
+                                              <p:pRg st="8" end="8"/>
+                                            </p:txEl>
+                                          </p:spTgt>
+                                        </p:tgtEl>
+                                        <p:attrNameLst>
+                                          <p:attrName>style.visibility</p:attrName>
+                                        </p:attrNameLst>
+                                      </p:cBhvr>
+                                      <p:to>
+                                        <p:strVal val="visible"/>
+                                      </p:to>
+                                    </p:set>
+                                  </p:childTnLst>
+                                </p:cTn>
+                              </p:par>
+                            </p:childTnLst>
+                          </p:cTn>
+                        </p:par>
+                      </p:childTnLst>
+                    </p:cTn>
+                  </p:par>
+                </p:childTnLst>
+              </p:cTn>
+              <p:prevCondLst>
+                <p:cond evt="onPrev" delay="0">
+                  <p:tgtEl>
+                    <p:sldTgt/>
+                  </p:tgtEl>
+                </p:cond>
+              </p:prevCondLst>
+              <p:nextCondLst>
+                <p:cond evt="onNext" delay="0">
+                  <p:tgtEl>
+                    <p:sldTgt/>
+                  </p:tgtEl>
+                </p:cond>
+              </p:nextCondLst>
+            </p:seq>
+          </p:childTnLst>
+        </p:cTn>
+      </p:par>
+    </p:tnLst>
+  </p:timing>
 </p:sld>
 </file>
 
@@ -7797,6 +14829,116 @@
   <p:clrMapOvr>
     <a:masterClrMapping/>
   </p:clrMapOvr>
+  <p:timing>
+    <p:tnLst>
+      <p:par>
+        <p:cTn id="1" dur="indefinite" restart="never" nodeType="tmRoot">
+          <p:childTnLst>
+            <p:seq concurrent="1" nextAc="seek">
+              <p:cTn id="2" dur="indefinite" nodeType="mainSeq">
+                <p:childTnLst>
+                  <p:par>
+                    <p:cTn id="3" fill="hold">
+                      <p:stCondLst>
+                        <p:cond delay="indefinite"/>
+                      </p:stCondLst>
+                      <p:childTnLst>
+                        <p:par>
+                          <p:cTn id="4" fill="hold">
+                            <p:stCondLst>
+                              <p:cond delay="0"/>
+                            </p:stCondLst>
+                            <p:childTnLst>
+                              <p:par>
+                                <p:cTn id="5" presetID="1" presetClass="entr" presetSubtype="0" fill="hold" nodeType="clickEffect">
+                                  <p:stCondLst>
+                                    <p:cond delay="0"/>
+                                  </p:stCondLst>
+                                  <p:childTnLst>
+                                    <p:set>
+                                      <p:cBhvr>
+                                        <p:cTn id="6" dur="1" fill="hold">
+                                          <p:stCondLst>
+                                            <p:cond delay="0"/>
+                                          </p:stCondLst>
+                                        </p:cTn>
+                                        <p:tgtEl>
+                                          <p:spTgt spid="5">
+                                            <p:txEl>
+                                              <p:pRg st="2" end="2"/>
+                                            </p:txEl>
+                                          </p:spTgt>
+                                        </p:tgtEl>
+                                        <p:attrNameLst>
+                                          <p:attrName>style.visibility</p:attrName>
+                                        </p:attrNameLst>
+                                      </p:cBhvr>
+                                      <p:to>
+                                        <p:strVal val="visible"/>
+                                      </p:to>
+                                    </p:set>
+                                  </p:childTnLst>
+                                </p:cTn>
+                              </p:par>
+                              <p:par>
+                                <p:cTn id="7" presetID="1" presetClass="entr" presetSubtype="0" fill="hold" nodeType="withEffect">
+                                  <p:stCondLst>
+                                    <p:cond delay="0"/>
+                                  </p:stCondLst>
+                                  <p:childTnLst>
+                                    <p:set>
+                                      <p:cBhvr>
+                                        <p:cTn id="8" dur="1" fill="hold">
+                                          <p:stCondLst>
+                                            <p:cond delay="0"/>
+                                          </p:stCondLst>
+                                        </p:cTn>
+                                        <p:tgtEl>
+                                          <p:spTgt spid="5">
+                                            <p:txEl>
+                                              <p:pRg st="3" end="3"/>
+                                            </p:txEl>
+                                          </p:spTgt>
+                                        </p:tgtEl>
+                                        <p:attrNameLst>
+                                          <p:attrName>style.visibility</p:attrName>
+                                        </p:attrNameLst>
+                                      </p:cBhvr>
+                                      <p:to>
+                                        <p:strVal val="visible"/>
+                                      </p:to>
+                                    </p:set>
+                                  </p:childTnLst>
+                                </p:cTn>
+                              </p:par>
+                            </p:childTnLst>
+                          </p:cTn>
+                        </p:par>
+                      </p:childTnLst>
+                    </p:cTn>
+                  </p:par>
+                </p:childTnLst>
+              </p:cTn>
+              <p:prevCondLst>
+                <p:cond evt="onPrev" delay="0">
+                  <p:tgtEl>
+                    <p:sldTgt/>
+                  </p:tgtEl>
+                </p:cond>
+              </p:prevCondLst>
+              <p:nextCondLst>
+                <p:cond evt="onNext" delay="0">
+                  <p:tgtEl>
+                    <p:sldTgt/>
+                  </p:tgtEl>
+                </p:cond>
+              </p:nextCondLst>
+            </p:seq>
+          </p:childTnLst>
+        </p:cTn>
+      </p:par>
+    </p:tnLst>
+  </p:timing>
 </p:sld>
 </file>
 
@@ -8018,8 +15160,8 @@
           </a:p>
         </p:txBody>
       </p:sp>
-      <mc:AlternateContent xmlns:mc="http://schemas.openxmlformats.org/markup-compatibility/2006" xmlns:a14="http://schemas.microsoft.com/office/drawing/2010/main">
-        <mc:Choice Requires="a14">
+      <mc:AlternateContent xmlns:mc="http://schemas.openxmlformats.org/markup-compatibility/2006">
+        <mc:Choice xmlns:a14="http://schemas.microsoft.com/office/drawing/2010/main" Requires="a14">
           <p:sp>
             <p:nvSpPr>
               <p:cNvPr id="5" name="Content Placeholder 4">
@@ -8732,7 +15874,13 @@
                       <a:rPr lang="fr-FR" i="1">
                         <a:latin typeface="Cambria Math" panose="02040503050406030204" pitchFamily="18" charset="0"/>
                       </a:rPr>
-                      <m:t>=0 ;1 ;3</m:t>
+                      <m:t>=0 ;</m:t>
+                    </m:r>
+                    <m:r>
+                      <a:rPr lang="fr-FR" b="0" i="1" smtClean="0">
+                        <a:latin typeface="Cambria Math" panose="02040503050406030204" pitchFamily="18" charset="0"/>
+                      </a:rPr>
+                      <m:t>1</m:t>
                     </m:r>
                   </m:oMath>
                 </a14:m>
@@ -8880,7 +16028,7 @@
             </p:txBody>
           </p:sp>
         </mc:Choice>
-        <mc:Fallback xmlns="">
+        <mc:Fallback>
           <p:sp>
             <p:nvSpPr>
               <p:cNvPr id="5" name="Content Placeholder 4">
@@ -8924,6 +16072,1243 @@
           </p:sp>
         </mc:Fallback>
       </mc:AlternateContent>
+      <mc:AlternateContent xmlns:mc="http://schemas.openxmlformats.org/markup-compatibility/2006">
+        <mc:Choice xmlns:a14="http://schemas.microsoft.com/office/drawing/2010/main" Requires="a14">
+          <p:sp>
+            <p:nvSpPr>
+              <p:cNvPr id="2" name="ZoneTexte 1"/>
+              <p:cNvSpPr txBox="1"/>
+              <p:nvPr/>
+            </p:nvSpPr>
+            <p:spPr>
+              <a:xfrm>
+                <a:off x="7353300" y="1968500"/>
+                <a:ext cx="4673600" cy="1200329"/>
+              </a:xfrm>
+              <a:prstGeom prst="rect">
+                <a:avLst/>
+              </a:prstGeom>
+              <a:noFill/>
+            </p:spPr>
+            <p:txBody>
+              <a:bodyPr wrap="square" rtlCol="0">
+                <a:spAutoFit/>
+              </a:bodyPr>
+              <a:lstStyle/>
+              <a:p>
+                <a14:m>
+                  <m:oMathPara xmlns:m="http://schemas.openxmlformats.org/officeDocument/2006/math">
+                    <m:oMathParaPr>
+                      <m:jc m:val="centerGroup"/>
+                    </m:oMathParaPr>
+                    <m:oMath xmlns:m="http://schemas.openxmlformats.org/officeDocument/2006/math">
+                      <m:sSup>
+                        <m:sSupPr>
+                          <m:ctrlPr>
+                            <a:rPr lang="fr-FR" sz="2400" i="1" smtClean="0">
+                              <a:solidFill>
+                                <a:srgbClr val="FF0000"/>
+                              </a:solidFill>
+                              <a:latin typeface="Cambria Math" panose="02040503050406030204" pitchFamily="18" charset="0"/>
+                            </a:rPr>
+                          </m:ctrlPr>
+                        </m:sSupPr>
+                        <m:e>
+                          <m:r>
+                            <a:rPr lang="fr-FR" sz="2400" b="0" i="1" smtClean="0">
+                              <a:solidFill>
+                                <a:srgbClr val="FF0000"/>
+                              </a:solidFill>
+                              <a:latin typeface="Cambria Math" panose="02040503050406030204" pitchFamily="18" charset="0"/>
+                            </a:rPr>
+                            <m:t>𝑥</m:t>
+                          </m:r>
+                        </m:e>
+                        <m:sup>
+                          <m:r>
+                            <a:rPr lang="fr-FR" sz="2400" b="0" i="1" smtClean="0">
+                              <a:solidFill>
+                                <a:srgbClr val="FF0000"/>
+                              </a:solidFill>
+                              <a:latin typeface="Cambria Math" panose="02040503050406030204" pitchFamily="18" charset="0"/>
+                            </a:rPr>
+                            <m:t>2</m:t>
+                          </m:r>
+                        </m:sup>
+                      </m:sSup>
+                      <m:r>
+                        <a:rPr lang="fr-FR" sz="2400" b="0" i="1" smtClean="0">
+                          <a:solidFill>
+                            <a:srgbClr val="FF0000"/>
+                          </a:solidFill>
+                          <a:latin typeface="Cambria Math" panose="02040503050406030204" pitchFamily="18" charset="0"/>
+                        </a:rPr>
+                        <m:t> : </m:t>
+                      </m:r>
+                      <m:r>
+                        <m:rPr>
+                          <m:nor/>
+                        </m:rPr>
+                        <a:rPr lang="fr-FR" sz="2400" dirty="0">
+                          <a:solidFill>
+                            <a:srgbClr val="FF0000"/>
+                          </a:solidFill>
+                        </a:rPr>
+                        <m:t>0 ; 2 ; 6 </m:t>
+                      </m:r>
+                      <m:r>
+                        <m:rPr>
+                          <m:nor/>
+                        </m:rPr>
+                        <a:rPr lang="fr-FR" sz="2400" b="0" i="0" dirty="0" smtClean="0">
+                          <a:solidFill>
+                            <a:srgbClr val="FF0000"/>
+                          </a:solidFill>
+                        </a:rPr>
+                        <m:t>;</m:t>
+                      </m:r>
+                      <m:r>
+                        <m:rPr>
+                          <m:nor/>
+                        </m:rPr>
+                        <a:rPr lang="fr-FR" sz="2400" dirty="0">
+                          <a:solidFill>
+                            <a:srgbClr val="FF0000"/>
+                          </a:solidFill>
+                        </a:rPr>
+                        <m:t> 20</m:t>
+                      </m:r>
+                    </m:oMath>
+                  </m:oMathPara>
+                </a14:m>
+                <a:endParaRPr lang="fr-FR" sz="2400" dirty="0" smtClean="0">
+                  <a:solidFill>
+                    <a:srgbClr val="FF0000"/>
+                  </a:solidFill>
+                </a:endParaRPr>
+              </a:p>
+              <a:p>
+                <a14:m>
+                  <m:oMathPara xmlns:m="http://schemas.openxmlformats.org/officeDocument/2006/math">
+                    <m:oMathParaPr>
+                      <m:jc m:val="centerGroup"/>
+                    </m:oMathParaPr>
+                    <m:oMath xmlns:m="http://schemas.openxmlformats.org/officeDocument/2006/math">
+                      <m:r>
+                        <a:rPr lang="fr-FR" sz="2400" b="0" i="1" smtClean="0">
+                          <a:solidFill>
+                            <a:srgbClr val="FF0000"/>
+                          </a:solidFill>
+                          <a:latin typeface="Cambria Math" panose="02040503050406030204" pitchFamily="18" charset="0"/>
+                        </a:rPr>
+                        <m:t>𝑔</m:t>
+                      </m:r>
+                      <m:d>
+                        <m:dPr>
+                          <m:ctrlPr>
+                            <a:rPr lang="fr-FR" sz="2400" b="0" i="1" smtClean="0">
+                              <a:solidFill>
+                                <a:srgbClr val="FF0000"/>
+                              </a:solidFill>
+                              <a:latin typeface="Cambria Math" panose="02040503050406030204" pitchFamily="18" charset="0"/>
+                            </a:rPr>
+                          </m:ctrlPr>
+                        </m:dPr>
+                        <m:e>
+                          <m:r>
+                            <a:rPr lang="fr-FR" sz="2400" b="0" i="1" smtClean="0">
+                              <a:solidFill>
+                                <a:srgbClr val="FF0000"/>
+                              </a:solidFill>
+                              <a:latin typeface="Cambria Math" panose="02040503050406030204" pitchFamily="18" charset="0"/>
+                            </a:rPr>
+                            <m:t>𝑥</m:t>
+                          </m:r>
+                        </m:e>
+                      </m:d>
+                      <m:r>
+                        <a:rPr lang="fr-FR" sz="2400" b="0" i="1" smtClean="0">
+                          <a:solidFill>
+                            <a:srgbClr val="FF0000"/>
+                          </a:solidFill>
+                          <a:latin typeface="Cambria Math" panose="02040503050406030204" pitchFamily="18" charset="0"/>
+                        </a:rPr>
+                        <m:t> :5 ;11 ;23</m:t>
+                      </m:r>
+                    </m:oMath>
+                  </m:oMathPara>
+                </a14:m>
+                <a:endParaRPr lang="fr-FR" sz="2400" dirty="0" smtClean="0">
+                  <a:solidFill>
+                    <a:srgbClr val="FF0000"/>
+                  </a:solidFill>
+                </a:endParaRPr>
+              </a:p>
+              <a:p>
+                <a14:m>
+                  <m:oMathPara xmlns:m="http://schemas.openxmlformats.org/officeDocument/2006/math">
+                    <m:oMathParaPr>
+                      <m:jc m:val="centerGroup"/>
+                    </m:oMathParaPr>
+                    <m:oMath xmlns:m="http://schemas.openxmlformats.org/officeDocument/2006/math">
+                      <m:r>
+                        <a:rPr lang="fr-FR" sz="2400" b="0" i="1" smtClean="0">
+                          <a:solidFill>
+                            <a:srgbClr val="FF0000"/>
+                          </a:solidFill>
+                          <a:latin typeface="Cambria Math" panose="02040503050406030204" pitchFamily="18" charset="0"/>
+                        </a:rPr>
+                        <m:t>h</m:t>
+                      </m:r>
+                      <m:r>
+                        <a:rPr lang="fr-FR" sz="2400" b="0" i="1" smtClean="0">
+                          <a:solidFill>
+                            <a:srgbClr val="FF0000"/>
+                          </a:solidFill>
+                          <a:latin typeface="Cambria Math" panose="02040503050406030204" pitchFamily="18" charset="0"/>
+                        </a:rPr>
+                        <m:t>′(</m:t>
+                      </m:r>
+                      <m:r>
+                        <a:rPr lang="fr-FR" sz="2400" b="0" i="1" smtClean="0">
+                          <a:solidFill>
+                            <a:srgbClr val="FF0000"/>
+                          </a:solidFill>
+                          <a:latin typeface="Cambria Math" panose="02040503050406030204" pitchFamily="18" charset="0"/>
+                        </a:rPr>
+                        <m:t>𝑥</m:t>
+                      </m:r>
+                      <m:r>
+                        <a:rPr lang="fr-FR" sz="2400" b="0" i="1" smtClean="0">
+                          <a:solidFill>
+                            <a:srgbClr val="FF0000"/>
+                          </a:solidFill>
+                          <a:latin typeface="Cambria Math" panose="02040503050406030204" pitchFamily="18" charset="0"/>
+                        </a:rPr>
+                        <m:t>=</m:t>
+                      </m:r>
+                      <m:sSub>
+                        <m:sSubPr>
+                          <m:ctrlPr>
+                            <a:rPr lang="fr-FR" sz="2400" b="0" i="1" smtClean="0">
+                              <a:solidFill>
+                                <a:srgbClr val="FF0000"/>
+                              </a:solidFill>
+                              <a:latin typeface="Cambria Math" panose="02040503050406030204" pitchFamily="18" charset="0"/>
+                            </a:rPr>
+                          </m:ctrlPr>
+                        </m:sSubPr>
+                        <m:e>
+                          <m:r>
+                            <a:rPr lang="fr-FR" sz="2400" b="0" i="1" smtClean="0">
+                              <a:solidFill>
+                                <a:srgbClr val="FF0000"/>
+                              </a:solidFill>
+                              <a:latin typeface="Cambria Math" panose="02040503050406030204" pitchFamily="18" charset="0"/>
+                            </a:rPr>
+                            <m:t>𝑥</m:t>
+                          </m:r>
+                        </m:e>
+                        <m:sub>
+                          <m:r>
+                            <a:rPr lang="fr-FR" sz="2400" b="0" i="1" smtClean="0">
+                              <a:solidFill>
+                                <a:srgbClr val="FF0000"/>
+                              </a:solidFill>
+                              <a:latin typeface="Cambria Math" panose="02040503050406030204" pitchFamily="18" charset="0"/>
+                            </a:rPr>
+                            <m:t>0</m:t>
+                          </m:r>
+                        </m:sub>
+                      </m:sSub>
+                      <m:r>
+                        <a:rPr lang="fr-FR" sz="2400" b="0" i="1" smtClean="0">
+                          <a:solidFill>
+                            <a:srgbClr val="FF0000"/>
+                          </a:solidFill>
+                          <a:latin typeface="Cambria Math" panose="02040503050406030204" pitchFamily="18" charset="0"/>
+                        </a:rPr>
+                        <m:t>)=3</m:t>
+                      </m:r>
+                      <m:r>
+                        <a:rPr lang="fr-FR" sz="2400" b="0" i="1" smtClean="0">
+                          <a:solidFill>
+                            <a:srgbClr val="FF0000"/>
+                          </a:solidFill>
+                          <a:latin typeface="Cambria Math" panose="02040503050406030204" pitchFamily="18" charset="0"/>
+                        </a:rPr>
+                        <m:t>𝑎</m:t>
+                      </m:r>
+                      <m:sSup>
+                        <m:sSupPr>
+                          <m:ctrlPr>
+                            <a:rPr lang="fr-FR" sz="2400" b="0" i="1" smtClean="0">
+                              <a:solidFill>
+                                <a:srgbClr val="FF0000"/>
+                              </a:solidFill>
+                              <a:latin typeface="Cambria Math" panose="02040503050406030204" pitchFamily="18" charset="0"/>
+                            </a:rPr>
+                          </m:ctrlPr>
+                        </m:sSupPr>
+                        <m:e>
+                          <m:sSub>
+                            <m:sSubPr>
+                              <m:ctrlPr>
+                                <a:rPr lang="fr-FR" sz="2400" b="0" i="1" smtClean="0">
+                                  <a:solidFill>
+                                    <a:srgbClr val="FF0000"/>
+                                  </a:solidFill>
+                                  <a:latin typeface="Cambria Math" panose="02040503050406030204" pitchFamily="18" charset="0"/>
+                                </a:rPr>
+                              </m:ctrlPr>
+                            </m:sSubPr>
+                            <m:e>
+                              <m:r>
+                                <a:rPr lang="fr-FR" sz="2400" b="0" i="1" smtClean="0">
+                                  <a:solidFill>
+                                    <a:srgbClr val="FF0000"/>
+                                  </a:solidFill>
+                                  <a:latin typeface="Cambria Math" panose="02040503050406030204" pitchFamily="18" charset="0"/>
+                                </a:rPr>
+                                <m:t>𝑥</m:t>
+                              </m:r>
+                            </m:e>
+                            <m:sub>
+                              <m:r>
+                                <a:rPr lang="fr-FR" sz="2400" b="0" i="1" smtClean="0">
+                                  <a:solidFill>
+                                    <a:srgbClr val="FF0000"/>
+                                  </a:solidFill>
+                                  <a:latin typeface="Cambria Math" panose="02040503050406030204" pitchFamily="18" charset="0"/>
+                                </a:rPr>
+                                <m:t>0</m:t>
+                              </m:r>
+                            </m:sub>
+                          </m:sSub>
+                        </m:e>
+                        <m:sup>
+                          <m:r>
+                            <a:rPr lang="fr-FR" sz="2400" b="0" i="1" smtClean="0">
+                              <a:solidFill>
+                                <a:srgbClr val="FF0000"/>
+                              </a:solidFill>
+                              <a:latin typeface="Cambria Math" panose="02040503050406030204" pitchFamily="18" charset="0"/>
+                            </a:rPr>
+                            <m:t>2</m:t>
+                          </m:r>
+                        </m:sup>
+                      </m:sSup>
+                      <m:r>
+                        <a:rPr lang="fr-FR" sz="2400" b="0" i="1" smtClean="0">
+                          <a:solidFill>
+                            <a:srgbClr val="FF0000"/>
+                          </a:solidFill>
+                          <a:latin typeface="Cambria Math" panose="02040503050406030204" pitchFamily="18" charset="0"/>
+                        </a:rPr>
+                        <m:t>+2</m:t>
+                      </m:r>
+                      <m:r>
+                        <a:rPr lang="fr-FR" sz="2400" b="0" i="1" smtClean="0">
+                          <a:solidFill>
+                            <a:srgbClr val="FF0000"/>
+                          </a:solidFill>
+                          <a:latin typeface="Cambria Math" panose="02040503050406030204" pitchFamily="18" charset="0"/>
+                        </a:rPr>
+                        <m:t>𝑏</m:t>
+                      </m:r>
+                      <m:sSub>
+                        <m:sSubPr>
+                          <m:ctrlPr>
+                            <a:rPr lang="fr-FR" sz="2400" b="0" i="1" smtClean="0">
+                              <a:solidFill>
+                                <a:srgbClr val="FF0000"/>
+                              </a:solidFill>
+                              <a:latin typeface="Cambria Math" panose="02040503050406030204" pitchFamily="18" charset="0"/>
+                            </a:rPr>
+                          </m:ctrlPr>
+                        </m:sSubPr>
+                        <m:e>
+                          <m:r>
+                            <a:rPr lang="fr-FR" sz="2400" b="0" i="1" smtClean="0">
+                              <a:solidFill>
+                                <a:srgbClr val="FF0000"/>
+                              </a:solidFill>
+                              <a:latin typeface="Cambria Math" panose="02040503050406030204" pitchFamily="18" charset="0"/>
+                            </a:rPr>
+                            <m:t>𝑥</m:t>
+                          </m:r>
+                        </m:e>
+                        <m:sub>
+                          <m:r>
+                            <a:rPr lang="fr-FR" sz="2400" b="0" i="1" smtClean="0">
+                              <a:solidFill>
+                                <a:srgbClr val="FF0000"/>
+                              </a:solidFill>
+                              <a:latin typeface="Cambria Math" panose="02040503050406030204" pitchFamily="18" charset="0"/>
+                            </a:rPr>
+                            <m:t>0</m:t>
+                          </m:r>
+                        </m:sub>
+                      </m:sSub>
+                      <m:r>
+                        <a:rPr lang="fr-FR" sz="2400" b="0" i="1" smtClean="0">
+                          <a:solidFill>
+                            <a:srgbClr val="FF0000"/>
+                          </a:solidFill>
+                          <a:latin typeface="Cambria Math" panose="02040503050406030204" pitchFamily="18" charset="0"/>
+                        </a:rPr>
+                        <m:t>+</m:t>
+                      </m:r>
+                      <m:r>
+                        <a:rPr lang="fr-FR" sz="2400" b="0" i="1" smtClean="0">
+                          <a:solidFill>
+                            <a:srgbClr val="FF0000"/>
+                          </a:solidFill>
+                          <a:latin typeface="Cambria Math" panose="02040503050406030204" pitchFamily="18" charset="0"/>
+                        </a:rPr>
+                        <m:t>𝑐</m:t>
+                      </m:r>
+                    </m:oMath>
+                  </m:oMathPara>
+                </a14:m>
+                <a:endParaRPr lang="fr-FR" sz="2400" dirty="0">
+                  <a:solidFill>
+                    <a:srgbClr val="FF0000"/>
+                  </a:solidFill>
+                </a:endParaRPr>
+              </a:p>
+            </p:txBody>
+          </p:sp>
+        </mc:Choice>
+        <mc:Fallback>
+          <p:sp>
+            <p:nvSpPr>
+              <p:cNvPr id="2" name="ZoneTexte 1"/>
+              <p:cNvSpPr txBox="1">
+                <a:spLocks noRot="1" noChangeAspect="1" noMove="1" noResize="1" noEditPoints="1" noAdjustHandles="1" noChangeArrowheads="1" noChangeShapeType="1" noTextEdit="1"/>
+              </p:cNvSpPr>
+              <p:nvPr/>
+            </p:nvSpPr>
+            <p:spPr>
+              <a:xfrm>
+                <a:off x="7353300" y="1968500"/>
+                <a:ext cx="4673600" cy="1200329"/>
+              </a:xfrm>
+              <a:prstGeom prst="rect">
+                <a:avLst/>
+              </a:prstGeom>
+              <a:blipFill>
+                <a:blip r:embed="rId4"/>
+                <a:stretch>
+                  <a:fillRect b="-7107"/>
+                </a:stretch>
+              </a:blipFill>
+            </p:spPr>
+            <p:txBody>
+              <a:bodyPr/>
+              <a:lstStyle/>
+              <a:p>
+                <a:r>
+                  <a:rPr lang="fr-FR">
+                    <a:noFill/>
+                  </a:rPr>
+                  <a:t> </a:t>
+                </a:r>
+              </a:p>
+            </p:txBody>
+          </p:sp>
+        </mc:Fallback>
+      </mc:AlternateContent>
+      <mc:AlternateContent xmlns:mc="http://schemas.openxmlformats.org/markup-compatibility/2006">
+        <mc:Choice xmlns:a14="http://schemas.microsoft.com/office/drawing/2010/main" Requires="a14">
+          <p:sp>
+            <p:nvSpPr>
+              <p:cNvPr id="6" name="ZoneTexte 5"/>
+              <p:cNvSpPr txBox="1"/>
+              <p:nvPr/>
+            </p:nvSpPr>
+            <p:spPr>
+              <a:xfrm>
+                <a:off x="6278147" y="4208204"/>
+                <a:ext cx="5582297" cy="1045223"/>
+              </a:xfrm>
+              <a:prstGeom prst="rect">
+                <a:avLst/>
+              </a:prstGeom>
+              <a:noFill/>
+            </p:spPr>
+            <p:txBody>
+              <a:bodyPr wrap="none" rtlCol="0">
+                <a:spAutoFit/>
+              </a:bodyPr>
+              <a:lstStyle/>
+              <a:p>
+                <a14:m>
+                  <m:oMathPara xmlns:m="http://schemas.openxmlformats.org/officeDocument/2006/math">
+                    <m:oMathParaPr>
+                      <m:jc m:val="centerGroup"/>
+                    </m:oMathParaPr>
+                    <m:oMath xmlns:m="http://schemas.openxmlformats.org/officeDocument/2006/math">
+                      <m:r>
+                        <a:rPr lang="fr-FR" sz="2000" b="0" i="1" smtClean="0">
+                          <a:solidFill>
+                            <a:srgbClr val="FF0000"/>
+                          </a:solidFill>
+                          <a:latin typeface="Cambria Math" panose="02040503050406030204" pitchFamily="18" charset="0"/>
+                        </a:rPr>
+                        <m:t>𝑇</m:t>
+                      </m:r>
+                      <m:d>
+                        <m:dPr>
+                          <m:ctrlPr>
+                            <a:rPr lang="fr-FR" sz="2000" b="0" i="1" smtClean="0">
+                              <a:solidFill>
+                                <a:srgbClr val="FF0000"/>
+                              </a:solidFill>
+                              <a:latin typeface="Cambria Math" panose="02040503050406030204" pitchFamily="18" charset="0"/>
+                            </a:rPr>
+                          </m:ctrlPr>
+                        </m:dPr>
+                        <m:e>
+                          <m:r>
+                            <a:rPr lang="fr-FR" sz="2000" b="0" i="1" smtClean="0">
+                              <a:solidFill>
+                                <a:srgbClr val="FF0000"/>
+                              </a:solidFill>
+                              <a:latin typeface="Cambria Math" panose="02040503050406030204" pitchFamily="18" charset="0"/>
+                            </a:rPr>
+                            <m:t>𝑥</m:t>
+                          </m:r>
+                          <m:r>
+                            <a:rPr lang="fr-FR" sz="2000" b="0" i="1" smtClean="0">
+                              <a:solidFill>
+                                <a:srgbClr val="FF0000"/>
+                              </a:solidFill>
+                              <a:latin typeface="Cambria Math" panose="02040503050406030204" pitchFamily="18" charset="0"/>
+                            </a:rPr>
+                            <m:t>,0</m:t>
+                          </m:r>
+                        </m:e>
+                      </m:d>
+                      <m:r>
+                        <a:rPr lang="fr-FR" sz="2000" b="0" i="1" smtClean="0">
+                          <a:solidFill>
+                            <a:srgbClr val="FF0000"/>
+                          </a:solidFill>
+                          <a:latin typeface="Cambria Math" panose="02040503050406030204" pitchFamily="18" charset="0"/>
+                        </a:rPr>
+                        <m:t>=0 ;</m:t>
+                      </m:r>
+                      <m:r>
+                        <a:rPr lang="fr-FR" sz="2000" b="0" i="1" smtClean="0">
+                          <a:solidFill>
+                            <a:srgbClr val="FF0000"/>
+                          </a:solidFill>
+                          <a:latin typeface="Cambria Math" panose="02040503050406030204" pitchFamily="18" charset="0"/>
+                        </a:rPr>
+                        <m:t>𝑇</m:t>
+                      </m:r>
+                      <m:d>
+                        <m:dPr>
+                          <m:ctrlPr>
+                            <a:rPr lang="fr-FR" sz="2000" b="0" i="1" smtClean="0">
+                              <a:solidFill>
+                                <a:srgbClr val="FF0000"/>
+                              </a:solidFill>
+                              <a:latin typeface="Cambria Math" panose="02040503050406030204" pitchFamily="18" charset="0"/>
+                            </a:rPr>
+                          </m:ctrlPr>
+                        </m:dPr>
+                        <m:e>
+                          <m:r>
+                            <a:rPr lang="fr-FR" sz="2000" b="0" i="1" smtClean="0">
+                              <a:solidFill>
+                                <a:srgbClr val="FF0000"/>
+                              </a:solidFill>
+                              <a:latin typeface="Cambria Math" panose="02040503050406030204" pitchFamily="18" charset="0"/>
+                            </a:rPr>
+                            <m:t>𝑥</m:t>
+                          </m:r>
+                          <m:r>
+                            <a:rPr lang="fr-FR" sz="2000" b="0" i="1" smtClean="0">
+                              <a:solidFill>
+                                <a:srgbClr val="FF0000"/>
+                              </a:solidFill>
+                              <a:latin typeface="Cambria Math" panose="02040503050406030204" pitchFamily="18" charset="0"/>
+                            </a:rPr>
+                            <m:t>,1</m:t>
+                          </m:r>
+                        </m:e>
+                      </m:d>
+                      <m:r>
+                        <a:rPr lang="fr-FR" sz="2000" b="0" i="1" smtClean="0">
+                          <a:solidFill>
+                            <a:srgbClr val="FF0000"/>
+                          </a:solidFill>
+                          <a:latin typeface="Cambria Math" panose="02040503050406030204" pitchFamily="18" charset="0"/>
+                        </a:rPr>
+                        <m:t>=2</m:t>
+                      </m:r>
+                      <m:r>
+                        <a:rPr lang="fr-FR" sz="2000" b="0" i="1" smtClean="0">
+                          <a:solidFill>
+                            <a:srgbClr val="FF0000"/>
+                          </a:solidFill>
+                          <a:latin typeface="Cambria Math" panose="02040503050406030204" pitchFamily="18" charset="0"/>
+                        </a:rPr>
+                        <m:t>𝑥</m:t>
+                      </m:r>
+                      <m:r>
+                        <a:rPr lang="fr-FR" sz="2000" b="0" i="1" smtClean="0">
+                          <a:solidFill>
+                            <a:srgbClr val="FF0000"/>
+                          </a:solidFill>
+                          <a:latin typeface="Cambria Math" panose="02040503050406030204" pitchFamily="18" charset="0"/>
+                        </a:rPr>
+                        <m:t>−1 ;</m:t>
+                      </m:r>
+                      <m:r>
+                        <a:rPr lang="fr-FR" sz="2000" b="0" i="1" smtClean="0">
+                          <a:solidFill>
+                            <a:srgbClr val="FF0000"/>
+                          </a:solidFill>
+                          <a:latin typeface="Cambria Math" panose="02040503050406030204" pitchFamily="18" charset="0"/>
+                        </a:rPr>
+                        <m:t>𝑇</m:t>
+                      </m:r>
+                      <m:d>
+                        <m:dPr>
+                          <m:ctrlPr>
+                            <a:rPr lang="fr-FR" sz="2000" b="0" i="1" smtClean="0">
+                              <a:solidFill>
+                                <a:srgbClr val="FF0000"/>
+                              </a:solidFill>
+                              <a:latin typeface="Cambria Math" panose="02040503050406030204" pitchFamily="18" charset="0"/>
+                            </a:rPr>
+                          </m:ctrlPr>
+                        </m:dPr>
+                        <m:e>
+                          <m:r>
+                            <a:rPr lang="fr-FR" sz="2000" b="0" i="1" smtClean="0">
+                              <a:solidFill>
+                                <a:srgbClr val="FF0000"/>
+                              </a:solidFill>
+                              <a:latin typeface="Cambria Math" panose="02040503050406030204" pitchFamily="18" charset="0"/>
+                            </a:rPr>
+                            <m:t>𝑥</m:t>
+                          </m:r>
+                          <m:r>
+                            <a:rPr lang="fr-FR" sz="2000" b="0" i="1" smtClean="0">
+                              <a:solidFill>
+                                <a:srgbClr val="FF0000"/>
+                              </a:solidFill>
+                              <a:latin typeface="Cambria Math" panose="02040503050406030204" pitchFamily="18" charset="0"/>
+                            </a:rPr>
+                            <m:t>,3</m:t>
+                          </m:r>
+                        </m:e>
+                      </m:d>
+                      <m:r>
+                        <a:rPr lang="fr-FR" sz="2000" b="0" i="1" smtClean="0">
+                          <a:solidFill>
+                            <a:srgbClr val="FF0000"/>
+                          </a:solidFill>
+                          <a:latin typeface="Cambria Math" panose="02040503050406030204" pitchFamily="18" charset="0"/>
+                        </a:rPr>
+                        <m:t>=6</m:t>
+                      </m:r>
+                      <m:r>
+                        <a:rPr lang="fr-FR" sz="2000" b="0" i="1" smtClean="0">
+                          <a:solidFill>
+                            <a:srgbClr val="FF0000"/>
+                          </a:solidFill>
+                          <a:latin typeface="Cambria Math" panose="02040503050406030204" pitchFamily="18" charset="0"/>
+                        </a:rPr>
+                        <m:t>𝑥</m:t>
+                      </m:r>
+                      <m:r>
+                        <a:rPr lang="fr-FR" sz="2000" b="0" i="1" smtClean="0">
+                          <a:solidFill>
+                            <a:srgbClr val="FF0000"/>
+                          </a:solidFill>
+                          <a:latin typeface="Cambria Math" panose="02040503050406030204" pitchFamily="18" charset="0"/>
+                        </a:rPr>
+                        <m:t>−9</m:t>
+                      </m:r>
+                    </m:oMath>
+                  </m:oMathPara>
+                </a14:m>
+                <a:endParaRPr lang="fr-FR" sz="2000" dirty="0" smtClean="0">
+                  <a:solidFill>
+                    <a:srgbClr val="FF0000"/>
+                  </a:solidFill>
+                </a:endParaRPr>
+              </a:p>
+              <a:p>
+                <a14:m>
+                  <m:oMathPara xmlns:m="http://schemas.openxmlformats.org/officeDocument/2006/math">
+                    <m:oMathParaPr>
+                      <m:jc m:val="centerGroup"/>
+                    </m:oMathParaPr>
+                    <m:oMath xmlns:m="http://schemas.openxmlformats.org/officeDocument/2006/math">
+                      <m:r>
+                        <a:rPr lang="fr-FR" sz="2000" i="1">
+                          <a:solidFill>
+                            <a:srgbClr val="FF0000"/>
+                          </a:solidFill>
+                          <a:latin typeface="Cambria Math" panose="02040503050406030204" pitchFamily="18" charset="0"/>
+                        </a:rPr>
+                        <m:t>𝑇</m:t>
+                      </m:r>
+                      <m:d>
+                        <m:dPr>
+                          <m:ctrlPr>
+                            <a:rPr lang="fr-FR" sz="2000" i="1">
+                              <a:solidFill>
+                                <a:srgbClr val="FF0000"/>
+                              </a:solidFill>
+                              <a:latin typeface="Cambria Math" panose="02040503050406030204" pitchFamily="18" charset="0"/>
+                            </a:rPr>
+                          </m:ctrlPr>
+                        </m:dPr>
+                        <m:e>
+                          <m:r>
+                            <a:rPr lang="fr-FR" sz="2000" i="1">
+                              <a:solidFill>
+                                <a:srgbClr val="FF0000"/>
+                              </a:solidFill>
+                              <a:latin typeface="Cambria Math" panose="02040503050406030204" pitchFamily="18" charset="0"/>
+                            </a:rPr>
+                            <m:t>𝑥</m:t>
+                          </m:r>
+                          <m:r>
+                            <a:rPr lang="fr-FR" sz="2000" i="1">
+                              <a:solidFill>
+                                <a:srgbClr val="FF0000"/>
+                              </a:solidFill>
+                              <a:latin typeface="Cambria Math" panose="02040503050406030204" pitchFamily="18" charset="0"/>
+                            </a:rPr>
+                            <m:t>,0</m:t>
+                          </m:r>
+                        </m:e>
+                      </m:d>
+                      <m:r>
+                        <a:rPr lang="fr-FR" sz="2000" i="1">
+                          <a:solidFill>
+                            <a:srgbClr val="FF0000"/>
+                          </a:solidFill>
+                          <a:latin typeface="Cambria Math" panose="02040503050406030204" pitchFamily="18" charset="0"/>
+                        </a:rPr>
+                        <m:t>=</m:t>
+                      </m:r>
+                      <m:r>
+                        <a:rPr lang="fr-FR" sz="2000" b="0" i="1" smtClean="0">
+                          <a:solidFill>
+                            <a:srgbClr val="FF0000"/>
+                          </a:solidFill>
+                          <a:latin typeface="Cambria Math" panose="02040503050406030204" pitchFamily="18" charset="0"/>
+                        </a:rPr>
+                        <m:t>5</m:t>
+                      </m:r>
+                      <m:r>
+                        <a:rPr lang="fr-FR" sz="2000" b="0" i="1" smtClean="0">
+                          <a:solidFill>
+                            <a:srgbClr val="FF0000"/>
+                          </a:solidFill>
+                          <a:latin typeface="Cambria Math" panose="02040503050406030204" pitchFamily="18" charset="0"/>
+                        </a:rPr>
+                        <m:t>𝑥</m:t>
+                      </m:r>
+                      <m:r>
+                        <a:rPr lang="fr-FR" sz="2000" b="0" i="1" smtClean="0">
+                          <a:solidFill>
+                            <a:srgbClr val="FF0000"/>
+                          </a:solidFill>
+                          <a:latin typeface="Cambria Math" panose="02040503050406030204" pitchFamily="18" charset="0"/>
+                        </a:rPr>
+                        <m:t>−8 ;</m:t>
+                      </m:r>
+                      <m:r>
+                        <a:rPr lang="fr-FR" sz="2000" i="1">
+                          <a:solidFill>
+                            <a:srgbClr val="FF0000"/>
+                          </a:solidFill>
+                          <a:latin typeface="Cambria Math" panose="02040503050406030204" pitchFamily="18" charset="0"/>
+                        </a:rPr>
+                        <m:t>𝑇</m:t>
+                      </m:r>
+                      <m:d>
+                        <m:dPr>
+                          <m:ctrlPr>
+                            <a:rPr lang="fr-FR" sz="2000" i="1">
+                              <a:solidFill>
+                                <a:srgbClr val="FF0000"/>
+                              </a:solidFill>
+                              <a:latin typeface="Cambria Math" panose="02040503050406030204" pitchFamily="18" charset="0"/>
+                            </a:rPr>
+                          </m:ctrlPr>
+                        </m:dPr>
+                        <m:e>
+                          <m:r>
+                            <a:rPr lang="fr-FR" sz="2000" i="1">
+                              <a:solidFill>
+                                <a:srgbClr val="FF0000"/>
+                              </a:solidFill>
+                              <a:latin typeface="Cambria Math" panose="02040503050406030204" pitchFamily="18" charset="0"/>
+                            </a:rPr>
+                            <m:t>𝑥</m:t>
+                          </m:r>
+                          <m:r>
+                            <a:rPr lang="fr-FR" sz="2000" i="1">
+                              <a:solidFill>
+                                <a:srgbClr val="FF0000"/>
+                              </a:solidFill>
+                              <a:latin typeface="Cambria Math" panose="02040503050406030204" pitchFamily="18" charset="0"/>
+                            </a:rPr>
+                            <m:t>,1</m:t>
+                          </m:r>
+                        </m:e>
+                      </m:d>
+                      <m:r>
+                        <a:rPr lang="fr-FR" sz="2000" i="1">
+                          <a:solidFill>
+                            <a:srgbClr val="FF0000"/>
+                          </a:solidFill>
+                          <a:latin typeface="Cambria Math" panose="02040503050406030204" pitchFamily="18" charset="0"/>
+                        </a:rPr>
+                        <m:t>=</m:t>
+                      </m:r>
+                      <m:r>
+                        <a:rPr lang="fr-FR" sz="2000" i="1" smtClean="0">
+                          <a:solidFill>
+                            <a:srgbClr val="FF0000"/>
+                          </a:solidFill>
+                          <a:latin typeface="Cambria Math" panose="02040503050406030204" pitchFamily="18" charset="0"/>
+                        </a:rPr>
+                        <m:t>1</m:t>
+                      </m:r>
+                      <m:r>
+                        <a:rPr lang="fr-FR" sz="2000" b="0" i="1" smtClean="0">
+                          <a:solidFill>
+                            <a:srgbClr val="FF0000"/>
+                          </a:solidFill>
+                          <a:latin typeface="Cambria Math" panose="02040503050406030204" pitchFamily="18" charset="0"/>
+                        </a:rPr>
+                        <m:t>1(</m:t>
+                      </m:r>
+                      <m:r>
+                        <a:rPr lang="fr-FR" sz="2000" b="0" i="1" smtClean="0">
+                          <a:solidFill>
+                            <a:srgbClr val="FF0000"/>
+                          </a:solidFill>
+                          <a:latin typeface="Cambria Math" panose="02040503050406030204" pitchFamily="18" charset="0"/>
+                        </a:rPr>
+                        <m:t>𝑥</m:t>
+                      </m:r>
+                      <m:r>
+                        <a:rPr lang="fr-FR" sz="2000" b="0" i="1" smtClean="0">
+                          <a:solidFill>
+                            <a:srgbClr val="FF0000"/>
+                          </a:solidFill>
+                          <a:latin typeface="Cambria Math" panose="02040503050406030204" pitchFamily="18" charset="0"/>
+                        </a:rPr>
+                        <m:t>−1)</m:t>
+                      </m:r>
+                    </m:oMath>
+                  </m:oMathPara>
+                </a14:m>
+                <a:endParaRPr lang="fr-FR" sz="2000" dirty="0" smtClean="0">
+                  <a:solidFill>
+                    <a:srgbClr val="FF0000"/>
+                  </a:solidFill>
+                </a:endParaRPr>
+              </a:p>
+              <a:p>
+                <a:pPr algn="ctr"/>
+                <a14:m>
+                  <m:oMath xmlns:m="http://schemas.openxmlformats.org/officeDocument/2006/math">
+                    <m:r>
+                      <a:rPr lang="fr-FR" sz="2000" b="0" i="1" smtClean="0">
+                        <a:solidFill>
+                          <a:srgbClr val="FF0000"/>
+                        </a:solidFill>
+                        <a:latin typeface="Cambria Math" panose="02040503050406030204" pitchFamily="18" charset="0"/>
+                      </a:rPr>
+                      <m:t>𝑇</m:t>
+                    </m:r>
+                    <m:d>
+                      <m:dPr>
+                        <m:ctrlPr>
+                          <a:rPr lang="fr-FR" sz="2000" b="0" i="1" smtClean="0">
+                            <a:solidFill>
+                              <a:srgbClr val="FF0000"/>
+                            </a:solidFill>
+                            <a:latin typeface="Cambria Math" panose="02040503050406030204" pitchFamily="18" charset="0"/>
+                          </a:rPr>
+                        </m:ctrlPr>
+                      </m:dPr>
+                      <m:e>
+                        <m:r>
+                          <a:rPr lang="fr-FR" sz="2000" b="0" i="1" smtClean="0">
+                            <a:solidFill>
+                              <a:srgbClr val="FF0000"/>
+                            </a:solidFill>
+                            <a:latin typeface="Cambria Math" panose="02040503050406030204" pitchFamily="18" charset="0"/>
+                          </a:rPr>
+                          <m:t>𝑥</m:t>
+                        </m:r>
+                        <m:r>
+                          <a:rPr lang="fr-FR" sz="2000" b="0" i="1" smtClean="0">
+                            <a:solidFill>
+                              <a:srgbClr val="FF0000"/>
+                            </a:solidFill>
+                            <a:latin typeface="Cambria Math" panose="02040503050406030204" pitchFamily="18" charset="0"/>
+                          </a:rPr>
+                          <m:t>,</m:t>
+                        </m:r>
+                        <m:sSub>
+                          <m:sSubPr>
+                            <m:ctrlPr>
+                              <a:rPr lang="fr-FR" sz="2000" b="0" i="1" smtClean="0">
+                                <a:solidFill>
+                                  <a:srgbClr val="FF0000"/>
+                                </a:solidFill>
+                                <a:latin typeface="Cambria Math" panose="02040503050406030204" pitchFamily="18" charset="0"/>
+                              </a:rPr>
+                            </m:ctrlPr>
+                          </m:sSubPr>
+                          <m:e>
+                            <m:r>
+                              <a:rPr lang="fr-FR" sz="2000" b="0" i="1" smtClean="0">
+                                <a:solidFill>
+                                  <a:srgbClr val="FF0000"/>
+                                </a:solidFill>
+                                <a:latin typeface="Cambria Math" panose="02040503050406030204" pitchFamily="18" charset="0"/>
+                              </a:rPr>
+                              <m:t>𝑥</m:t>
+                            </m:r>
+                          </m:e>
+                          <m:sub>
+                            <m:r>
+                              <a:rPr lang="fr-FR" sz="2000" b="0" i="1" smtClean="0">
+                                <a:solidFill>
+                                  <a:srgbClr val="FF0000"/>
+                                </a:solidFill>
+                                <a:latin typeface="Cambria Math" panose="02040503050406030204" pitchFamily="18" charset="0"/>
+                              </a:rPr>
+                              <m:t>0</m:t>
+                            </m:r>
+                          </m:sub>
+                        </m:sSub>
+                      </m:e>
+                    </m:d>
+                    <m:r>
+                      <a:rPr lang="fr-FR" sz="2000" b="0" i="1" smtClean="0">
+                        <a:solidFill>
+                          <a:srgbClr val="FF0000"/>
+                        </a:solidFill>
+                        <a:latin typeface="Cambria Math" panose="02040503050406030204" pitchFamily="18" charset="0"/>
+                      </a:rPr>
+                      <m:t>=</m:t>
+                    </m:r>
+                  </m:oMath>
+                </a14:m>
+                <a:r>
+                  <a:rPr lang="fr-FR" sz="2000" dirty="0">
+                    <a:solidFill>
+                      <a:srgbClr val="FF0000"/>
+                    </a:solidFill>
+                  </a:rPr>
+                  <a:t> </a:t>
+                </a:r>
+                <a14:m>
+                  <m:oMath xmlns:m="http://schemas.openxmlformats.org/officeDocument/2006/math">
+                    <m:sSup>
+                      <m:sSupPr>
+                        <m:ctrlPr>
+                          <a:rPr lang="fr-FR" sz="2000" i="1">
+                            <a:solidFill>
+                              <a:srgbClr val="FF0000"/>
+                            </a:solidFill>
+                            <a:latin typeface="Cambria Math" panose="02040503050406030204" pitchFamily="18" charset="0"/>
+                          </a:rPr>
+                        </m:ctrlPr>
+                      </m:sSupPr>
+                      <m:e>
+                        <m:r>
+                          <a:rPr lang="fr-FR" sz="2000" i="1">
+                            <a:solidFill>
+                              <a:srgbClr val="FF0000"/>
+                            </a:solidFill>
+                            <a:latin typeface="Cambria Math" panose="02040503050406030204" pitchFamily="18" charset="0"/>
+                          </a:rPr>
+                          <m:t>h</m:t>
+                        </m:r>
+                      </m:e>
+                      <m:sup>
+                        <m:r>
+                          <a:rPr lang="fr-FR" sz="2000" i="1">
+                            <a:solidFill>
+                              <a:srgbClr val="FF0000"/>
+                            </a:solidFill>
+                            <a:latin typeface="Cambria Math" panose="02040503050406030204" pitchFamily="18" charset="0"/>
+                          </a:rPr>
+                          <m:t>′</m:t>
+                        </m:r>
+                      </m:sup>
+                    </m:sSup>
+                    <m:d>
+                      <m:dPr>
+                        <m:ctrlPr>
+                          <a:rPr lang="fr-FR" sz="2000" i="1">
+                            <a:solidFill>
+                              <a:srgbClr val="FF0000"/>
+                            </a:solidFill>
+                            <a:latin typeface="Cambria Math" panose="02040503050406030204" pitchFamily="18" charset="0"/>
+                          </a:rPr>
+                        </m:ctrlPr>
+                      </m:dPr>
+                      <m:e>
+                        <m:r>
+                          <a:rPr lang="fr-FR" sz="2000" i="1">
+                            <a:solidFill>
+                              <a:srgbClr val="FF0000"/>
+                            </a:solidFill>
+                            <a:latin typeface="Cambria Math" panose="02040503050406030204" pitchFamily="18" charset="0"/>
+                          </a:rPr>
+                          <m:t>𝑥</m:t>
+                        </m:r>
+                        <m:r>
+                          <a:rPr lang="fr-FR" sz="2000" i="1">
+                            <a:solidFill>
+                              <a:srgbClr val="FF0000"/>
+                            </a:solidFill>
+                            <a:latin typeface="Cambria Math" panose="02040503050406030204" pitchFamily="18" charset="0"/>
+                          </a:rPr>
+                          <m:t>=</m:t>
+                        </m:r>
+                        <m:sSub>
+                          <m:sSubPr>
+                            <m:ctrlPr>
+                              <a:rPr lang="fr-FR" sz="2000" i="1">
+                                <a:solidFill>
+                                  <a:srgbClr val="FF0000"/>
+                                </a:solidFill>
+                                <a:latin typeface="Cambria Math" panose="02040503050406030204" pitchFamily="18" charset="0"/>
+                              </a:rPr>
+                            </m:ctrlPr>
+                          </m:sSubPr>
+                          <m:e>
+                            <m:r>
+                              <a:rPr lang="fr-FR" sz="2000" i="1">
+                                <a:solidFill>
+                                  <a:srgbClr val="FF0000"/>
+                                </a:solidFill>
+                                <a:latin typeface="Cambria Math" panose="02040503050406030204" pitchFamily="18" charset="0"/>
+                              </a:rPr>
+                              <m:t>𝑥</m:t>
+                            </m:r>
+                          </m:e>
+                          <m:sub>
+                            <m:r>
+                              <a:rPr lang="fr-FR" sz="2000" i="1">
+                                <a:solidFill>
+                                  <a:srgbClr val="FF0000"/>
+                                </a:solidFill>
+                                <a:latin typeface="Cambria Math" panose="02040503050406030204" pitchFamily="18" charset="0"/>
+                              </a:rPr>
+                              <m:t>0</m:t>
+                            </m:r>
+                          </m:sub>
+                        </m:sSub>
+                      </m:e>
+                    </m:d>
+                    <m:d>
+                      <m:dPr>
+                        <m:ctrlPr>
+                          <a:rPr lang="fr-FR" sz="2000" b="0" i="1" smtClean="0">
+                            <a:solidFill>
+                              <a:srgbClr val="FF0000"/>
+                            </a:solidFill>
+                            <a:latin typeface="Cambria Math" panose="02040503050406030204" pitchFamily="18" charset="0"/>
+                          </a:rPr>
+                        </m:ctrlPr>
+                      </m:dPr>
+                      <m:e>
+                        <m:r>
+                          <a:rPr lang="fr-FR" sz="2000" b="0" i="1" smtClean="0">
+                            <a:solidFill>
+                              <a:srgbClr val="FF0000"/>
+                            </a:solidFill>
+                            <a:latin typeface="Cambria Math" panose="02040503050406030204" pitchFamily="18" charset="0"/>
+                          </a:rPr>
+                          <m:t>𝑥</m:t>
+                        </m:r>
+                        <m:r>
+                          <a:rPr lang="fr-FR" sz="2000" b="0" i="1" smtClean="0">
+                            <a:solidFill>
+                              <a:srgbClr val="FF0000"/>
+                            </a:solidFill>
+                            <a:latin typeface="Cambria Math" panose="02040503050406030204" pitchFamily="18" charset="0"/>
+                          </a:rPr>
+                          <m:t>−</m:t>
+                        </m:r>
+                        <m:sSub>
+                          <m:sSubPr>
+                            <m:ctrlPr>
+                              <a:rPr lang="fr-FR" sz="2000" b="0" i="1" smtClean="0">
+                                <a:solidFill>
+                                  <a:srgbClr val="FF0000"/>
+                                </a:solidFill>
+                                <a:latin typeface="Cambria Math" panose="02040503050406030204" pitchFamily="18" charset="0"/>
+                              </a:rPr>
+                            </m:ctrlPr>
+                          </m:sSubPr>
+                          <m:e>
+                            <m:r>
+                              <a:rPr lang="fr-FR" sz="2000" b="0" i="1" smtClean="0">
+                                <a:solidFill>
+                                  <a:srgbClr val="FF0000"/>
+                                </a:solidFill>
+                                <a:latin typeface="Cambria Math" panose="02040503050406030204" pitchFamily="18" charset="0"/>
+                              </a:rPr>
+                              <m:t>𝑥</m:t>
+                            </m:r>
+                          </m:e>
+                          <m:sub>
+                            <m:r>
+                              <a:rPr lang="fr-FR" sz="2000" b="0" i="1" smtClean="0">
+                                <a:solidFill>
+                                  <a:srgbClr val="FF0000"/>
+                                </a:solidFill>
+                                <a:latin typeface="Cambria Math" panose="02040503050406030204" pitchFamily="18" charset="0"/>
+                              </a:rPr>
+                              <m:t>0</m:t>
+                            </m:r>
+                          </m:sub>
+                        </m:sSub>
+                      </m:e>
+                    </m:d>
+                    <m:r>
+                      <a:rPr lang="fr-FR" sz="2000" b="0" i="1" smtClean="0">
+                        <a:solidFill>
+                          <a:srgbClr val="FF0000"/>
+                        </a:solidFill>
+                        <a:latin typeface="Cambria Math" panose="02040503050406030204" pitchFamily="18" charset="0"/>
+                      </a:rPr>
+                      <m:t>+</m:t>
+                    </m:r>
+                    <m:r>
+                      <a:rPr lang="fr-FR" sz="2000" b="0" i="1" smtClean="0">
+                        <a:solidFill>
+                          <a:srgbClr val="FF0000"/>
+                        </a:solidFill>
+                        <a:latin typeface="Cambria Math" panose="02040503050406030204" pitchFamily="18" charset="0"/>
+                      </a:rPr>
+                      <m:t>h</m:t>
+                    </m:r>
+                    <m:r>
+                      <a:rPr lang="fr-FR" sz="2000" b="0" i="1" smtClean="0">
+                        <a:solidFill>
+                          <a:srgbClr val="FF0000"/>
+                        </a:solidFill>
+                        <a:latin typeface="Cambria Math" panose="02040503050406030204" pitchFamily="18" charset="0"/>
+                      </a:rPr>
+                      <m:t>(</m:t>
+                    </m:r>
+                    <m:sSub>
+                      <m:sSubPr>
+                        <m:ctrlPr>
+                          <a:rPr lang="fr-FR" sz="2000" b="0" i="1" smtClean="0">
+                            <a:solidFill>
+                              <a:srgbClr val="FF0000"/>
+                            </a:solidFill>
+                            <a:latin typeface="Cambria Math" panose="02040503050406030204" pitchFamily="18" charset="0"/>
+                          </a:rPr>
+                        </m:ctrlPr>
+                      </m:sSubPr>
+                      <m:e>
+                        <m:r>
+                          <a:rPr lang="fr-FR" sz="2000" b="0" i="1" smtClean="0">
+                            <a:solidFill>
+                              <a:srgbClr val="FF0000"/>
+                            </a:solidFill>
+                            <a:latin typeface="Cambria Math" panose="02040503050406030204" pitchFamily="18" charset="0"/>
+                          </a:rPr>
+                          <m:t>𝑥</m:t>
+                        </m:r>
+                      </m:e>
+                      <m:sub>
+                        <m:r>
+                          <a:rPr lang="fr-FR" sz="2000" b="0" i="1" smtClean="0">
+                            <a:solidFill>
+                              <a:srgbClr val="FF0000"/>
+                            </a:solidFill>
+                            <a:latin typeface="Cambria Math" panose="02040503050406030204" pitchFamily="18" charset="0"/>
+                          </a:rPr>
+                          <m:t>0</m:t>
+                        </m:r>
+                      </m:sub>
+                    </m:sSub>
+                    <m:r>
+                      <a:rPr lang="fr-FR" sz="2000" b="0" i="1" smtClean="0">
+                        <a:solidFill>
+                          <a:srgbClr val="FF0000"/>
+                        </a:solidFill>
+                        <a:latin typeface="Cambria Math" panose="02040503050406030204" pitchFamily="18" charset="0"/>
+                      </a:rPr>
+                      <m:t>)</m:t>
+                    </m:r>
+                  </m:oMath>
+                </a14:m>
+                <a:endParaRPr lang="fr-FR" sz="2000" dirty="0">
+                  <a:solidFill>
+                    <a:srgbClr val="FF0000"/>
+                  </a:solidFill>
+                </a:endParaRPr>
+              </a:p>
+            </p:txBody>
+          </p:sp>
+        </mc:Choice>
+        <mc:Fallback>
+          <p:sp>
+            <p:nvSpPr>
+              <p:cNvPr id="6" name="ZoneTexte 5"/>
+              <p:cNvSpPr txBox="1">
+                <a:spLocks noRot="1" noChangeAspect="1" noMove="1" noResize="1" noEditPoints="1" noAdjustHandles="1" noChangeArrowheads="1" noChangeShapeType="1" noTextEdit="1"/>
+              </p:cNvSpPr>
+              <p:nvPr/>
+            </p:nvSpPr>
+            <p:spPr>
+              <a:xfrm>
+                <a:off x="6278147" y="4208204"/>
+                <a:ext cx="5582297" cy="1045223"/>
+              </a:xfrm>
+              <a:prstGeom prst="rect">
+                <a:avLst/>
+              </a:prstGeom>
+              <a:blipFill>
+                <a:blip r:embed="rId5"/>
+                <a:stretch>
+                  <a:fillRect b="-3488"/>
+                </a:stretch>
+              </a:blipFill>
+            </p:spPr>
+            <p:txBody>
+              <a:bodyPr/>
+              <a:lstStyle/>
+              <a:p>
+                <a:r>
+                  <a:rPr lang="fr-FR">
+                    <a:noFill/>
+                  </a:rPr>
+                  <a:t> </a:t>
+                </a:r>
+              </a:p>
+            </p:txBody>
+          </p:sp>
+        </mc:Fallback>
+      </mc:AlternateContent>
     </p:spTree>
     <p:extLst>
       <p:ext uri="{BB962C8B-B14F-4D97-AF65-F5344CB8AC3E}">
@@ -8934,6 +17319,472 @@
   <p:clrMapOvr>
     <a:masterClrMapping/>
   </p:clrMapOvr>
+  <p:timing>
+    <p:tnLst>
+      <p:par>
+        <p:cTn id="1" dur="indefinite" restart="never" nodeType="tmRoot">
+          <p:childTnLst>
+            <p:seq concurrent="1" nextAc="seek">
+              <p:cTn id="2" dur="indefinite" nodeType="mainSeq">
+                <p:childTnLst>
+                  <p:par>
+                    <p:cTn id="3" fill="hold">
+                      <p:stCondLst>
+                        <p:cond delay="indefinite"/>
+                      </p:stCondLst>
+                      <p:childTnLst>
+                        <p:par>
+                          <p:cTn id="4" fill="hold">
+                            <p:stCondLst>
+                              <p:cond delay="0"/>
+                            </p:stCondLst>
+                            <p:childTnLst>
+                              <p:par>
+                                <p:cTn id="5" presetID="1" presetClass="entr" presetSubtype="0" fill="hold" nodeType="clickEffect">
+                                  <p:stCondLst>
+                                    <p:cond delay="0"/>
+                                  </p:stCondLst>
+                                  <p:childTnLst>
+                                    <p:set>
+                                      <p:cBhvr>
+                                        <p:cTn id="6" dur="1" fill="hold">
+                                          <p:stCondLst>
+                                            <p:cond delay="0"/>
+                                          </p:stCondLst>
+                                        </p:cTn>
+                                        <p:tgtEl>
+                                          <p:spTgt spid="2">
+                                            <p:txEl>
+                                              <p:pRg st="0" end="0"/>
+                                            </p:txEl>
+                                          </p:spTgt>
+                                        </p:tgtEl>
+                                        <p:attrNameLst>
+                                          <p:attrName>style.visibility</p:attrName>
+                                        </p:attrNameLst>
+                                      </p:cBhvr>
+                                      <p:to>
+                                        <p:strVal val="visible"/>
+                                      </p:to>
+                                    </p:set>
+                                  </p:childTnLst>
+                                </p:cTn>
+                              </p:par>
+                            </p:childTnLst>
+                          </p:cTn>
+                        </p:par>
+                      </p:childTnLst>
+                    </p:cTn>
+                  </p:par>
+                  <p:par>
+                    <p:cTn id="7" fill="hold">
+                      <p:stCondLst>
+                        <p:cond delay="indefinite"/>
+                      </p:stCondLst>
+                      <p:childTnLst>
+                        <p:par>
+                          <p:cTn id="8" fill="hold">
+                            <p:stCondLst>
+                              <p:cond delay="0"/>
+                            </p:stCondLst>
+                            <p:childTnLst>
+                              <p:par>
+                                <p:cTn id="9" presetID="1" presetClass="entr" presetSubtype="0" fill="hold" nodeType="clickEffect">
+                                  <p:stCondLst>
+                                    <p:cond delay="0"/>
+                                  </p:stCondLst>
+                                  <p:childTnLst>
+                                    <p:set>
+                                      <p:cBhvr>
+                                        <p:cTn id="10" dur="1" fill="hold">
+                                          <p:stCondLst>
+                                            <p:cond delay="0"/>
+                                          </p:stCondLst>
+                                        </p:cTn>
+                                        <p:tgtEl>
+                                          <p:spTgt spid="2">
+                                            <p:txEl>
+                                              <p:pRg st="1" end="1"/>
+                                            </p:txEl>
+                                          </p:spTgt>
+                                        </p:tgtEl>
+                                        <p:attrNameLst>
+                                          <p:attrName>style.visibility</p:attrName>
+                                        </p:attrNameLst>
+                                      </p:cBhvr>
+                                      <p:to>
+                                        <p:strVal val="visible"/>
+                                      </p:to>
+                                    </p:set>
+                                  </p:childTnLst>
+                                </p:cTn>
+                              </p:par>
+                            </p:childTnLst>
+                          </p:cTn>
+                        </p:par>
+                      </p:childTnLst>
+                    </p:cTn>
+                  </p:par>
+                  <p:par>
+                    <p:cTn id="11" fill="hold">
+                      <p:stCondLst>
+                        <p:cond delay="indefinite"/>
+                      </p:stCondLst>
+                      <p:childTnLst>
+                        <p:par>
+                          <p:cTn id="12" fill="hold">
+                            <p:stCondLst>
+                              <p:cond delay="0"/>
+                            </p:stCondLst>
+                            <p:childTnLst>
+                              <p:par>
+                                <p:cTn id="13" presetID="1" presetClass="entr" presetSubtype="0" fill="hold" nodeType="clickEffect">
+                                  <p:stCondLst>
+                                    <p:cond delay="0"/>
+                                  </p:stCondLst>
+                                  <p:childTnLst>
+                                    <p:set>
+                                      <p:cBhvr>
+                                        <p:cTn id="14" dur="1" fill="hold">
+                                          <p:stCondLst>
+                                            <p:cond delay="0"/>
+                                          </p:stCondLst>
+                                        </p:cTn>
+                                        <p:tgtEl>
+                                          <p:spTgt spid="2">
+                                            <p:txEl>
+                                              <p:pRg st="2" end="2"/>
+                                            </p:txEl>
+                                          </p:spTgt>
+                                        </p:tgtEl>
+                                        <p:attrNameLst>
+                                          <p:attrName>style.visibility</p:attrName>
+                                        </p:attrNameLst>
+                                      </p:cBhvr>
+                                      <p:to>
+                                        <p:strVal val="visible"/>
+                                      </p:to>
+                                    </p:set>
+                                  </p:childTnLst>
+                                </p:cTn>
+                              </p:par>
+                            </p:childTnLst>
+                          </p:cTn>
+                        </p:par>
+                      </p:childTnLst>
+                    </p:cTn>
+                  </p:par>
+                  <p:par>
+                    <p:cTn id="15" fill="hold">
+                      <p:stCondLst>
+                        <p:cond delay="indefinite"/>
+                      </p:stCondLst>
+                      <p:childTnLst>
+                        <p:par>
+                          <p:cTn id="16" fill="hold">
+                            <p:stCondLst>
+                              <p:cond delay="0"/>
+                            </p:stCondLst>
+                            <p:childTnLst>
+                              <p:par>
+                                <p:cTn id="17" presetID="1" presetClass="entr" presetSubtype="0" fill="hold" nodeType="clickEffect">
+                                  <p:stCondLst>
+                                    <p:cond delay="0"/>
+                                  </p:stCondLst>
+                                  <p:childTnLst>
+                                    <p:set>
+                                      <p:cBhvr>
+                                        <p:cTn id="18" dur="1" fill="hold">
+                                          <p:stCondLst>
+                                            <p:cond delay="0"/>
+                                          </p:stCondLst>
+                                        </p:cTn>
+                                        <p:tgtEl>
+                                          <p:spTgt spid="5">
+                                            <p:txEl>
+                                              <p:pRg st="5" end="5"/>
+                                            </p:txEl>
+                                          </p:spTgt>
+                                        </p:tgtEl>
+                                        <p:attrNameLst>
+                                          <p:attrName>style.visibility</p:attrName>
+                                        </p:attrNameLst>
+                                      </p:cBhvr>
+                                      <p:to>
+                                        <p:strVal val="visible"/>
+                                      </p:to>
+                                    </p:set>
+                                  </p:childTnLst>
+                                </p:cTn>
+                              </p:par>
+                              <p:par>
+                                <p:cTn id="19" presetID="1" presetClass="entr" presetSubtype="0" fill="hold" nodeType="withEffect">
+                                  <p:stCondLst>
+                                    <p:cond delay="0"/>
+                                  </p:stCondLst>
+                                  <p:childTnLst>
+                                    <p:set>
+                                      <p:cBhvr>
+                                        <p:cTn id="20" dur="1" fill="hold">
+                                          <p:stCondLst>
+                                            <p:cond delay="0"/>
+                                          </p:stCondLst>
+                                        </p:cTn>
+                                        <p:tgtEl>
+                                          <p:spTgt spid="5">
+                                            <p:txEl>
+                                              <p:pRg st="6" end="6"/>
+                                            </p:txEl>
+                                          </p:spTgt>
+                                        </p:tgtEl>
+                                        <p:attrNameLst>
+                                          <p:attrName>style.visibility</p:attrName>
+                                        </p:attrNameLst>
+                                      </p:cBhvr>
+                                      <p:to>
+                                        <p:strVal val="visible"/>
+                                      </p:to>
+                                    </p:set>
+                                  </p:childTnLst>
+                                </p:cTn>
+                              </p:par>
+                              <p:par>
+                                <p:cTn id="21" presetID="1" presetClass="entr" presetSubtype="0" fill="hold" nodeType="withEffect">
+                                  <p:stCondLst>
+                                    <p:cond delay="0"/>
+                                  </p:stCondLst>
+                                  <p:childTnLst>
+                                    <p:set>
+                                      <p:cBhvr>
+                                        <p:cTn id="22" dur="1" fill="hold">
+                                          <p:stCondLst>
+                                            <p:cond delay="0"/>
+                                          </p:stCondLst>
+                                        </p:cTn>
+                                        <p:tgtEl>
+                                          <p:spTgt spid="5">
+                                            <p:txEl>
+                                              <p:pRg st="7" end="7"/>
+                                            </p:txEl>
+                                          </p:spTgt>
+                                        </p:tgtEl>
+                                        <p:attrNameLst>
+                                          <p:attrName>style.visibility</p:attrName>
+                                        </p:attrNameLst>
+                                      </p:cBhvr>
+                                      <p:to>
+                                        <p:strVal val="visible"/>
+                                      </p:to>
+                                    </p:set>
+                                  </p:childTnLst>
+                                </p:cTn>
+                              </p:par>
+                              <p:par>
+                                <p:cTn id="23" presetID="1" presetClass="entr" presetSubtype="0" fill="hold" nodeType="withEffect">
+                                  <p:stCondLst>
+                                    <p:cond delay="0"/>
+                                  </p:stCondLst>
+                                  <p:childTnLst>
+                                    <p:set>
+                                      <p:cBhvr>
+                                        <p:cTn id="24" dur="1" fill="hold">
+                                          <p:stCondLst>
+                                            <p:cond delay="0"/>
+                                          </p:stCondLst>
+                                        </p:cTn>
+                                        <p:tgtEl>
+                                          <p:spTgt spid="5">
+                                            <p:txEl>
+                                              <p:pRg st="8" end="8"/>
+                                            </p:txEl>
+                                          </p:spTgt>
+                                        </p:tgtEl>
+                                        <p:attrNameLst>
+                                          <p:attrName>style.visibility</p:attrName>
+                                        </p:attrNameLst>
+                                      </p:cBhvr>
+                                      <p:to>
+                                        <p:strVal val="visible"/>
+                                      </p:to>
+                                    </p:set>
+                                  </p:childTnLst>
+                                </p:cTn>
+                              </p:par>
+                            </p:childTnLst>
+                          </p:cTn>
+                        </p:par>
+                      </p:childTnLst>
+                    </p:cTn>
+                  </p:par>
+                  <p:par>
+                    <p:cTn id="25" fill="hold">
+                      <p:stCondLst>
+                        <p:cond delay="indefinite"/>
+                      </p:stCondLst>
+                      <p:childTnLst>
+                        <p:par>
+                          <p:cTn id="26" fill="hold">
+                            <p:stCondLst>
+                              <p:cond delay="0"/>
+                            </p:stCondLst>
+                            <p:childTnLst>
+                              <p:par>
+                                <p:cTn id="27" presetID="1" presetClass="entr" presetSubtype="0" fill="hold" nodeType="clickEffect">
+                                  <p:stCondLst>
+                                    <p:cond delay="0"/>
+                                  </p:stCondLst>
+                                  <p:childTnLst>
+                                    <p:set>
+                                      <p:cBhvr>
+                                        <p:cTn id="28" dur="1" fill="hold">
+                                          <p:stCondLst>
+                                            <p:cond delay="0"/>
+                                          </p:stCondLst>
+                                        </p:cTn>
+                                        <p:tgtEl>
+                                          <p:spTgt spid="6">
+                                            <p:txEl>
+                                              <p:pRg st="0" end="0"/>
+                                            </p:txEl>
+                                          </p:spTgt>
+                                        </p:tgtEl>
+                                        <p:attrNameLst>
+                                          <p:attrName>style.visibility</p:attrName>
+                                        </p:attrNameLst>
+                                      </p:cBhvr>
+                                      <p:to>
+                                        <p:strVal val="visible"/>
+                                      </p:to>
+                                    </p:set>
+                                  </p:childTnLst>
+                                </p:cTn>
+                              </p:par>
+                            </p:childTnLst>
+                          </p:cTn>
+                        </p:par>
+                      </p:childTnLst>
+                    </p:cTn>
+                  </p:par>
+                  <p:par>
+                    <p:cTn id="29" fill="hold">
+                      <p:stCondLst>
+                        <p:cond delay="indefinite"/>
+                      </p:stCondLst>
+                      <p:childTnLst>
+                        <p:par>
+                          <p:cTn id="30" fill="hold">
+                            <p:stCondLst>
+                              <p:cond delay="0"/>
+                            </p:stCondLst>
+                            <p:childTnLst>
+                              <p:par>
+                                <p:cTn id="31" presetID="1" presetClass="entr" presetSubtype="0" fill="hold" nodeType="clickEffect">
+                                  <p:stCondLst>
+                                    <p:cond delay="0"/>
+                                  </p:stCondLst>
+                                  <p:childTnLst>
+                                    <p:set>
+                                      <p:cBhvr>
+                                        <p:cTn id="32" dur="1" fill="hold">
+                                          <p:stCondLst>
+                                            <p:cond delay="0"/>
+                                          </p:stCondLst>
+                                        </p:cTn>
+                                        <p:tgtEl>
+                                          <p:spTgt spid="6">
+                                            <p:txEl>
+                                              <p:pRg st="1" end="1"/>
+                                            </p:txEl>
+                                          </p:spTgt>
+                                        </p:tgtEl>
+                                        <p:attrNameLst>
+                                          <p:attrName>style.visibility</p:attrName>
+                                        </p:attrNameLst>
+                                      </p:cBhvr>
+                                      <p:to>
+                                        <p:strVal val="visible"/>
+                                      </p:to>
+                                    </p:set>
+                                  </p:childTnLst>
+                                </p:cTn>
+                              </p:par>
+                            </p:childTnLst>
+                          </p:cTn>
+                        </p:par>
+                      </p:childTnLst>
+                    </p:cTn>
+                  </p:par>
+                  <p:par>
+                    <p:cTn id="33" fill="hold">
+                      <p:stCondLst>
+                        <p:cond delay="indefinite"/>
+                      </p:stCondLst>
+                      <p:childTnLst>
+                        <p:par>
+                          <p:cTn id="34" fill="hold">
+                            <p:stCondLst>
+                              <p:cond delay="0"/>
+                            </p:stCondLst>
+                            <p:childTnLst>
+                              <p:par>
+                                <p:cTn id="35" presetID="1" presetClass="entr" presetSubtype="0" fill="hold" nodeType="clickEffect">
+                                  <p:stCondLst>
+                                    <p:cond delay="0"/>
+                                  </p:stCondLst>
+                                  <p:childTnLst>
+                                    <p:set>
+                                      <p:cBhvr>
+                                        <p:cTn id="36" dur="1" fill="hold">
+                                          <p:stCondLst>
+                                            <p:cond delay="0"/>
+                                          </p:stCondLst>
+                                        </p:cTn>
+                                        <p:tgtEl>
+                                          <p:spTgt spid="6">
+                                            <p:txEl>
+                                              <p:pRg st="2" end="2"/>
+                                            </p:txEl>
+                                          </p:spTgt>
+                                        </p:tgtEl>
+                                        <p:attrNameLst>
+                                          <p:attrName>style.visibility</p:attrName>
+                                        </p:attrNameLst>
+                                      </p:cBhvr>
+                                      <p:to>
+                                        <p:strVal val="visible"/>
+                                      </p:to>
+                                    </p:set>
+                                  </p:childTnLst>
+                                </p:cTn>
+                              </p:par>
+                            </p:childTnLst>
+                          </p:cTn>
+                        </p:par>
+                      </p:childTnLst>
+                    </p:cTn>
+                  </p:par>
+                </p:childTnLst>
+              </p:cTn>
+              <p:prevCondLst>
+                <p:cond evt="onPrev" delay="0">
+                  <p:tgtEl>
+                    <p:sldTgt/>
+                  </p:tgtEl>
+                </p:cond>
+              </p:prevCondLst>
+              <p:nextCondLst>
+                <p:cond evt="onNext" delay="0">
+                  <p:tgtEl>
+                    <p:sldTgt/>
+                  </p:tgtEl>
+                </p:cond>
+              </p:nextCondLst>
+            </p:seq>
+          </p:childTnLst>
+        </p:cTn>
+      </p:par>
+    </p:tnLst>
+  </p:timing>
 </p:sld>
 </file>
 
@@ -9793,6 +18644,13 @@
   <p:clrMapOvr>
     <a:masterClrMapping/>
   </p:clrMapOvr>
+  <p:timing>
+    <p:tnLst>
+      <p:par>
+        <p:cTn id="1" dur="indefinite" restart="never" nodeType="tmRoot"/>
+      </p:par>
+    </p:tnLst>
+  </p:timing>
 </p:sld>
 </file>
 
@@ -9928,6 +18786,13 @@
   <p:clrMapOvr>
     <a:masterClrMapping/>
   </p:clrMapOvr>
+  <p:timing>
+    <p:tnLst>
+      <p:par>
+        <p:cTn id="1" dur="indefinite" restart="never" nodeType="tmRoot"/>
+      </p:par>
+    </p:tnLst>
+  </p:timing>
 </p:sld>
 </file>
 
